--- a/ai_project_presentation.pptx
+++ b/ai_project_presentation.pptx
@@ -6,9 +6,14 @@
   </p:sldMasterIdLst>
   <p:sldIdLst>
     <p:sldId id="256" r:id="rId2"/>
-    <p:sldId id="257" r:id="rId3"/>
-    <p:sldId id="258" r:id="rId4"/>
-    <p:sldId id="259" r:id="rId5"/>
+    <p:sldId id="264" r:id="rId3"/>
+    <p:sldId id="265" r:id="rId4"/>
+    <p:sldId id="260" r:id="rId5"/>
+    <p:sldId id="261" r:id="rId6"/>
+    <p:sldId id="262" r:id="rId7"/>
+    <p:sldId id="263" r:id="rId8"/>
+    <p:sldId id="259" r:id="rId9"/>
+    <p:sldId id="257" r:id="rId10"/>
   </p:sldIdLst>
   <p:sldSz cx="12192000" cy="6858000"/>
   <p:notesSz cx="6858000" cy="9144000"/>
@@ -108,6 +113,39 @@
     </a:lvl9pPr>
   </p:defaultTextStyle>
   <p:extLst>
+    <p:ext uri="{521415D9-36F7-43E2-AB2F-B90AF26B5E84}">
+      <p14:sectionLst xmlns:p14="http://schemas.microsoft.com/office/powerpoint/2010/main">
+        <p14:section name="1. Introduction" id="{19162775-C2A7-484E-AAF0-915AF0BE4695}">
+          <p14:sldIdLst>
+            <p14:sldId id="256"/>
+          </p14:sldIdLst>
+        </p14:section>
+        <p14:section name="2. Background" id="{014977A0-B693-8C4B-9C93-3F83C2D18602}">
+          <p14:sldIdLst>
+            <p14:sldId id="264"/>
+          </p14:sldIdLst>
+        </p14:section>
+        <p14:section name="3. Methods" id="{867A6CF8-E075-F941-BB86-CB87060E616B}">
+          <p14:sldIdLst>
+            <p14:sldId id="265"/>
+            <p14:sldId id="260"/>
+            <p14:sldId id="261"/>
+            <p14:sldId id="262"/>
+          </p14:sldIdLst>
+        </p14:section>
+        <p14:section name="4. Results" id="{BAB54EB3-0323-4E49-9783-661F3FA2DAF7}">
+          <p14:sldIdLst>
+            <p14:sldId id="263"/>
+          </p14:sldIdLst>
+        </p14:section>
+        <p14:section name="5. Conclusion" id="{C6DF7525-A040-AF4B-9866-EDC52ED77073}">
+          <p14:sldIdLst>
+            <p14:sldId id="259"/>
+            <p14:sldId id="257"/>
+          </p14:sldIdLst>
+        </p14:section>
+      </p14:sectionLst>
+    </p:ext>
     <p:ext uri="{EFAFB233-063F-42B5-8137-9DF3F51BA10A}">
       <p15:sldGuideLst xmlns:p15="http://schemas.microsoft.com/office/powerpoint/2012/main"/>
     </p:ext>
@@ -6047,7 +6085,11 @@
           <a:bodyPr/>
           <a:lstStyle/>
           <a:p>
-            <a:endParaRPr lang="en-US"/>
+            <a:r>
+              <a:rPr lang="en-US" dirty="0" smtClean="0"/>
+              <a:t>Motivation</a:t>
+            </a:r>
+            <a:endParaRPr lang="en-US" dirty="0"/>
           </a:p>
         </p:txBody>
       </p:sp>
@@ -6066,20 +6108,31 @@
           <a:bodyPr/>
           <a:lstStyle/>
           <a:p>
-            <a:endParaRPr lang="en-US"/>
+            <a:r>
+              <a:rPr lang="en-US" dirty="0" smtClean="0"/>
+              <a:t>Come up with some fun example of a situation where authorship identification would be helpful</a:t>
+            </a:r>
+            <a:endParaRPr lang="en-US" dirty="0"/>
           </a:p>
         </p:txBody>
       </p:sp>
     </p:spTree>
     <p:extLst>
       <p:ext uri="{BB962C8B-B14F-4D97-AF65-F5344CB8AC3E}">
-        <p14:creationId xmlns:p14="http://schemas.microsoft.com/office/powerpoint/2010/main" val="999699721"/>
+        <p14:creationId xmlns:p14="http://schemas.microsoft.com/office/powerpoint/2010/main" val="1785294230"/>
       </p:ext>
     </p:extLst>
   </p:cSld>
   <p:clrMapOvr>
     <a:masterClrMapping/>
   </p:clrMapOvr>
+  <p:timing>
+    <p:tnLst>
+      <p:par>
+        <p:cTn id="1" dur="indefinite" restart="never" nodeType="tmRoot"/>
+      </p:par>
+    </p:tnLst>
+  </p:timing>
 </p:sld>
 </file>
 
@@ -6115,20 +6168,1090 @@
           <a:bodyPr/>
           <a:lstStyle/>
           <a:p>
-            <a:endParaRPr lang="en-US"/>
+            <a:r>
+              <a:rPr lang="en-US" dirty="0" smtClean="0"/>
+              <a:t>Overview</a:t>
+            </a:r>
+            <a:endParaRPr lang="en-US" dirty="0"/>
+          </a:p>
+        </p:txBody>
+      </p:sp>
+      <p:sp>
+        <p:nvSpPr>
+          <p:cNvPr id="4" name="Rectangle 3"/>
+          <p:cNvSpPr/>
+          <p:nvPr/>
+        </p:nvSpPr>
+        <p:spPr>
+          <a:xfrm>
+            <a:off x="1980179" y="1741883"/>
+            <a:ext cx="1518834" cy="805911"/>
+          </a:xfrm>
+          <a:prstGeom prst="rect">
+            <a:avLst/>
+          </a:prstGeom>
+          <a:solidFill>
+            <a:schemeClr val="tx1"/>
+          </a:solidFill>
+          <a:ln>
+            <a:solidFill>
+              <a:schemeClr val="tx1">
+                <a:lumMod val="85000"/>
+              </a:schemeClr>
+            </a:solidFill>
+          </a:ln>
+        </p:spPr>
+        <p:style>
+          <a:lnRef idx="2">
+            <a:schemeClr val="accent1">
+              <a:shade val="50000"/>
+            </a:schemeClr>
+          </a:lnRef>
+          <a:fillRef idx="1">
+            <a:schemeClr val="accent1"/>
+          </a:fillRef>
+          <a:effectRef idx="0">
+            <a:schemeClr val="accent1"/>
+          </a:effectRef>
+          <a:fontRef idx="minor">
+            <a:schemeClr val="lt1"/>
+          </a:fontRef>
+        </p:style>
+        <p:txBody>
+          <a:bodyPr rtlCol="0" anchor="ctr"/>
+          <a:lstStyle/>
+          <a:p>
+            <a:pPr algn="ctr"/>
+            <a:r>
+              <a:rPr lang="en-US" dirty="0" smtClean="0">
+                <a:solidFill>
+                  <a:schemeClr val="bg1"/>
+                </a:solidFill>
+              </a:rPr>
+              <a:t>Corpus</a:t>
+            </a:r>
+            <a:endParaRPr lang="en-US" dirty="0">
+              <a:solidFill>
+                <a:schemeClr val="bg1"/>
+              </a:solidFill>
+            </a:endParaRPr>
+          </a:p>
+        </p:txBody>
+      </p:sp>
+      <p:sp>
+        <p:nvSpPr>
+          <p:cNvPr id="7" name="Rectangle 6"/>
+          <p:cNvSpPr/>
+          <p:nvPr/>
+        </p:nvSpPr>
+        <p:spPr>
+          <a:xfrm>
+            <a:off x="683007" y="2965567"/>
+            <a:ext cx="1518834" cy="805911"/>
+          </a:xfrm>
+          <a:prstGeom prst="rect">
+            <a:avLst/>
+          </a:prstGeom>
+          <a:solidFill>
+            <a:schemeClr val="tx1"/>
+          </a:solidFill>
+          <a:ln>
+            <a:solidFill>
+              <a:schemeClr val="tx1">
+                <a:lumMod val="75000"/>
+              </a:schemeClr>
+            </a:solidFill>
+          </a:ln>
+        </p:spPr>
+        <p:style>
+          <a:lnRef idx="2">
+            <a:schemeClr val="accent1">
+              <a:shade val="50000"/>
+            </a:schemeClr>
+          </a:lnRef>
+          <a:fillRef idx="1">
+            <a:schemeClr val="accent1"/>
+          </a:fillRef>
+          <a:effectRef idx="0">
+            <a:schemeClr val="accent1"/>
+          </a:effectRef>
+          <a:fontRef idx="minor">
+            <a:schemeClr val="lt1"/>
+          </a:fontRef>
+        </p:style>
+        <p:txBody>
+          <a:bodyPr rtlCol="0" anchor="ctr"/>
+          <a:lstStyle/>
+          <a:p>
+            <a:pPr algn="ctr"/>
+            <a:r>
+              <a:rPr lang="en-US" dirty="0" smtClean="0">
+                <a:solidFill>
+                  <a:schemeClr val="bg1"/>
+                </a:solidFill>
+              </a:rPr>
+              <a:t>Authors</a:t>
+            </a:r>
+            <a:endParaRPr lang="en-US" dirty="0">
+              <a:solidFill>
+                <a:schemeClr val="bg1"/>
+              </a:solidFill>
+            </a:endParaRPr>
+          </a:p>
+        </p:txBody>
+      </p:sp>
+      <p:sp>
+        <p:nvSpPr>
+          <p:cNvPr id="10" name="Rectangle 9"/>
+          <p:cNvSpPr/>
+          <p:nvPr/>
+        </p:nvSpPr>
+        <p:spPr>
+          <a:xfrm>
+            <a:off x="3149761" y="2995709"/>
+            <a:ext cx="1518834" cy="805911"/>
+          </a:xfrm>
+          <a:prstGeom prst="rect">
+            <a:avLst/>
+          </a:prstGeom>
+          <a:solidFill>
+            <a:schemeClr val="tx1"/>
+          </a:solidFill>
+          <a:ln>
+            <a:solidFill>
+              <a:schemeClr val="tx1">
+                <a:lumMod val="75000"/>
+              </a:schemeClr>
+            </a:solidFill>
+          </a:ln>
+        </p:spPr>
+        <p:style>
+          <a:lnRef idx="2">
+            <a:schemeClr val="accent1">
+              <a:shade val="50000"/>
+            </a:schemeClr>
+          </a:lnRef>
+          <a:fillRef idx="1">
+            <a:schemeClr val="accent1"/>
+          </a:fillRef>
+          <a:effectRef idx="0">
+            <a:schemeClr val="accent1"/>
+          </a:effectRef>
+          <a:fontRef idx="minor">
+            <a:schemeClr val="lt1"/>
+          </a:fontRef>
+        </p:style>
+        <p:txBody>
+          <a:bodyPr rtlCol="0" anchor="ctr"/>
+          <a:lstStyle/>
+          <a:p>
+            <a:pPr algn="ctr"/>
+            <a:r>
+              <a:rPr lang="en-US" dirty="0" smtClean="0">
+                <a:solidFill>
+                  <a:sysClr val="windowText" lastClr="000000"/>
+                </a:solidFill>
+              </a:rPr>
+              <a:t>Documents</a:t>
+            </a:r>
+            <a:endParaRPr lang="en-US" dirty="0">
+              <a:solidFill>
+                <a:sysClr val="windowText" lastClr="000000"/>
+              </a:solidFill>
+            </a:endParaRPr>
+          </a:p>
+        </p:txBody>
+      </p:sp>
+      <p:sp>
+        <p:nvSpPr>
+          <p:cNvPr id="11" name="Rectangle 10"/>
+          <p:cNvSpPr/>
+          <p:nvPr/>
+        </p:nvSpPr>
+        <p:spPr>
+          <a:xfrm>
+            <a:off x="1980179" y="4820789"/>
+            <a:ext cx="1518834" cy="805911"/>
+          </a:xfrm>
+          <a:prstGeom prst="rect">
+            <a:avLst/>
+          </a:prstGeom>
+          <a:solidFill>
+            <a:schemeClr val="tx1"/>
+          </a:solidFill>
+          <a:ln>
+            <a:solidFill>
+              <a:schemeClr val="tx1">
+                <a:lumMod val="75000"/>
+              </a:schemeClr>
+            </a:solidFill>
+          </a:ln>
+        </p:spPr>
+        <p:style>
+          <a:lnRef idx="2">
+            <a:schemeClr val="accent1">
+              <a:shade val="50000"/>
+            </a:schemeClr>
+          </a:lnRef>
+          <a:fillRef idx="1">
+            <a:schemeClr val="accent1"/>
+          </a:fillRef>
+          <a:effectRef idx="0">
+            <a:schemeClr val="accent1"/>
+          </a:effectRef>
+          <a:fontRef idx="minor">
+            <a:schemeClr val="lt1"/>
+          </a:fontRef>
+        </p:style>
+        <p:txBody>
+          <a:bodyPr rtlCol="0" anchor="ctr"/>
+          <a:lstStyle/>
+          <a:p>
+            <a:pPr algn="ctr"/>
+            <a:r>
+              <a:rPr lang="en-US" smtClean="0">
+                <a:solidFill>
+                  <a:schemeClr val="bg1"/>
+                </a:solidFill>
+              </a:rPr>
+              <a:t>Features</a:t>
+            </a:r>
+            <a:endParaRPr lang="en-US" dirty="0"/>
+          </a:p>
+        </p:txBody>
+      </p:sp>
+      <p:sp>
+        <p:nvSpPr>
+          <p:cNvPr id="12" name="Rectangle 11"/>
+          <p:cNvSpPr/>
+          <p:nvPr/>
+        </p:nvSpPr>
+        <p:spPr>
+          <a:xfrm>
+            <a:off x="9859366" y="2394507"/>
+            <a:ext cx="1518834" cy="805911"/>
+          </a:xfrm>
+          <a:prstGeom prst="rect">
+            <a:avLst/>
+          </a:prstGeom>
+          <a:solidFill>
+            <a:schemeClr val="tx1"/>
+          </a:solidFill>
+          <a:ln>
+            <a:solidFill>
+              <a:schemeClr val="tx1">
+                <a:lumMod val="75000"/>
+              </a:schemeClr>
+            </a:solidFill>
+          </a:ln>
+        </p:spPr>
+        <p:style>
+          <a:lnRef idx="2">
+            <a:schemeClr val="accent1">
+              <a:shade val="50000"/>
+            </a:schemeClr>
+          </a:lnRef>
+          <a:fillRef idx="1">
+            <a:schemeClr val="accent1"/>
+          </a:fillRef>
+          <a:effectRef idx="0">
+            <a:schemeClr val="accent1"/>
+          </a:effectRef>
+          <a:fontRef idx="minor">
+            <a:schemeClr val="lt1"/>
+          </a:fontRef>
+        </p:style>
+        <p:txBody>
+          <a:bodyPr rtlCol="0" anchor="ctr"/>
+          <a:lstStyle/>
+          <a:p>
+            <a:pPr algn="ctr"/>
+            <a:r>
+              <a:rPr lang="en-US" dirty="0" smtClean="0">
+                <a:solidFill>
+                  <a:sysClr val="windowText" lastClr="000000"/>
+                </a:solidFill>
+              </a:rPr>
+              <a:t>Neural Network</a:t>
+            </a:r>
+            <a:endParaRPr lang="en-US" dirty="0">
+              <a:solidFill>
+                <a:sysClr val="windowText" lastClr="000000"/>
+              </a:solidFill>
+            </a:endParaRPr>
+          </a:p>
+        </p:txBody>
+      </p:sp>
+      <p:sp>
+        <p:nvSpPr>
+          <p:cNvPr id="14" name="Rectangle 13"/>
+          <p:cNvSpPr/>
+          <p:nvPr/>
+        </p:nvSpPr>
+        <p:spPr>
+          <a:xfrm>
+            <a:off x="6884272" y="2408012"/>
+            <a:ext cx="1518834" cy="805911"/>
+          </a:xfrm>
+          <a:prstGeom prst="rect">
+            <a:avLst/>
+          </a:prstGeom>
+          <a:solidFill>
+            <a:schemeClr val="tx1"/>
+          </a:solidFill>
+          <a:ln>
+            <a:solidFill>
+              <a:schemeClr val="tx1">
+                <a:lumMod val="75000"/>
+              </a:schemeClr>
+            </a:solidFill>
+          </a:ln>
+        </p:spPr>
+        <p:style>
+          <a:lnRef idx="2">
+            <a:schemeClr val="accent1">
+              <a:shade val="50000"/>
+            </a:schemeClr>
+          </a:lnRef>
+          <a:fillRef idx="1">
+            <a:schemeClr val="accent1"/>
+          </a:fillRef>
+          <a:effectRef idx="0">
+            <a:schemeClr val="accent1"/>
+          </a:effectRef>
+          <a:fontRef idx="minor">
+            <a:schemeClr val="lt1"/>
+          </a:fontRef>
+        </p:style>
+        <p:txBody>
+          <a:bodyPr rtlCol="0" anchor="ctr"/>
+          <a:lstStyle/>
+          <a:p>
+            <a:pPr algn="ctr"/>
+            <a:r>
+              <a:rPr lang="en-US" dirty="0" smtClean="0">
+                <a:solidFill>
+                  <a:schemeClr val="bg1"/>
+                </a:solidFill>
+              </a:rPr>
+              <a:t>Inputs</a:t>
+            </a:r>
+            <a:endParaRPr lang="en-US" dirty="0"/>
+          </a:p>
+        </p:txBody>
+      </p:sp>
+      <p:sp>
+        <p:nvSpPr>
+          <p:cNvPr id="15" name="Rectangle 14"/>
+          <p:cNvSpPr/>
+          <p:nvPr/>
+        </p:nvSpPr>
+        <p:spPr>
+          <a:xfrm>
+            <a:off x="4668595" y="5351335"/>
+            <a:ext cx="1518834" cy="805911"/>
+          </a:xfrm>
+          <a:prstGeom prst="rect">
+            <a:avLst/>
+          </a:prstGeom>
+          <a:solidFill>
+            <a:schemeClr val="tx1"/>
+          </a:solidFill>
+          <a:ln>
+            <a:solidFill>
+              <a:schemeClr val="tx1">
+                <a:lumMod val="75000"/>
+              </a:schemeClr>
+            </a:solidFill>
+          </a:ln>
+        </p:spPr>
+        <p:style>
+          <a:lnRef idx="2">
+            <a:schemeClr val="accent1">
+              <a:shade val="50000"/>
+            </a:schemeClr>
+          </a:lnRef>
+          <a:fillRef idx="1">
+            <a:schemeClr val="accent1"/>
+          </a:fillRef>
+          <a:effectRef idx="0">
+            <a:schemeClr val="accent1"/>
+          </a:effectRef>
+          <a:fontRef idx="minor">
+            <a:schemeClr val="lt1"/>
+          </a:fontRef>
+        </p:style>
+        <p:txBody>
+          <a:bodyPr rtlCol="0" anchor="ctr"/>
+          <a:lstStyle/>
+          <a:p>
+            <a:pPr algn="ctr"/>
+            <a:r>
+              <a:rPr lang="en-US" dirty="0" smtClean="0">
+                <a:solidFill>
+                  <a:schemeClr val="bg1"/>
+                </a:solidFill>
+              </a:rPr>
+              <a:t>Feature vector</a:t>
+            </a:r>
+            <a:endParaRPr lang="en-US" dirty="0"/>
+          </a:p>
+        </p:txBody>
+      </p:sp>
+      <p:sp>
+        <p:nvSpPr>
+          <p:cNvPr id="16" name="Rectangle 15"/>
+          <p:cNvSpPr/>
+          <p:nvPr/>
+        </p:nvSpPr>
+        <p:spPr>
+          <a:xfrm>
+            <a:off x="4668595" y="4318715"/>
+            <a:ext cx="1518834" cy="805911"/>
+          </a:xfrm>
+          <a:prstGeom prst="rect">
+            <a:avLst/>
+          </a:prstGeom>
+          <a:solidFill>
+            <a:schemeClr val="tx1"/>
+          </a:solidFill>
+          <a:ln>
+            <a:solidFill>
+              <a:schemeClr val="tx1">
+                <a:lumMod val="75000"/>
+              </a:schemeClr>
+            </a:solidFill>
+          </a:ln>
+        </p:spPr>
+        <p:style>
+          <a:lnRef idx="2">
+            <a:schemeClr val="accent1">
+              <a:shade val="50000"/>
+            </a:schemeClr>
+          </a:lnRef>
+          <a:fillRef idx="1">
+            <a:schemeClr val="accent1"/>
+          </a:fillRef>
+          <a:effectRef idx="0">
+            <a:schemeClr val="accent1"/>
+          </a:effectRef>
+          <a:fontRef idx="minor">
+            <a:schemeClr val="lt1"/>
+          </a:fontRef>
+        </p:style>
+        <p:txBody>
+          <a:bodyPr rtlCol="0" anchor="ctr"/>
+          <a:lstStyle/>
+          <a:p>
+            <a:pPr algn="ctr"/>
+            <a:r>
+              <a:rPr lang="en-US" dirty="0" smtClean="0">
+                <a:solidFill>
+                  <a:schemeClr val="bg1"/>
+                </a:solidFill>
+              </a:rPr>
+              <a:t>Feature vector</a:t>
+            </a:r>
+            <a:endParaRPr lang="en-US" dirty="0"/>
+          </a:p>
+        </p:txBody>
+      </p:sp>
+      <p:cxnSp>
+        <p:nvCxnSpPr>
+          <p:cNvPr id="18" name="Straight Arrow Connector 17"/>
+          <p:cNvCxnSpPr>
+            <a:endCxn id="7" idx="0"/>
+          </p:cNvCxnSpPr>
+          <p:nvPr/>
+        </p:nvCxnSpPr>
+        <p:spPr>
+          <a:xfrm flipH="1">
+            <a:off x="1442424" y="2123349"/>
+            <a:ext cx="499062" cy="842218"/>
+          </a:xfrm>
+          <a:prstGeom prst="straightConnector1">
+            <a:avLst/>
+          </a:prstGeom>
+          <a:ln>
+            <a:solidFill>
+              <a:schemeClr val="tx1"/>
+            </a:solidFill>
+            <a:tailEnd type="triangle"/>
+          </a:ln>
+        </p:spPr>
+        <p:style>
+          <a:lnRef idx="1">
+            <a:schemeClr val="accent1"/>
+          </a:lnRef>
+          <a:fillRef idx="0">
+            <a:schemeClr val="accent1"/>
+          </a:fillRef>
+          <a:effectRef idx="0">
+            <a:schemeClr val="accent1"/>
+          </a:effectRef>
+          <a:fontRef idx="minor">
+            <a:schemeClr val="tx1"/>
+          </a:fontRef>
+        </p:style>
+      </p:cxnSp>
+      <p:cxnSp>
+        <p:nvCxnSpPr>
+          <p:cNvPr id="19" name="Straight Arrow Connector 18"/>
+          <p:cNvCxnSpPr>
+            <a:stCxn id="4" idx="3"/>
+            <a:endCxn id="10" idx="0"/>
+          </p:cNvCxnSpPr>
+          <p:nvPr/>
+        </p:nvCxnSpPr>
+        <p:spPr>
+          <a:xfrm>
+            <a:off x="3499013" y="2144839"/>
+            <a:ext cx="410165" cy="850870"/>
+          </a:xfrm>
+          <a:prstGeom prst="straightConnector1">
+            <a:avLst/>
+          </a:prstGeom>
+          <a:ln>
+            <a:solidFill>
+              <a:schemeClr val="tx1"/>
+            </a:solidFill>
+            <a:tailEnd type="triangle"/>
+          </a:ln>
+        </p:spPr>
+        <p:style>
+          <a:lnRef idx="1">
+            <a:schemeClr val="accent1"/>
+          </a:lnRef>
+          <a:fillRef idx="0">
+            <a:schemeClr val="accent1"/>
+          </a:fillRef>
+          <a:effectRef idx="0">
+            <a:schemeClr val="accent1"/>
+          </a:effectRef>
+          <a:fontRef idx="minor">
+            <a:schemeClr val="tx1"/>
+          </a:fontRef>
+        </p:style>
+      </p:cxnSp>
+      <p:cxnSp>
+        <p:nvCxnSpPr>
+          <p:cNvPr id="23" name="Straight Arrow Connector 22"/>
+          <p:cNvCxnSpPr>
+            <a:stCxn id="7" idx="2"/>
+            <a:endCxn id="11" idx="0"/>
+          </p:cNvCxnSpPr>
+          <p:nvPr/>
+        </p:nvCxnSpPr>
+        <p:spPr>
+          <a:xfrm>
+            <a:off x="1442424" y="3771478"/>
+            <a:ext cx="1297172" cy="1049311"/>
+          </a:xfrm>
+          <a:prstGeom prst="straightConnector1">
+            <a:avLst/>
+          </a:prstGeom>
+          <a:ln>
+            <a:solidFill>
+              <a:schemeClr val="tx1"/>
+            </a:solidFill>
+            <a:tailEnd type="triangle"/>
+          </a:ln>
+        </p:spPr>
+        <p:style>
+          <a:lnRef idx="1">
+            <a:schemeClr val="accent1"/>
+          </a:lnRef>
+          <a:fillRef idx="0">
+            <a:schemeClr val="accent1"/>
+          </a:fillRef>
+          <a:effectRef idx="0">
+            <a:schemeClr val="accent1"/>
+          </a:effectRef>
+          <a:fontRef idx="minor">
+            <a:schemeClr val="tx1"/>
+          </a:fontRef>
+        </p:style>
+      </p:cxnSp>
+      <p:cxnSp>
+        <p:nvCxnSpPr>
+          <p:cNvPr id="26" name="Straight Arrow Connector 25"/>
+          <p:cNvCxnSpPr>
+            <a:stCxn id="10" idx="2"/>
+            <a:endCxn id="11" idx="0"/>
+          </p:cNvCxnSpPr>
+          <p:nvPr/>
+        </p:nvCxnSpPr>
+        <p:spPr>
+          <a:xfrm flipH="1">
+            <a:off x="2739596" y="3801620"/>
+            <a:ext cx="1169582" cy="1019169"/>
+          </a:xfrm>
+          <a:prstGeom prst="straightConnector1">
+            <a:avLst/>
+          </a:prstGeom>
+          <a:ln>
+            <a:solidFill>
+              <a:schemeClr val="tx1"/>
+            </a:solidFill>
+            <a:tailEnd type="triangle"/>
+          </a:ln>
+        </p:spPr>
+        <p:style>
+          <a:lnRef idx="1">
+            <a:schemeClr val="accent1"/>
+          </a:lnRef>
+          <a:fillRef idx="0">
+            <a:schemeClr val="accent1"/>
+          </a:fillRef>
+          <a:effectRef idx="0">
+            <a:schemeClr val="accent1"/>
+          </a:effectRef>
+          <a:fontRef idx="minor">
+            <a:schemeClr val="tx1"/>
+          </a:fontRef>
+        </p:style>
+      </p:cxnSp>
+      <p:cxnSp>
+        <p:nvCxnSpPr>
+          <p:cNvPr id="32" name="Straight Arrow Connector 31"/>
+          <p:cNvCxnSpPr>
+            <a:stCxn id="7" idx="3"/>
+          </p:cNvCxnSpPr>
+          <p:nvPr/>
+        </p:nvCxnSpPr>
+        <p:spPr>
+          <a:xfrm flipV="1">
+            <a:off x="2201841" y="3368520"/>
+            <a:ext cx="947920" cy="3"/>
+          </a:xfrm>
+          <a:prstGeom prst="straightConnector1">
+            <a:avLst/>
+          </a:prstGeom>
+          <a:ln>
+            <a:solidFill>
+              <a:schemeClr val="tx1"/>
+            </a:solidFill>
+            <a:headEnd type="triangle"/>
+            <a:tailEnd type="triangle"/>
+          </a:ln>
+        </p:spPr>
+        <p:style>
+          <a:lnRef idx="1">
+            <a:schemeClr val="accent1"/>
+          </a:lnRef>
+          <a:fillRef idx="0">
+            <a:schemeClr val="accent1"/>
+          </a:fillRef>
+          <a:effectRef idx="0">
+            <a:schemeClr val="accent1"/>
+          </a:effectRef>
+          <a:fontRef idx="minor">
+            <a:schemeClr val="tx1"/>
+          </a:fontRef>
+        </p:style>
+      </p:cxnSp>
+      <p:cxnSp>
+        <p:nvCxnSpPr>
+          <p:cNvPr id="33" name="Straight Arrow Connector 32"/>
+          <p:cNvCxnSpPr>
+            <a:stCxn id="11" idx="3"/>
+            <a:endCxn id="16" idx="1"/>
+          </p:cNvCxnSpPr>
+          <p:nvPr/>
+        </p:nvCxnSpPr>
+        <p:spPr>
+          <a:xfrm flipV="1">
+            <a:off x="3499013" y="4721671"/>
+            <a:ext cx="1169582" cy="502074"/>
+          </a:xfrm>
+          <a:prstGeom prst="straightConnector1">
+            <a:avLst/>
+          </a:prstGeom>
+          <a:ln>
+            <a:solidFill>
+              <a:schemeClr val="tx1"/>
+            </a:solidFill>
+            <a:tailEnd type="triangle"/>
+          </a:ln>
+        </p:spPr>
+        <p:style>
+          <a:lnRef idx="1">
+            <a:schemeClr val="accent1"/>
+          </a:lnRef>
+          <a:fillRef idx="0">
+            <a:schemeClr val="accent1"/>
+          </a:fillRef>
+          <a:effectRef idx="0">
+            <a:schemeClr val="accent1"/>
+          </a:effectRef>
+          <a:fontRef idx="minor">
+            <a:schemeClr val="tx1"/>
+          </a:fontRef>
+        </p:style>
+      </p:cxnSp>
+      <p:cxnSp>
+        <p:nvCxnSpPr>
+          <p:cNvPr id="37" name="Straight Arrow Connector 36"/>
+          <p:cNvCxnSpPr>
+            <a:stCxn id="11" idx="3"/>
+            <a:endCxn id="15" idx="1"/>
+          </p:cNvCxnSpPr>
+          <p:nvPr/>
+        </p:nvCxnSpPr>
+        <p:spPr>
+          <a:xfrm>
+            <a:off x="3499013" y="5223745"/>
+            <a:ext cx="1169582" cy="530546"/>
+          </a:xfrm>
+          <a:prstGeom prst="straightConnector1">
+            <a:avLst/>
+          </a:prstGeom>
+          <a:ln>
+            <a:solidFill>
+              <a:schemeClr val="tx1"/>
+            </a:solidFill>
+            <a:tailEnd type="triangle"/>
+          </a:ln>
+        </p:spPr>
+        <p:style>
+          <a:lnRef idx="1">
+            <a:schemeClr val="accent1"/>
+          </a:lnRef>
+          <a:fillRef idx="0">
+            <a:schemeClr val="accent1"/>
+          </a:fillRef>
+          <a:effectRef idx="0">
+            <a:schemeClr val="accent1"/>
+          </a:effectRef>
+          <a:fontRef idx="minor">
+            <a:schemeClr val="tx1"/>
+          </a:fontRef>
+        </p:style>
+      </p:cxnSp>
+      <p:sp>
+        <p:nvSpPr>
+          <p:cNvPr id="41" name="Rectangle 40"/>
+          <p:cNvSpPr/>
+          <p:nvPr/>
+        </p:nvSpPr>
+        <p:spPr>
+          <a:xfrm>
+            <a:off x="6889581" y="4820788"/>
+            <a:ext cx="1518834" cy="805911"/>
+          </a:xfrm>
+          <a:prstGeom prst="rect">
+            <a:avLst/>
+          </a:prstGeom>
+          <a:solidFill>
+            <a:schemeClr val="tx1"/>
+          </a:solidFill>
+          <a:ln>
+            <a:solidFill>
+              <a:schemeClr val="tx1">
+                <a:lumMod val="75000"/>
+              </a:schemeClr>
+            </a:solidFill>
+          </a:ln>
+        </p:spPr>
+        <p:style>
+          <a:lnRef idx="2">
+            <a:schemeClr val="accent1">
+              <a:shade val="50000"/>
+            </a:schemeClr>
+          </a:lnRef>
+          <a:fillRef idx="1">
+            <a:schemeClr val="accent1"/>
+          </a:fillRef>
+          <a:effectRef idx="0">
+            <a:schemeClr val="accent1"/>
+          </a:effectRef>
+          <a:fontRef idx="minor">
+            <a:schemeClr val="lt1"/>
+          </a:fontRef>
+        </p:style>
+        <p:txBody>
+          <a:bodyPr rtlCol="0" anchor="ctr"/>
+          <a:lstStyle/>
+          <a:p>
+            <a:pPr algn="ctr"/>
+            <a:r>
+              <a:rPr lang="en-US" dirty="0" smtClean="0">
+                <a:solidFill>
+                  <a:schemeClr val="bg1"/>
+                </a:solidFill>
+              </a:rPr>
+              <a:t>Input Pair</a:t>
+            </a:r>
+            <a:endParaRPr lang="en-US" dirty="0"/>
+          </a:p>
+        </p:txBody>
+      </p:sp>
+      <p:cxnSp>
+        <p:nvCxnSpPr>
+          <p:cNvPr id="43" name="Straight Arrow Connector 42"/>
+          <p:cNvCxnSpPr>
+            <a:endCxn id="41" idx="1"/>
+          </p:cNvCxnSpPr>
+          <p:nvPr/>
+        </p:nvCxnSpPr>
+        <p:spPr>
+          <a:xfrm>
+            <a:off x="6200681" y="4721670"/>
+            <a:ext cx="688900" cy="502074"/>
+          </a:xfrm>
+          <a:prstGeom prst="straightConnector1">
+            <a:avLst/>
+          </a:prstGeom>
+          <a:ln>
+            <a:solidFill>
+              <a:schemeClr val="tx1"/>
+            </a:solidFill>
+            <a:tailEnd type="triangle"/>
+          </a:ln>
+        </p:spPr>
+        <p:style>
+          <a:lnRef idx="1">
+            <a:schemeClr val="accent1"/>
+          </a:lnRef>
+          <a:fillRef idx="0">
+            <a:schemeClr val="accent1"/>
+          </a:fillRef>
+          <a:effectRef idx="0">
+            <a:schemeClr val="accent1"/>
+          </a:effectRef>
+          <a:fontRef idx="minor">
+            <a:schemeClr val="tx1"/>
+          </a:fontRef>
+        </p:style>
+      </p:cxnSp>
+      <p:cxnSp>
+        <p:nvCxnSpPr>
+          <p:cNvPr id="46" name="Straight Arrow Connector 45"/>
+          <p:cNvCxnSpPr>
+            <a:stCxn id="15" idx="3"/>
+            <a:endCxn id="41" idx="1"/>
+          </p:cNvCxnSpPr>
+          <p:nvPr/>
+        </p:nvCxnSpPr>
+        <p:spPr>
+          <a:xfrm flipV="1">
+            <a:off x="6187429" y="5223744"/>
+            <a:ext cx="702152" cy="530547"/>
+          </a:xfrm>
+          <a:prstGeom prst="straightConnector1">
+            <a:avLst/>
+          </a:prstGeom>
+          <a:ln>
+            <a:solidFill>
+              <a:schemeClr val="tx1"/>
+            </a:solidFill>
+            <a:tailEnd type="triangle"/>
+          </a:ln>
+        </p:spPr>
+        <p:style>
+          <a:lnRef idx="1">
+            <a:schemeClr val="accent1"/>
+          </a:lnRef>
+          <a:fillRef idx="0">
+            <a:schemeClr val="accent1"/>
+          </a:fillRef>
+          <a:effectRef idx="0">
+            <a:schemeClr val="accent1"/>
+          </a:effectRef>
+          <a:fontRef idx="minor">
+            <a:schemeClr val="tx1"/>
+          </a:fontRef>
+        </p:style>
+      </p:cxnSp>
+      <p:cxnSp>
+        <p:nvCxnSpPr>
+          <p:cNvPr id="49" name="Straight Arrow Connector 48"/>
+          <p:cNvCxnSpPr>
+            <a:stCxn id="41" idx="0"/>
+            <a:endCxn id="14" idx="2"/>
+          </p:cNvCxnSpPr>
+          <p:nvPr/>
+        </p:nvCxnSpPr>
+        <p:spPr>
+          <a:xfrm flipH="1" flipV="1">
+            <a:off x="7643689" y="3213923"/>
+            <a:ext cx="5309" cy="1606865"/>
+          </a:xfrm>
+          <a:prstGeom prst="straightConnector1">
+            <a:avLst/>
+          </a:prstGeom>
+          <a:ln>
+            <a:solidFill>
+              <a:schemeClr val="tx1"/>
+            </a:solidFill>
+            <a:tailEnd type="triangle"/>
+          </a:ln>
+        </p:spPr>
+        <p:style>
+          <a:lnRef idx="1">
+            <a:schemeClr val="accent1"/>
+          </a:lnRef>
+          <a:fillRef idx="0">
+            <a:schemeClr val="accent1"/>
+          </a:fillRef>
+          <a:effectRef idx="0">
+            <a:schemeClr val="accent1"/>
+          </a:effectRef>
+          <a:fontRef idx="minor">
+            <a:schemeClr val="tx1"/>
+          </a:fontRef>
+        </p:style>
+      </p:cxnSp>
+      <p:cxnSp>
+        <p:nvCxnSpPr>
+          <p:cNvPr id="54" name="Straight Arrow Connector 53"/>
+          <p:cNvCxnSpPr>
+            <a:stCxn id="14" idx="3"/>
+            <a:endCxn id="12" idx="1"/>
+          </p:cNvCxnSpPr>
+          <p:nvPr/>
+        </p:nvCxnSpPr>
+        <p:spPr>
+          <a:xfrm flipV="1">
+            <a:off x="8403106" y="2797463"/>
+            <a:ext cx="1456260" cy="13505"/>
+          </a:xfrm>
+          <a:prstGeom prst="straightConnector1">
+            <a:avLst/>
+          </a:prstGeom>
+          <a:ln>
+            <a:solidFill>
+              <a:schemeClr val="tx1"/>
+            </a:solidFill>
+            <a:tailEnd type="triangle"/>
+          </a:ln>
+        </p:spPr>
+        <p:style>
+          <a:lnRef idx="1">
+            <a:schemeClr val="accent1"/>
+          </a:lnRef>
+          <a:fillRef idx="0">
+            <a:schemeClr val="accent1"/>
+          </a:fillRef>
+          <a:effectRef idx="0">
+            <a:schemeClr val="accent1"/>
+          </a:effectRef>
+          <a:fontRef idx="minor">
+            <a:schemeClr val="tx1"/>
+          </a:fontRef>
+        </p:style>
+      </p:cxnSp>
+      <p:cxnSp>
+        <p:nvCxnSpPr>
+          <p:cNvPr id="59" name="Straight Arrow Connector 58"/>
+          <p:cNvCxnSpPr/>
+          <p:nvPr/>
+        </p:nvCxnSpPr>
+        <p:spPr>
+          <a:xfrm>
+            <a:off x="10618783" y="3233292"/>
+            <a:ext cx="0" cy="1587496"/>
+          </a:xfrm>
+          <a:prstGeom prst="straightConnector1">
+            <a:avLst/>
+          </a:prstGeom>
+          <a:ln>
+            <a:solidFill>
+              <a:schemeClr val="tx1"/>
+            </a:solidFill>
+            <a:tailEnd type="triangle"/>
+          </a:ln>
+        </p:spPr>
+        <p:style>
+          <a:lnRef idx="1">
+            <a:schemeClr val="accent1"/>
+          </a:lnRef>
+          <a:fillRef idx="0">
+            <a:schemeClr val="accent1"/>
+          </a:fillRef>
+          <a:effectRef idx="0">
+            <a:schemeClr val="accent1"/>
+          </a:effectRef>
+          <a:fontRef idx="minor">
+            <a:schemeClr val="tx1"/>
+          </a:fontRef>
+        </p:style>
+      </p:cxnSp>
+      <p:sp>
+        <p:nvSpPr>
+          <p:cNvPr id="63" name="Rectangle 62"/>
+          <p:cNvSpPr/>
+          <p:nvPr/>
+        </p:nvSpPr>
+        <p:spPr>
+          <a:xfrm>
+            <a:off x="9859366" y="4787015"/>
+            <a:ext cx="1518834" cy="805911"/>
+          </a:xfrm>
+          <a:prstGeom prst="rect">
+            <a:avLst/>
+          </a:prstGeom>
+          <a:solidFill>
+            <a:schemeClr val="tx1"/>
+          </a:solidFill>
+          <a:ln>
+            <a:solidFill>
+              <a:schemeClr val="tx1">
+                <a:lumMod val="75000"/>
+              </a:schemeClr>
+            </a:solidFill>
+          </a:ln>
+        </p:spPr>
+        <p:style>
+          <a:lnRef idx="2">
+            <a:schemeClr val="accent1">
+              <a:shade val="50000"/>
+            </a:schemeClr>
+          </a:lnRef>
+          <a:fillRef idx="1">
+            <a:schemeClr val="accent1"/>
+          </a:fillRef>
+          <a:effectRef idx="0">
+            <a:schemeClr val="accent1"/>
+          </a:effectRef>
+          <a:fontRef idx="minor">
+            <a:schemeClr val="lt1"/>
+          </a:fontRef>
+        </p:style>
+        <p:txBody>
+          <a:bodyPr rtlCol="0" anchor="ctr"/>
+          <a:lstStyle/>
+          <a:p>
+            <a:pPr algn="ctr"/>
+            <a:r>
+              <a:rPr lang="en-US" dirty="0" smtClean="0">
+                <a:solidFill>
+                  <a:schemeClr val="bg1"/>
+                </a:solidFill>
+              </a:rPr>
+              <a:t>Classification</a:t>
+            </a:r>
+            <a:endParaRPr lang="en-US" dirty="0"/>
           </a:p>
         </p:txBody>
       </p:sp>
     </p:spTree>
     <p:extLst>
       <p:ext uri="{BB962C8B-B14F-4D97-AF65-F5344CB8AC3E}">
-        <p14:creationId xmlns:p14="http://schemas.microsoft.com/office/powerpoint/2010/main" val="231241899"/>
+        <p14:creationId xmlns:p14="http://schemas.microsoft.com/office/powerpoint/2010/main" val="1987681622"/>
       </p:ext>
     </p:extLst>
   </p:cSld>
   <p:clrMapOvr>
     <a:masterClrMapping/>
   </p:clrMapOvr>
+  <p:timing>
+    <p:tnLst>
+      <p:par>
+        <p:cTn id="1" dur="indefinite" restart="never" nodeType="tmRoot"/>
+      </p:par>
+    </p:tnLst>
+  </p:timing>
 </p:sld>
 </file>
 
@@ -6164,18 +7287,22 @@
           <a:bodyPr/>
           <a:lstStyle/>
           <a:p>
-            <a:endParaRPr lang="en-US"/>
-          </a:p>
-        </p:txBody>
-      </p:sp>
-      <p:sp>
-        <p:nvSpPr>
-          <p:cNvPr id="3" name="Vertical Text Placeholder 2"/>
-          <p:cNvSpPr>
-            <a:spLocks noGrp="1"/>
-          </p:cNvSpPr>
-          <p:nvPr>
-            <p:ph type="body" orient="vert" idx="1"/>
+            <a:r>
+              <a:rPr lang="en-US" dirty="0" smtClean="0"/>
+              <a:t>Data Collection</a:t>
+            </a:r>
+            <a:endParaRPr lang="en-US" dirty="0"/>
+          </a:p>
+        </p:txBody>
+      </p:sp>
+      <p:sp>
+        <p:nvSpPr>
+          <p:cNvPr id="3" name="Content Placeholder 2"/>
+          <p:cNvSpPr>
+            <a:spLocks noGrp="1"/>
+          </p:cNvSpPr>
+          <p:nvPr>
+            <p:ph idx="1"/>
           </p:nvPr>
         </p:nvSpPr>
         <p:spPr/>
@@ -6183,14 +7310,447 @@
           <a:bodyPr/>
           <a:lstStyle/>
           <a:p>
-            <a:endParaRPr lang="en-US"/>
+            <a:endParaRPr lang="en-US" dirty="0"/>
           </a:p>
         </p:txBody>
       </p:sp>
     </p:spTree>
     <p:extLst>
       <p:ext uri="{BB962C8B-B14F-4D97-AF65-F5344CB8AC3E}">
-        <p14:creationId xmlns:p14="http://schemas.microsoft.com/office/powerpoint/2010/main" val="1976727442"/>
+        <p14:creationId xmlns:p14="http://schemas.microsoft.com/office/powerpoint/2010/main" val="1804419250"/>
+      </p:ext>
+    </p:extLst>
+  </p:cSld>
+  <p:clrMapOvr>
+    <a:masterClrMapping/>
+  </p:clrMapOvr>
+  <p:timing>
+    <p:tnLst>
+      <p:par>
+        <p:cTn id="1" dur="indefinite" restart="never" nodeType="tmRoot"/>
+      </p:par>
+    </p:tnLst>
+  </p:timing>
+</p:sld>
+</file>
+
+<file path=ppt/slides/slide5.xml><?xml version="1.0" encoding="utf-8"?>
+<p:sld xmlns:a="http://schemas.openxmlformats.org/drawingml/2006/main" xmlns:r="http://schemas.openxmlformats.org/officeDocument/2006/relationships" xmlns:p="http://schemas.openxmlformats.org/presentationml/2006/main">
+  <p:cSld>
+    <p:spTree>
+      <p:nvGrpSpPr>
+        <p:cNvPr id="1" name=""/>
+        <p:cNvGrpSpPr/>
+        <p:nvPr/>
+      </p:nvGrpSpPr>
+      <p:grpSpPr>
+        <a:xfrm>
+          <a:off x="0" y="0"/>
+          <a:ext cx="0" cy="0"/>
+          <a:chOff x="0" y="0"/>
+          <a:chExt cx="0" cy="0"/>
+        </a:xfrm>
+      </p:grpSpPr>
+      <p:sp>
+        <p:nvSpPr>
+          <p:cNvPr id="2" name="Title 1"/>
+          <p:cNvSpPr>
+            <a:spLocks noGrp="1"/>
+          </p:cNvSpPr>
+          <p:nvPr>
+            <p:ph type="title"/>
+          </p:nvPr>
+        </p:nvSpPr>
+        <p:spPr/>
+        <p:txBody>
+          <a:bodyPr/>
+          <a:lstStyle/>
+          <a:p>
+            <a:r>
+              <a:rPr lang="en-US" dirty="0" smtClean="0"/>
+              <a:t>Feature Extraction</a:t>
+            </a:r>
+            <a:endParaRPr lang="en-US" dirty="0"/>
+          </a:p>
+        </p:txBody>
+      </p:sp>
+      <p:sp>
+        <p:nvSpPr>
+          <p:cNvPr id="3" name="Content Placeholder 2"/>
+          <p:cNvSpPr>
+            <a:spLocks noGrp="1"/>
+          </p:cNvSpPr>
+          <p:nvPr>
+            <p:ph idx="1"/>
+          </p:nvPr>
+        </p:nvSpPr>
+        <p:spPr/>
+        <p:txBody>
+          <a:bodyPr/>
+          <a:lstStyle/>
+          <a:p>
+            <a:endParaRPr lang="en-US" dirty="0"/>
+          </a:p>
+        </p:txBody>
+      </p:sp>
+    </p:spTree>
+    <p:extLst>
+      <p:ext uri="{BB962C8B-B14F-4D97-AF65-F5344CB8AC3E}">
+        <p14:creationId xmlns:p14="http://schemas.microsoft.com/office/powerpoint/2010/main" val="994480724"/>
+      </p:ext>
+    </p:extLst>
+  </p:cSld>
+  <p:clrMapOvr>
+    <a:masterClrMapping/>
+  </p:clrMapOvr>
+</p:sld>
+</file>
+
+<file path=ppt/slides/slide6.xml><?xml version="1.0" encoding="utf-8"?>
+<p:sld xmlns:a="http://schemas.openxmlformats.org/drawingml/2006/main" xmlns:r="http://schemas.openxmlformats.org/officeDocument/2006/relationships" xmlns:p="http://schemas.openxmlformats.org/presentationml/2006/main">
+  <p:cSld>
+    <p:spTree>
+      <p:nvGrpSpPr>
+        <p:cNvPr id="1" name=""/>
+        <p:cNvGrpSpPr/>
+        <p:nvPr/>
+      </p:nvGrpSpPr>
+      <p:grpSpPr>
+        <a:xfrm>
+          <a:off x="0" y="0"/>
+          <a:ext cx="0" cy="0"/>
+          <a:chOff x="0" y="0"/>
+          <a:chExt cx="0" cy="0"/>
+        </a:xfrm>
+      </p:grpSpPr>
+      <p:sp>
+        <p:nvSpPr>
+          <p:cNvPr id="2" name="Title 1"/>
+          <p:cNvSpPr>
+            <a:spLocks noGrp="1"/>
+          </p:cNvSpPr>
+          <p:nvPr>
+            <p:ph type="title"/>
+          </p:nvPr>
+        </p:nvSpPr>
+        <p:spPr/>
+        <p:txBody>
+          <a:bodyPr/>
+          <a:lstStyle/>
+          <a:p>
+            <a:r>
+              <a:rPr lang="en-US" dirty="0" smtClean="0"/>
+              <a:t>Neural Networks</a:t>
+            </a:r>
+            <a:endParaRPr lang="en-US" dirty="0"/>
+          </a:p>
+        </p:txBody>
+      </p:sp>
+      <p:sp>
+        <p:nvSpPr>
+          <p:cNvPr id="3" name="Content Placeholder 2"/>
+          <p:cNvSpPr>
+            <a:spLocks noGrp="1"/>
+          </p:cNvSpPr>
+          <p:nvPr>
+            <p:ph idx="1"/>
+          </p:nvPr>
+        </p:nvSpPr>
+        <p:spPr/>
+        <p:txBody>
+          <a:bodyPr/>
+          <a:lstStyle/>
+          <a:p>
+            <a:endParaRPr lang="en-US" dirty="0"/>
+          </a:p>
+        </p:txBody>
+      </p:sp>
+    </p:spTree>
+    <p:extLst>
+      <p:ext uri="{BB962C8B-B14F-4D97-AF65-F5344CB8AC3E}">
+        <p14:creationId xmlns:p14="http://schemas.microsoft.com/office/powerpoint/2010/main" val="297738534"/>
+      </p:ext>
+    </p:extLst>
+  </p:cSld>
+  <p:clrMapOvr>
+    <a:masterClrMapping/>
+  </p:clrMapOvr>
+</p:sld>
+</file>
+
+<file path=ppt/slides/slide7.xml><?xml version="1.0" encoding="utf-8"?>
+<p:sld xmlns:a="http://schemas.openxmlformats.org/drawingml/2006/main" xmlns:r="http://schemas.openxmlformats.org/officeDocument/2006/relationships" xmlns:p="http://schemas.openxmlformats.org/presentationml/2006/main">
+  <p:cSld>
+    <p:spTree>
+      <p:nvGrpSpPr>
+        <p:cNvPr id="1" name=""/>
+        <p:cNvGrpSpPr/>
+        <p:nvPr/>
+      </p:nvGrpSpPr>
+      <p:grpSpPr>
+        <a:xfrm>
+          <a:off x="0" y="0"/>
+          <a:ext cx="0" cy="0"/>
+          <a:chOff x="0" y="0"/>
+          <a:chExt cx="0" cy="0"/>
+        </a:xfrm>
+      </p:grpSpPr>
+      <p:sp>
+        <p:nvSpPr>
+          <p:cNvPr id="2" name="Title 1"/>
+          <p:cNvSpPr>
+            <a:spLocks noGrp="1"/>
+          </p:cNvSpPr>
+          <p:nvPr>
+            <p:ph type="title"/>
+          </p:nvPr>
+        </p:nvSpPr>
+        <p:spPr/>
+        <p:txBody>
+          <a:bodyPr/>
+          <a:lstStyle/>
+          <a:p>
+            <a:r>
+              <a:rPr lang="en-US" dirty="0" smtClean="0"/>
+              <a:t>Results</a:t>
+            </a:r>
+            <a:endParaRPr lang="en-US" dirty="0"/>
+          </a:p>
+        </p:txBody>
+      </p:sp>
+      <p:sp>
+        <p:nvSpPr>
+          <p:cNvPr id="3" name="Content Placeholder 2"/>
+          <p:cNvSpPr>
+            <a:spLocks noGrp="1"/>
+          </p:cNvSpPr>
+          <p:nvPr>
+            <p:ph idx="1"/>
+          </p:nvPr>
+        </p:nvSpPr>
+        <p:spPr/>
+        <p:txBody>
+          <a:bodyPr/>
+          <a:lstStyle/>
+          <a:p>
+            <a:r>
+              <a:rPr lang="en-US" dirty="0" smtClean="0"/>
+              <a:t>Include table from paper maybe?</a:t>
+            </a:r>
+            <a:endParaRPr lang="en-US" dirty="0"/>
+          </a:p>
+        </p:txBody>
+      </p:sp>
+    </p:spTree>
+    <p:extLst>
+      <p:ext uri="{BB962C8B-B14F-4D97-AF65-F5344CB8AC3E}">
+        <p14:creationId xmlns:p14="http://schemas.microsoft.com/office/powerpoint/2010/main" val="1240131665"/>
+      </p:ext>
+    </p:extLst>
+  </p:cSld>
+  <p:clrMapOvr>
+    <a:masterClrMapping/>
+  </p:clrMapOvr>
+</p:sld>
+</file>
+
+<file path=ppt/slides/slide8.xml><?xml version="1.0" encoding="utf-8"?>
+<p:sld xmlns:a="http://schemas.openxmlformats.org/drawingml/2006/main" xmlns:r="http://schemas.openxmlformats.org/officeDocument/2006/relationships" xmlns:p="http://schemas.openxmlformats.org/presentationml/2006/main">
+  <p:cSld>
+    <p:spTree>
+      <p:nvGrpSpPr>
+        <p:cNvPr id="1" name=""/>
+        <p:cNvGrpSpPr/>
+        <p:nvPr/>
+      </p:nvGrpSpPr>
+      <p:grpSpPr>
+        <a:xfrm>
+          <a:off x="0" y="0"/>
+          <a:ext cx="0" cy="0"/>
+          <a:chOff x="0" y="0"/>
+          <a:chExt cx="0" cy="0"/>
+        </a:xfrm>
+      </p:grpSpPr>
+      <p:sp>
+        <p:nvSpPr>
+          <p:cNvPr id="2" name="Title 1"/>
+          <p:cNvSpPr>
+            <a:spLocks noGrp="1"/>
+          </p:cNvSpPr>
+          <p:nvPr>
+            <p:ph type="ctrTitle"/>
+          </p:nvPr>
+        </p:nvSpPr>
+        <p:spPr/>
+        <p:txBody>
+          <a:bodyPr/>
+          <a:lstStyle/>
+          <a:p>
+            <a:r>
+              <a:rPr lang="en-US" dirty="0" smtClean="0"/>
+              <a:t>Any Questions?</a:t>
+            </a:r>
+            <a:endParaRPr lang="en-US" dirty="0"/>
+          </a:p>
+        </p:txBody>
+      </p:sp>
+      <p:sp>
+        <p:nvSpPr>
+          <p:cNvPr id="3" name="Subtitle 2"/>
+          <p:cNvSpPr>
+            <a:spLocks noGrp="1"/>
+          </p:cNvSpPr>
+          <p:nvPr>
+            <p:ph type="subTitle" idx="1"/>
+          </p:nvPr>
+        </p:nvSpPr>
+        <p:spPr/>
+        <p:txBody>
+          <a:bodyPr/>
+          <a:lstStyle/>
+          <a:p>
+            <a:endParaRPr lang="en-US" dirty="0"/>
+          </a:p>
+        </p:txBody>
+      </p:sp>
+    </p:spTree>
+    <p:extLst>
+      <p:ext uri="{BB962C8B-B14F-4D97-AF65-F5344CB8AC3E}">
+        <p14:creationId xmlns:p14="http://schemas.microsoft.com/office/powerpoint/2010/main" val="725231476"/>
+      </p:ext>
+    </p:extLst>
+  </p:cSld>
+  <p:clrMapOvr>
+    <a:masterClrMapping/>
+  </p:clrMapOvr>
+</p:sld>
+</file>
+
+<file path=ppt/slides/slide9.xml><?xml version="1.0" encoding="utf-8"?>
+<p:sld xmlns:a="http://schemas.openxmlformats.org/drawingml/2006/main" xmlns:r="http://schemas.openxmlformats.org/officeDocument/2006/relationships" xmlns:p="http://schemas.openxmlformats.org/presentationml/2006/main">
+  <p:cSld>
+    <p:spTree>
+      <p:nvGrpSpPr>
+        <p:cNvPr id="1" name=""/>
+        <p:cNvGrpSpPr/>
+        <p:nvPr/>
+      </p:nvGrpSpPr>
+      <p:grpSpPr>
+        <a:xfrm>
+          <a:off x="0" y="0"/>
+          <a:ext cx="0" cy="0"/>
+          <a:chOff x="0" y="0"/>
+          <a:chExt cx="0" cy="0"/>
+        </a:xfrm>
+      </p:grpSpPr>
+      <p:sp>
+        <p:nvSpPr>
+          <p:cNvPr id="2" name="Title 1"/>
+          <p:cNvSpPr>
+            <a:spLocks noGrp="1"/>
+          </p:cNvSpPr>
+          <p:nvPr>
+            <p:ph type="title"/>
+          </p:nvPr>
+        </p:nvSpPr>
+        <p:spPr/>
+        <p:txBody>
+          <a:bodyPr/>
+          <a:lstStyle/>
+          <a:p>
+            <a:r>
+              <a:rPr lang="en-US" dirty="0" smtClean="0"/>
+              <a:t>References</a:t>
+            </a:r>
+            <a:endParaRPr lang="en-US" dirty="0"/>
+          </a:p>
+        </p:txBody>
+      </p:sp>
+      <p:sp>
+        <p:nvSpPr>
+          <p:cNvPr id="3" name="Content Placeholder 2"/>
+          <p:cNvSpPr>
+            <a:spLocks noGrp="1"/>
+          </p:cNvSpPr>
+          <p:nvPr>
+            <p:ph idx="1"/>
+          </p:nvPr>
+        </p:nvSpPr>
+        <p:spPr/>
+        <p:txBody>
+          <a:bodyPr/>
+          <a:lstStyle/>
+          <a:p>
+            <a:r>
+              <a:rPr lang="en-US" dirty="0"/>
+              <a:t>*</a:t>
+            </a:r>
+            <a:r>
+              <a:rPr lang="en-US" dirty="0" err="1"/>
+              <a:t>Juola</a:t>
+            </a:r>
+            <a:r>
+              <a:rPr lang="en-US" dirty="0"/>
+              <a:t>,  Patrick.  Authorship  Attribution.  Hanover,  MA:  Now  Publishers  Inc.,  2008.  Print.</a:t>
+            </a:r>
+          </a:p>
+          <a:p>
+            <a:r>
+              <a:rPr lang="en-US" dirty="0" smtClean="0"/>
+              <a:t>MATLAB  </a:t>
+            </a:r>
+            <a:r>
+              <a:rPr lang="en-US" dirty="0"/>
+              <a:t>and  Neural  Network  Toolbox  Release  2015a,  The  </a:t>
+            </a:r>
+            <a:r>
+              <a:rPr lang="en-US" dirty="0" err="1"/>
+              <a:t>MathWorks</a:t>
+            </a:r>
+            <a:r>
+              <a:rPr lang="en-US" dirty="0"/>
+              <a:t>,  Inc.,  Natick,  Massachusetts,  United  States</a:t>
+            </a:r>
+            <a:r>
+              <a:rPr lang="en-US" dirty="0" smtClean="0"/>
+              <a:t>.</a:t>
+            </a:r>
+          </a:p>
+          <a:p>
+            <a:endParaRPr lang="en-US" dirty="0"/>
+          </a:p>
+          <a:p>
+            <a:endParaRPr lang="en-US" dirty="0" smtClean="0"/>
+          </a:p>
+          <a:p>
+            <a:r>
+              <a:rPr lang="en-US" dirty="0"/>
+              <a:t>*We  would  like  to  thank  Dr.  Patrick  </a:t>
+            </a:r>
+            <a:r>
+              <a:rPr lang="en-US" dirty="0" err="1"/>
+              <a:t>Juola</a:t>
+            </a:r>
+            <a:r>
+              <a:rPr lang="en-US" dirty="0"/>
+              <a:t>  for  helpful  discussions  while  working  on  this  project and for giving us data to use </a:t>
+            </a:r>
+            <a:r>
+              <a:rPr lang="en-US" dirty="0" smtClean="0"/>
+              <a:t>for training and </a:t>
+            </a:r>
+            <a:r>
+              <a:rPr lang="en-US" dirty="0"/>
+              <a:t>testing. </a:t>
+            </a:r>
+            <a:endParaRPr lang="en-US" dirty="0"/>
+          </a:p>
+        </p:txBody>
+      </p:sp>
+    </p:spTree>
+    <p:extLst>
+      <p:ext uri="{BB962C8B-B14F-4D97-AF65-F5344CB8AC3E}">
+        <p14:creationId xmlns:p14="http://schemas.microsoft.com/office/powerpoint/2010/main" val="999699721"/>
       </p:ext>
     </p:extLst>
   </p:cSld>

--- a/ai_project_presentation.pptx
+++ b/ai_project_presentation.pptx
@@ -4,16 +4,20 @@
   <p:sldMasterIdLst>
     <p:sldMasterId id="2147483840" r:id="rId1"/>
   </p:sldMasterIdLst>
+  <p:notesMasterIdLst>
+    <p:notesMasterId r:id="rId12"/>
+  </p:notesMasterIdLst>
   <p:sldIdLst>
     <p:sldId id="256" r:id="rId2"/>
     <p:sldId id="264" r:id="rId3"/>
-    <p:sldId id="265" r:id="rId4"/>
-    <p:sldId id="260" r:id="rId5"/>
-    <p:sldId id="261" r:id="rId6"/>
-    <p:sldId id="262" r:id="rId7"/>
-    <p:sldId id="263" r:id="rId8"/>
-    <p:sldId id="259" r:id="rId9"/>
-    <p:sldId id="257" r:id="rId10"/>
+    <p:sldId id="266" r:id="rId4"/>
+    <p:sldId id="265" r:id="rId5"/>
+    <p:sldId id="260" r:id="rId6"/>
+    <p:sldId id="261" r:id="rId7"/>
+    <p:sldId id="262" r:id="rId8"/>
+    <p:sldId id="263" r:id="rId9"/>
+    <p:sldId id="259" r:id="rId10"/>
+    <p:sldId id="257" r:id="rId11"/>
   </p:sldIdLst>
   <p:sldSz cx="12192000" cy="6858000"/>
   <p:notesSz cx="6858000" cy="9144000"/>
@@ -123,6 +127,7 @@
         <p14:section name="2. Background" id="{014977A0-B693-8C4B-9C93-3F83C2D18602}">
           <p14:sldIdLst>
             <p14:sldId id="264"/>
+            <p14:sldId id="266"/>
           </p14:sldIdLst>
         </p14:section>
         <p14:section name="3. Methods" id="{867A6CF8-E075-F941-BB86-CB87060E616B}">
@@ -153,6 +158,590 @@
 </p:presentation>
 </file>
 
+<file path=ppt/notesMasters/notesMaster1.xml><?xml version="1.0" encoding="utf-8"?>
+<p:notesMaster xmlns:a="http://schemas.openxmlformats.org/drawingml/2006/main" xmlns:r="http://schemas.openxmlformats.org/officeDocument/2006/relationships" xmlns:p="http://schemas.openxmlformats.org/presentationml/2006/main">
+  <p:cSld>
+    <p:bg>
+      <p:bgRef idx="1001">
+        <a:schemeClr val="bg1"/>
+      </p:bgRef>
+    </p:bg>
+    <p:spTree>
+      <p:nvGrpSpPr>
+        <p:cNvPr id="1" name=""/>
+        <p:cNvGrpSpPr/>
+        <p:nvPr/>
+      </p:nvGrpSpPr>
+      <p:grpSpPr>
+        <a:xfrm>
+          <a:off x="0" y="0"/>
+          <a:ext cx="0" cy="0"/>
+          <a:chOff x="0" y="0"/>
+          <a:chExt cx="0" cy="0"/>
+        </a:xfrm>
+      </p:grpSpPr>
+      <p:sp>
+        <p:nvSpPr>
+          <p:cNvPr id="2" name="Header Placeholder 1"/>
+          <p:cNvSpPr>
+            <a:spLocks noGrp="1"/>
+          </p:cNvSpPr>
+          <p:nvPr>
+            <p:ph type="hdr" sz="quarter"/>
+          </p:nvPr>
+        </p:nvSpPr>
+        <p:spPr>
+          <a:xfrm>
+            <a:off x="0" y="0"/>
+            <a:ext cx="2971800" cy="458788"/>
+          </a:xfrm>
+          <a:prstGeom prst="rect">
+            <a:avLst/>
+          </a:prstGeom>
+        </p:spPr>
+        <p:txBody>
+          <a:bodyPr vert="horz" lIns="91440" tIns="45720" rIns="91440" bIns="45720" rtlCol="0"/>
+          <a:lstStyle>
+            <a:lvl1pPr algn="l">
+              <a:defRPr sz="1200"/>
+            </a:lvl1pPr>
+          </a:lstStyle>
+          <a:p>
+            <a:endParaRPr lang="en-US"/>
+          </a:p>
+        </p:txBody>
+      </p:sp>
+      <p:sp>
+        <p:nvSpPr>
+          <p:cNvPr id="3" name="Date Placeholder 2"/>
+          <p:cNvSpPr>
+            <a:spLocks noGrp="1"/>
+          </p:cNvSpPr>
+          <p:nvPr>
+            <p:ph type="dt" idx="1"/>
+          </p:nvPr>
+        </p:nvSpPr>
+        <p:spPr>
+          <a:xfrm>
+            <a:off x="3884613" y="0"/>
+            <a:ext cx="2971800" cy="458788"/>
+          </a:xfrm>
+          <a:prstGeom prst="rect">
+            <a:avLst/>
+          </a:prstGeom>
+        </p:spPr>
+        <p:txBody>
+          <a:bodyPr vert="horz" lIns="91440" tIns="45720" rIns="91440" bIns="45720" rtlCol="0"/>
+          <a:lstStyle>
+            <a:lvl1pPr algn="r">
+              <a:defRPr sz="1200"/>
+            </a:lvl1pPr>
+          </a:lstStyle>
+          <a:p>
+            <a:fld id="{0887EE72-4D28-B64D-B4B9-0C77F6B66733}" type="datetimeFigureOut">
+              <a:rPr lang="en-US" smtClean="0"/>
+              <a:t>4/24/16</a:t>
+            </a:fld>
+            <a:endParaRPr lang="en-US"/>
+          </a:p>
+        </p:txBody>
+      </p:sp>
+      <p:sp>
+        <p:nvSpPr>
+          <p:cNvPr id="4" name="Slide Image Placeholder 3"/>
+          <p:cNvSpPr>
+            <a:spLocks noGrp="1" noRot="1" noChangeAspect="1"/>
+          </p:cNvSpPr>
+          <p:nvPr>
+            <p:ph type="sldImg" idx="2"/>
+          </p:nvPr>
+        </p:nvSpPr>
+        <p:spPr>
+          <a:xfrm>
+            <a:off x="685800" y="1143000"/>
+            <a:ext cx="5486400" cy="3086100"/>
+          </a:xfrm>
+          <a:prstGeom prst="rect">
+            <a:avLst/>
+          </a:prstGeom>
+          <a:noFill/>
+          <a:ln w="12700">
+            <a:solidFill>
+              <a:prstClr val="black"/>
+            </a:solidFill>
+          </a:ln>
+        </p:spPr>
+        <p:txBody>
+          <a:bodyPr vert="horz" lIns="91440" tIns="45720" rIns="91440" bIns="45720" rtlCol="0" anchor="ctr"/>
+          <a:lstStyle/>
+          <a:p>
+            <a:endParaRPr lang="en-US"/>
+          </a:p>
+        </p:txBody>
+      </p:sp>
+      <p:sp>
+        <p:nvSpPr>
+          <p:cNvPr id="5" name="Notes Placeholder 4"/>
+          <p:cNvSpPr>
+            <a:spLocks noGrp="1"/>
+          </p:cNvSpPr>
+          <p:nvPr>
+            <p:ph type="body" sz="quarter" idx="3"/>
+          </p:nvPr>
+        </p:nvSpPr>
+        <p:spPr>
+          <a:xfrm>
+            <a:off x="685800" y="4400550"/>
+            <a:ext cx="5486400" cy="3600450"/>
+          </a:xfrm>
+          <a:prstGeom prst="rect">
+            <a:avLst/>
+          </a:prstGeom>
+        </p:spPr>
+        <p:txBody>
+          <a:bodyPr vert="horz" lIns="91440" tIns="45720" rIns="91440" bIns="45720" rtlCol="0"/>
+          <a:lstStyle/>
+          <a:p>
+            <a:pPr lvl="0"/>
+            <a:r>
+              <a:rPr lang="en-US" smtClean="0"/>
+              <a:t>Click to edit Master text styles</a:t>
+            </a:r>
+          </a:p>
+          <a:p>
+            <a:pPr lvl="1"/>
+            <a:r>
+              <a:rPr lang="en-US" smtClean="0"/>
+              <a:t>Second level</a:t>
+            </a:r>
+          </a:p>
+          <a:p>
+            <a:pPr lvl="2"/>
+            <a:r>
+              <a:rPr lang="en-US" smtClean="0"/>
+              <a:t>Third level</a:t>
+            </a:r>
+          </a:p>
+          <a:p>
+            <a:pPr lvl="3"/>
+            <a:r>
+              <a:rPr lang="en-US" smtClean="0"/>
+              <a:t>Fourth level</a:t>
+            </a:r>
+          </a:p>
+          <a:p>
+            <a:pPr lvl="4"/>
+            <a:r>
+              <a:rPr lang="en-US" smtClean="0"/>
+              <a:t>Fifth level</a:t>
+            </a:r>
+            <a:endParaRPr lang="en-US"/>
+          </a:p>
+        </p:txBody>
+      </p:sp>
+      <p:sp>
+        <p:nvSpPr>
+          <p:cNvPr id="6" name="Footer Placeholder 5"/>
+          <p:cNvSpPr>
+            <a:spLocks noGrp="1"/>
+          </p:cNvSpPr>
+          <p:nvPr>
+            <p:ph type="ftr" sz="quarter" idx="4"/>
+          </p:nvPr>
+        </p:nvSpPr>
+        <p:spPr>
+          <a:xfrm>
+            <a:off x="0" y="8685213"/>
+            <a:ext cx="2971800" cy="458787"/>
+          </a:xfrm>
+          <a:prstGeom prst="rect">
+            <a:avLst/>
+          </a:prstGeom>
+        </p:spPr>
+        <p:txBody>
+          <a:bodyPr vert="horz" lIns="91440" tIns="45720" rIns="91440" bIns="45720" rtlCol="0" anchor="b"/>
+          <a:lstStyle>
+            <a:lvl1pPr algn="l">
+              <a:defRPr sz="1200"/>
+            </a:lvl1pPr>
+          </a:lstStyle>
+          <a:p>
+            <a:endParaRPr lang="en-US"/>
+          </a:p>
+        </p:txBody>
+      </p:sp>
+      <p:sp>
+        <p:nvSpPr>
+          <p:cNvPr id="7" name="Slide Number Placeholder 6"/>
+          <p:cNvSpPr>
+            <a:spLocks noGrp="1"/>
+          </p:cNvSpPr>
+          <p:nvPr>
+            <p:ph type="sldNum" sz="quarter" idx="5"/>
+          </p:nvPr>
+        </p:nvSpPr>
+        <p:spPr>
+          <a:xfrm>
+            <a:off x="3884613" y="8685213"/>
+            <a:ext cx="2971800" cy="458787"/>
+          </a:xfrm>
+          <a:prstGeom prst="rect">
+            <a:avLst/>
+          </a:prstGeom>
+        </p:spPr>
+        <p:txBody>
+          <a:bodyPr vert="horz" lIns="91440" tIns="45720" rIns="91440" bIns="45720" rtlCol="0" anchor="b"/>
+          <a:lstStyle>
+            <a:lvl1pPr algn="r">
+              <a:defRPr sz="1200"/>
+            </a:lvl1pPr>
+          </a:lstStyle>
+          <a:p>
+            <a:fld id="{53D707A1-1B9C-9244-B89C-5F515C41BB18}" type="slidenum">
+              <a:rPr lang="en-US" smtClean="0"/>
+              <a:t>‹#›</a:t>
+            </a:fld>
+            <a:endParaRPr lang="en-US"/>
+          </a:p>
+        </p:txBody>
+      </p:sp>
+    </p:spTree>
+    <p:extLst>
+      <p:ext uri="{BB962C8B-B14F-4D97-AF65-F5344CB8AC3E}">
+        <p14:creationId xmlns:p14="http://schemas.microsoft.com/office/powerpoint/2010/main" val="726968247"/>
+      </p:ext>
+    </p:extLst>
+  </p:cSld>
+  <p:clrMap bg1="lt1" tx1="dk1" bg2="lt2" tx2="dk2" accent1="accent1" accent2="accent2" accent3="accent3" accent4="accent4" accent5="accent5" accent6="accent6" hlink="hlink" folHlink="folHlink"/>
+  <p:notesStyle>
+    <a:lvl1pPr marL="0" algn="l" defTabSz="914400" rtl="0" eaLnBrk="1" latinLnBrk="0" hangingPunct="1">
+      <a:defRPr sz="1200" kern="1200">
+        <a:solidFill>
+          <a:schemeClr val="tx1"/>
+        </a:solidFill>
+        <a:latin typeface="+mn-lt"/>
+        <a:ea typeface="+mn-ea"/>
+        <a:cs typeface="+mn-cs"/>
+      </a:defRPr>
+    </a:lvl1pPr>
+    <a:lvl2pPr marL="457200" algn="l" defTabSz="914400" rtl="0" eaLnBrk="1" latinLnBrk="0" hangingPunct="1">
+      <a:defRPr sz="1200" kern="1200">
+        <a:solidFill>
+          <a:schemeClr val="tx1"/>
+        </a:solidFill>
+        <a:latin typeface="+mn-lt"/>
+        <a:ea typeface="+mn-ea"/>
+        <a:cs typeface="+mn-cs"/>
+      </a:defRPr>
+    </a:lvl2pPr>
+    <a:lvl3pPr marL="914400" algn="l" defTabSz="914400" rtl="0" eaLnBrk="1" latinLnBrk="0" hangingPunct="1">
+      <a:defRPr sz="1200" kern="1200">
+        <a:solidFill>
+          <a:schemeClr val="tx1"/>
+        </a:solidFill>
+        <a:latin typeface="+mn-lt"/>
+        <a:ea typeface="+mn-ea"/>
+        <a:cs typeface="+mn-cs"/>
+      </a:defRPr>
+    </a:lvl3pPr>
+    <a:lvl4pPr marL="1371600" algn="l" defTabSz="914400" rtl="0" eaLnBrk="1" latinLnBrk="0" hangingPunct="1">
+      <a:defRPr sz="1200" kern="1200">
+        <a:solidFill>
+          <a:schemeClr val="tx1"/>
+        </a:solidFill>
+        <a:latin typeface="+mn-lt"/>
+        <a:ea typeface="+mn-ea"/>
+        <a:cs typeface="+mn-cs"/>
+      </a:defRPr>
+    </a:lvl4pPr>
+    <a:lvl5pPr marL="1828800" algn="l" defTabSz="914400" rtl="0" eaLnBrk="1" latinLnBrk="0" hangingPunct="1">
+      <a:defRPr sz="1200" kern="1200">
+        <a:solidFill>
+          <a:schemeClr val="tx1"/>
+        </a:solidFill>
+        <a:latin typeface="+mn-lt"/>
+        <a:ea typeface="+mn-ea"/>
+        <a:cs typeface="+mn-cs"/>
+      </a:defRPr>
+    </a:lvl5pPr>
+    <a:lvl6pPr marL="2286000" algn="l" defTabSz="914400" rtl="0" eaLnBrk="1" latinLnBrk="0" hangingPunct="1">
+      <a:defRPr sz="1200" kern="1200">
+        <a:solidFill>
+          <a:schemeClr val="tx1"/>
+        </a:solidFill>
+        <a:latin typeface="+mn-lt"/>
+        <a:ea typeface="+mn-ea"/>
+        <a:cs typeface="+mn-cs"/>
+      </a:defRPr>
+    </a:lvl6pPr>
+    <a:lvl7pPr marL="2743200" algn="l" defTabSz="914400" rtl="0" eaLnBrk="1" latinLnBrk="0" hangingPunct="1">
+      <a:defRPr sz="1200" kern="1200">
+        <a:solidFill>
+          <a:schemeClr val="tx1"/>
+        </a:solidFill>
+        <a:latin typeface="+mn-lt"/>
+        <a:ea typeface="+mn-ea"/>
+        <a:cs typeface="+mn-cs"/>
+      </a:defRPr>
+    </a:lvl7pPr>
+    <a:lvl8pPr marL="3200400" algn="l" defTabSz="914400" rtl="0" eaLnBrk="1" latinLnBrk="0" hangingPunct="1">
+      <a:defRPr sz="1200" kern="1200">
+        <a:solidFill>
+          <a:schemeClr val="tx1"/>
+        </a:solidFill>
+        <a:latin typeface="+mn-lt"/>
+        <a:ea typeface="+mn-ea"/>
+        <a:cs typeface="+mn-cs"/>
+      </a:defRPr>
+    </a:lvl8pPr>
+    <a:lvl9pPr marL="3657600" algn="l" defTabSz="914400" rtl="0" eaLnBrk="1" latinLnBrk="0" hangingPunct="1">
+      <a:defRPr sz="1200" kern="1200">
+        <a:solidFill>
+          <a:schemeClr val="tx1"/>
+        </a:solidFill>
+        <a:latin typeface="+mn-lt"/>
+        <a:ea typeface="+mn-ea"/>
+        <a:cs typeface="+mn-cs"/>
+      </a:defRPr>
+    </a:lvl9pPr>
+  </p:notesStyle>
+</p:notesMaster>
+</file>
+
+<file path=ppt/notesSlides/notesSlide1.xml><?xml version="1.0" encoding="utf-8"?>
+<p:notes xmlns:a="http://schemas.openxmlformats.org/drawingml/2006/main" xmlns:r="http://schemas.openxmlformats.org/officeDocument/2006/relationships" xmlns:p="http://schemas.openxmlformats.org/presentationml/2006/main">
+  <p:cSld>
+    <p:spTree>
+      <p:nvGrpSpPr>
+        <p:cNvPr id="1" name=""/>
+        <p:cNvGrpSpPr/>
+        <p:nvPr/>
+      </p:nvGrpSpPr>
+      <p:grpSpPr>
+        <a:xfrm>
+          <a:off x="0" y="0"/>
+          <a:ext cx="0" cy="0"/>
+          <a:chOff x="0" y="0"/>
+          <a:chExt cx="0" cy="0"/>
+        </a:xfrm>
+      </p:grpSpPr>
+      <p:sp>
+        <p:nvSpPr>
+          <p:cNvPr id="2" name="Slide Image Placeholder 1"/>
+          <p:cNvSpPr>
+            <a:spLocks noGrp="1" noRot="1" noChangeAspect="1"/>
+          </p:cNvSpPr>
+          <p:nvPr>
+            <p:ph type="sldImg"/>
+          </p:nvPr>
+        </p:nvSpPr>
+        <p:spPr/>
+      </p:sp>
+      <p:sp>
+        <p:nvSpPr>
+          <p:cNvPr id="3" name="Notes Placeholder 2"/>
+          <p:cNvSpPr>
+            <a:spLocks noGrp="1"/>
+          </p:cNvSpPr>
+          <p:nvPr>
+            <p:ph type="body" idx="1"/>
+          </p:nvPr>
+        </p:nvSpPr>
+        <p:spPr/>
+        <p:txBody>
+          <a:bodyPr/>
+          <a:lstStyle/>
+          <a:p>
+            <a:r>
+              <a:rPr lang="en-US" dirty="0" smtClean="0"/>
+              <a:t>http://</a:t>
+            </a:r>
+            <a:r>
+              <a:rPr lang="en-US" dirty="0" err="1" smtClean="0"/>
+              <a:t>nsm.uh.edu</a:t>
+            </a:r>
+            <a:r>
+              <a:rPr lang="en-US" dirty="0" smtClean="0"/>
+              <a:t>/news-events/stories/2016/0322-authorship-attribution.php</a:t>
+            </a:r>
+          </a:p>
+          <a:p>
+            <a:endParaRPr lang="en-US" dirty="0" smtClean="0"/>
+          </a:p>
+          <a:p>
+            <a:r>
+              <a:rPr lang="en-US" dirty="0" smtClean="0"/>
+              <a:t>http://</a:t>
+            </a:r>
+            <a:r>
+              <a:rPr lang="en-US" dirty="0" err="1" smtClean="0"/>
+              <a:t>www.scientificamerican.com</a:t>
+            </a:r>
+            <a:r>
+              <a:rPr lang="en-US" dirty="0" smtClean="0"/>
+              <a:t>/article/how-a-computer-program-helped-show-jk-rowling-write-a-cuckoos-calling/</a:t>
+            </a:r>
+          </a:p>
+          <a:p>
+            <a:endParaRPr lang="en-US" dirty="0" smtClean="0"/>
+          </a:p>
+          <a:p>
+            <a:r>
+              <a:rPr lang="en-US" dirty="0" smtClean="0"/>
+              <a:t>https://</a:t>
+            </a:r>
+            <a:r>
+              <a:rPr lang="en-US" dirty="0" err="1" smtClean="0"/>
+              <a:t>www.brooklaw.edu</a:t>
+            </a:r>
+            <a:r>
+              <a:rPr lang="en-US" dirty="0" smtClean="0"/>
+              <a:t>/</a:t>
+            </a:r>
+            <a:r>
+              <a:rPr lang="en-US" dirty="0" err="1" smtClean="0"/>
+              <a:t>intellectuallife</a:t>
+            </a:r>
+            <a:r>
+              <a:rPr lang="en-US" dirty="0" smtClean="0"/>
+              <a:t>/</a:t>
+            </a:r>
+            <a:r>
+              <a:rPr lang="en-US" dirty="0" err="1" smtClean="0"/>
+              <a:t>centerforlawlanguageandcognition</a:t>
+            </a:r>
+            <a:r>
+              <a:rPr lang="en-US" dirty="0" smtClean="0"/>
+              <a:t>/</a:t>
+            </a:r>
+            <a:r>
+              <a:rPr lang="en-US" dirty="0" err="1" smtClean="0"/>
+              <a:t>authorattributionsite</a:t>
+            </a:r>
+            <a:endParaRPr lang="en-US" dirty="0"/>
+          </a:p>
+        </p:txBody>
+      </p:sp>
+      <p:sp>
+        <p:nvSpPr>
+          <p:cNvPr id="4" name="Slide Number Placeholder 3"/>
+          <p:cNvSpPr>
+            <a:spLocks noGrp="1"/>
+          </p:cNvSpPr>
+          <p:nvPr>
+            <p:ph type="sldNum" sz="quarter" idx="10"/>
+          </p:nvPr>
+        </p:nvSpPr>
+        <p:spPr/>
+        <p:txBody>
+          <a:bodyPr/>
+          <a:lstStyle/>
+          <a:p>
+            <a:fld id="{53D707A1-1B9C-9244-B89C-5F515C41BB18}" type="slidenum">
+              <a:rPr lang="en-US" smtClean="0"/>
+              <a:t>2</a:t>
+            </a:fld>
+            <a:endParaRPr lang="en-US"/>
+          </a:p>
+        </p:txBody>
+      </p:sp>
+    </p:spTree>
+    <p:extLst>
+      <p:ext uri="{BB962C8B-B14F-4D97-AF65-F5344CB8AC3E}">
+        <p14:creationId xmlns:p14="http://schemas.microsoft.com/office/powerpoint/2010/main" val="1120859546"/>
+      </p:ext>
+    </p:extLst>
+  </p:cSld>
+  <p:clrMapOvr>
+    <a:masterClrMapping/>
+  </p:clrMapOvr>
+</p:notes>
+</file>
+
+<file path=ppt/notesSlides/notesSlide2.xml><?xml version="1.0" encoding="utf-8"?>
+<p:notes xmlns:a="http://schemas.openxmlformats.org/drawingml/2006/main" xmlns:r="http://schemas.openxmlformats.org/officeDocument/2006/relationships" xmlns:p="http://schemas.openxmlformats.org/presentationml/2006/main">
+  <p:cSld>
+    <p:spTree>
+      <p:nvGrpSpPr>
+        <p:cNvPr id="1" name=""/>
+        <p:cNvGrpSpPr/>
+        <p:nvPr/>
+      </p:nvGrpSpPr>
+      <p:grpSpPr>
+        <a:xfrm>
+          <a:off x="0" y="0"/>
+          <a:ext cx="0" cy="0"/>
+          <a:chOff x="0" y="0"/>
+          <a:chExt cx="0" cy="0"/>
+        </a:xfrm>
+      </p:grpSpPr>
+      <p:sp>
+        <p:nvSpPr>
+          <p:cNvPr id="2" name="Slide Image Placeholder 1"/>
+          <p:cNvSpPr>
+            <a:spLocks noGrp="1" noRot="1" noChangeAspect="1"/>
+          </p:cNvSpPr>
+          <p:nvPr>
+            <p:ph type="sldImg"/>
+          </p:nvPr>
+        </p:nvSpPr>
+        <p:spPr/>
+      </p:sp>
+      <p:sp>
+        <p:nvSpPr>
+          <p:cNvPr id="3" name="Notes Placeholder 2"/>
+          <p:cNvSpPr>
+            <a:spLocks noGrp="1"/>
+          </p:cNvSpPr>
+          <p:nvPr>
+            <p:ph type="body" idx="1"/>
+          </p:nvPr>
+        </p:nvSpPr>
+        <p:spPr/>
+        <p:txBody>
+          <a:bodyPr/>
+          <a:lstStyle/>
+          <a:p>
+            <a:endParaRPr lang="en-US" dirty="0"/>
+          </a:p>
+        </p:txBody>
+      </p:sp>
+      <p:sp>
+        <p:nvSpPr>
+          <p:cNvPr id="4" name="Slide Number Placeholder 3"/>
+          <p:cNvSpPr>
+            <a:spLocks noGrp="1"/>
+          </p:cNvSpPr>
+          <p:nvPr>
+            <p:ph type="sldNum" sz="quarter" idx="10"/>
+          </p:nvPr>
+        </p:nvSpPr>
+        <p:spPr/>
+        <p:txBody>
+          <a:bodyPr/>
+          <a:lstStyle/>
+          <a:p>
+            <a:fld id="{53D707A1-1B9C-9244-B89C-5F515C41BB18}" type="slidenum">
+              <a:rPr lang="en-US" smtClean="0"/>
+              <a:t>3</a:t>
+            </a:fld>
+            <a:endParaRPr lang="en-US"/>
+          </a:p>
+        </p:txBody>
+      </p:sp>
+    </p:spTree>
+    <p:extLst>
+      <p:ext uri="{BB962C8B-B14F-4D97-AF65-F5344CB8AC3E}">
+        <p14:creationId xmlns:p14="http://schemas.microsoft.com/office/powerpoint/2010/main" val="1592722310"/>
+      </p:ext>
+    </p:extLst>
+  </p:cSld>
+  <p:clrMapOvr>
+    <a:masterClrMapping/>
+  </p:clrMapOvr>
+</p:notes>
+</file>
+
 <file path=ppt/slideLayouts/slideLayout1.xml><?xml version="1.0" encoding="utf-8"?>
 <p:sldLayout xmlns:a="http://schemas.openxmlformats.org/drawingml/2006/main" xmlns:r="http://schemas.openxmlformats.org/officeDocument/2006/relationships" xmlns:p="http://schemas.openxmlformats.org/presentationml/2006/main" type="title" preserve="1">
   <p:cSld name="Title Slide">
@@ -339,7 +928,7 @@
             <a:fld id="{8E36636D-D922-432D-A958-524484B5923D}" type="datetimeFigureOut">
               <a:rPr lang="en-US" dirty="0"/>
               <a:pPr/>
-              <a:t>4/23/16</a:t>
+              <a:t>4/24/16</a:t>
             </a:fld>
             <a:endParaRPr lang="en-US" dirty="0"/>
           </a:p>
@@ -633,7 +1222,7 @@
           <a:p>
             <a:fld id="{48A87A34-81AB-432B-8DAE-1953F412C126}" type="datetimeFigureOut">
               <a:rPr lang="en-US" dirty="0"/>
-              <a:t>4/23/16</a:t>
+              <a:t>4/24/16</a:t>
             </a:fld>
             <a:endParaRPr lang="en-US" dirty="0"/>
           </a:p>
@@ -820,7 +1409,7 @@
           <a:p>
             <a:fld id="{48A87A34-81AB-432B-8DAE-1953F412C126}" type="datetimeFigureOut">
               <a:rPr lang="en-US" dirty="0"/>
-              <a:t>4/23/16</a:t>
+              <a:t>4/24/16</a:t>
             </a:fld>
             <a:endParaRPr lang="en-US" dirty="0"/>
           </a:p>
@@ -1076,7 +1665,7 @@
           <a:p>
             <a:fld id="{48A87A34-81AB-432B-8DAE-1953F412C126}" type="datetimeFigureOut">
               <a:rPr lang="en-US" dirty="0"/>
-              <a:t>4/23/16</a:t>
+              <a:t>4/24/16</a:t>
             </a:fld>
             <a:endParaRPr lang="en-US" dirty="0"/>
           </a:p>
@@ -1495,7 +2084,7 @@
           <a:p>
             <a:fld id="{48A87A34-81AB-432B-8DAE-1953F412C126}" type="datetimeFigureOut">
               <a:rPr lang="en-US" dirty="0"/>
-              <a:t>4/23/16</a:t>
+              <a:t>4/24/16</a:t>
             </a:fld>
             <a:endParaRPr lang="en-US" dirty="0"/>
           </a:p>
@@ -2027,7 +2616,7 @@
           <a:p>
             <a:fld id="{48A87A34-81AB-432B-8DAE-1953F412C126}" type="datetimeFigureOut">
               <a:rPr lang="en-US" dirty="0"/>
-              <a:t>4/23/16</a:t>
+              <a:t>4/24/16</a:t>
             </a:fld>
             <a:endParaRPr lang="en-US" dirty="0"/>
           </a:p>
@@ -2886,7 +3475,7 @@
           <a:p>
             <a:fld id="{48A87A34-81AB-432B-8DAE-1953F412C126}" type="datetimeFigureOut">
               <a:rPr lang="en-US" dirty="0"/>
-              <a:t>4/23/16</a:t>
+              <a:t>4/24/16</a:t>
             </a:fld>
             <a:endParaRPr lang="en-US" dirty="0"/>
           </a:p>
@@ -3052,7 +3641,7 @@
             <a:fld id="{8E36636D-D922-432D-A958-524484B5923D}" type="datetimeFigureOut">
               <a:rPr lang="en-US" dirty="0"/>
               <a:pPr/>
-              <a:t>4/23/16</a:t>
+              <a:t>4/24/16</a:t>
             </a:fld>
             <a:endParaRPr lang="en-US" dirty="0"/>
           </a:p>
@@ -3233,7 +3822,7 @@
             <a:fld id="{8E36636D-D922-432D-A958-524484B5923D}" type="datetimeFigureOut">
               <a:rPr lang="en-US" dirty="0"/>
               <a:pPr/>
-              <a:t>4/23/16</a:t>
+              <a:t>4/24/16</a:t>
             </a:fld>
             <a:endParaRPr lang="en-US" dirty="0"/>
           </a:p>
@@ -3400,7 +3989,7 @@
             <a:fld id="{8E36636D-D922-432D-A958-524484B5923D}" type="datetimeFigureOut">
               <a:rPr lang="en-US" dirty="0"/>
               <a:pPr/>
-              <a:t>4/23/16</a:t>
+              <a:t>4/24/16</a:t>
             </a:fld>
             <a:endParaRPr lang="en-US" dirty="0"/>
           </a:p>
@@ -3641,7 +4230,7 @@
             <a:fld id="{8E36636D-D922-432D-A958-524484B5923D}" type="datetimeFigureOut">
               <a:rPr lang="en-US" dirty="0"/>
               <a:pPr/>
-              <a:t>4/23/16</a:t>
+              <a:t>4/24/16</a:t>
             </a:fld>
             <a:endParaRPr lang="en-US" dirty="0"/>
           </a:p>
@@ -3874,7 +4463,7 @@
             <a:fld id="{8E36636D-D922-432D-A958-524484B5923D}" type="datetimeFigureOut">
               <a:rPr lang="en-US" dirty="0"/>
               <a:pPr/>
-              <a:t>4/23/16</a:t>
+              <a:t>4/24/16</a:t>
             </a:fld>
             <a:endParaRPr lang="en-US" dirty="0"/>
           </a:p>
@@ -4337,7 +4926,7 @@
             <a:fld id="{8E36636D-D922-432D-A958-524484B5923D}" type="datetimeFigureOut">
               <a:rPr lang="en-US" dirty="0"/>
               <a:pPr/>
-              <a:t>4/23/16</a:t>
+              <a:t>4/24/16</a:t>
             </a:fld>
             <a:endParaRPr lang="en-US" dirty="0"/>
           </a:p>
@@ -4452,7 +5041,7 @@
             <a:fld id="{8E36636D-D922-432D-A958-524484B5923D}" type="datetimeFigureOut">
               <a:rPr lang="en-US" dirty="0"/>
               <a:pPr/>
-              <a:t>4/23/16</a:t>
+              <a:t>4/24/16</a:t>
             </a:fld>
             <a:endParaRPr lang="en-US" dirty="0"/>
           </a:p>
@@ -4544,7 +5133,7 @@
             <a:fld id="{8E36636D-D922-432D-A958-524484B5923D}" type="datetimeFigureOut">
               <a:rPr lang="en-US" dirty="0"/>
               <a:pPr/>
-              <a:t>4/23/16</a:t>
+              <a:t>4/24/16</a:t>
             </a:fld>
             <a:endParaRPr lang="en-US" dirty="0"/>
           </a:p>
@@ -4796,7 +5385,7 @@
             <a:fld id="{8E36636D-D922-432D-A958-524484B5923D}" type="datetimeFigureOut">
               <a:rPr lang="en-US" dirty="0"/>
               <a:pPr/>
-              <a:t>4/23/16</a:t>
+              <a:t>4/24/16</a:t>
             </a:fld>
             <a:endParaRPr lang="en-US" dirty="0"/>
           </a:p>
@@ -5093,7 +5682,7 @@
             <a:fld id="{8E36636D-D922-432D-A958-524484B5923D}" type="datetimeFigureOut">
               <a:rPr lang="en-US" dirty="0"/>
               <a:pPr/>
-              <a:t>4/23/16</a:t>
+              <a:t>4/24/16</a:t>
             </a:fld>
             <a:endParaRPr lang="en-US" dirty="0"/>
           </a:p>
@@ -5324,7 +5913,7 @@
             <a:fld id="{8E36636D-D922-432D-A958-524484B5923D}" type="datetimeFigureOut">
               <a:rPr lang="en-US" dirty="0"/>
               <a:pPr/>
-              <a:t>4/23/16</a:t>
+              <a:t>4/24/16</a:t>
             </a:fld>
             <a:endParaRPr lang="en-US" dirty="0"/>
           </a:p>
@@ -6053,6 +6642,139 @@
 </p:sld>
 </file>
 
+<file path=ppt/slides/slide10.xml><?xml version="1.0" encoding="utf-8"?>
+<p:sld xmlns:a="http://schemas.openxmlformats.org/drawingml/2006/main" xmlns:r="http://schemas.openxmlformats.org/officeDocument/2006/relationships" xmlns:p="http://schemas.openxmlformats.org/presentationml/2006/main">
+  <p:cSld>
+    <p:spTree>
+      <p:nvGrpSpPr>
+        <p:cNvPr id="1" name=""/>
+        <p:cNvGrpSpPr/>
+        <p:nvPr/>
+      </p:nvGrpSpPr>
+      <p:grpSpPr>
+        <a:xfrm>
+          <a:off x="0" y="0"/>
+          <a:ext cx="0" cy="0"/>
+          <a:chOff x="0" y="0"/>
+          <a:chExt cx="0" cy="0"/>
+        </a:xfrm>
+      </p:grpSpPr>
+      <p:sp>
+        <p:nvSpPr>
+          <p:cNvPr id="2" name="Title 1"/>
+          <p:cNvSpPr>
+            <a:spLocks noGrp="1"/>
+          </p:cNvSpPr>
+          <p:nvPr>
+            <p:ph type="title"/>
+          </p:nvPr>
+        </p:nvSpPr>
+        <p:spPr/>
+        <p:txBody>
+          <a:bodyPr/>
+          <a:lstStyle/>
+          <a:p>
+            <a:r>
+              <a:rPr lang="en-US" dirty="0" smtClean="0"/>
+              <a:t>References</a:t>
+            </a:r>
+            <a:endParaRPr lang="en-US" dirty="0"/>
+          </a:p>
+        </p:txBody>
+      </p:sp>
+      <p:sp>
+        <p:nvSpPr>
+          <p:cNvPr id="3" name="Content Placeholder 2"/>
+          <p:cNvSpPr>
+            <a:spLocks noGrp="1"/>
+          </p:cNvSpPr>
+          <p:nvPr>
+            <p:ph idx="1"/>
+          </p:nvPr>
+        </p:nvSpPr>
+        <p:spPr/>
+        <p:txBody>
+          <a:bodyPr/>
+          <a:lstStyle/>
+          <a:p>
+            <a:r>
+              <a:rPr lang="en-US" dirty="0"/>
+              <a:t>*</a:t>
+            </a:r>
+            <a:r>
+              <a:rPr lang="en-US" dirty="0" err="1"/>
+              <a:t>Juola</a:t>
+            </a:r>
+            <a:r>
+              <a:rPr lang="en-US" dirty="0"/>
+              <a:t>,  Patrick.  Authorship  Attribution.  Hanover,  MA:  Now  Publishers  Inc.,  2008.  Print.</a:t>
+            </a:r>
+          </a:p>
+          <a:p>
+            <a:r>
+              <a:rPr lang="en-US" dirty="0" smtClean="0"/>
+              <a:t>MATLAB  </a:t>
+            </a:r>
+            <a:r>
+              <a:rPr lang="en-US" dirty="0"/>
+              <a:t>and  Neural  Network  Toolbox  Release  2015a,  The  </a:t>
+            </a:r>
+            <a:r>
+              <a:rPr lang="en-US" dirty="0" err="1"/>
+              <a:t>MathWorks</a:t>
+            </a:r>
+            <a:r>
+              <a:rPr lang="en-US" dirty="0"/>
+              <a:t>,  Inc.,  Natick,  Massachusetts,  United  States</a:t>
+            </a:r>
+            <a:r>
+              <a:rPr lang="en-US" dirty="0" smtClean="0"/>
+              <a:t>.</a:t>
+            </a:r>
+          </a:p>
+          <a:p>
+            <a:endParaRPr lang="en-US" dirty="0"/>
+          </a:p>
+          <a:p>
+            <a:endParaRPr lang="en-US" dirty="0" smtClean="0"/>
+          </a:p>
+          <a:p>
+            <a:r>
+              <a:rPr lang="en-US" dirty="0"/>
+              <a:t>*We  would  like  to  thank  Dr.  Patrick  </a:t>
+            </a:r>
+            <a:r>
+              <a:rPr lang="en-US" dirty="0" err="1"/>
+              <a:t>Juola</a:t>
+            </a:r>
+            <a:r>
+              <a:rPr lang="en-US" dirty="0"/>
+              <a:t>  for  helpful  discussions  while  working  on  this  project and for giving us data to use </a:t>
+            </a:r>
+            <a:r>
+              <a:rPr lang="en-US" dirty="0" smtClean="0"/>
+              <a:t>for training and </a:t>
+            </a:r>
+            <a:r>
+              <a:rPr lang="en-US" dirty="0"/>
+              <a:t>testing. </a:t>
+            </a:r>
+          </a:p>
+        </p:txBody>
+      </p:sp>
+    </p:spTree>
+    <p:extLst>
+      <p:ext uri="{BB962C8B-B14F-4D97-AF65-F5344CB8AC3E}">
+        <p14:creationId xmlns:p14="http://schemas.microsoft.com/office/powerpoint/2010/main" val="999699721"/>
+      </p:ext>
+    </p:extLst>
+  </p:cSld>
+  <p:clrMapOvr>
+    <a:masterClrMapping/>
+  </p:clrMapOvr>
+</p:sld>
+</file>
+
 <file path=ppt/slides/slide2.xml><?xml version="1.0" encoding="utf-8"?>
 <p:sld xmlns:a="http://schemas.openxmlformats.org/drawingml/2006/main" xmlns:r="http://schemas.openxmlformats.org/officeDocument/2006/relationships" xmlns:p="http://schemas.openxmlformats.org/presentationml/2006/main">
   <p:cSld>
@@ -6093,26 +6815,216 @@
           </a:p>
         </p:txBody>
       </p:sp>
-      <p:sp>
-        <p:nvSpPr>
-          <p:cNvPr id="3" name="Content Placeholder 2"/>
-          <p:cNvSpPr>
-            <a:spLocks noGrp="1"/>
-          </p:cNvSpPr>
+      <p:pic>
+        <p:nvPicPr>
+          <p:cNvPr id="5" name="Content Placeholder 4"/>
+          <p:cNvPicPr>
+            <a:picLocks noGrp="1" noChangeAspect="1"/>
+          </p:cNvPicPr>
           <p:nvPr>
             <p:ph idx="1"/>
           </p:nvPr>
-        </p:nvSpPr>
-        <p:spPr/>
-        <p:txBody>
-          <a:bodyPr/>
-          <a:lstStyle/>
-          <a:p>
-            <a:r>
-              <a:rPr lang="en-US" dirty="0" smtClean="0"/>
-              <a:t>Come up with some fun example of a situation where authorship identification would be helpful</a:t>
-            </a:r>
-            <a:endParaRPr lang="en-US" dirty="0"/>
+        </p:nvPicPr>
+        <p:blipFill>
+          <a:blip r:embed="rId3">
+            <a:extLst>
+              <a:ext uri="{28A0092B-C50C-407E-A947-70E740481C1C}">
+                <a14:useLocalDpi xmlns:a14="http://schemas.microsoft.com/office/drawing/2010/main" val="0"/>
+              </a:ext>
+            </a:extLst>
+          </a:blip>
+          <a:stretch>
+            <a:fillRect/>
+          </a:stretch>
+        </p:blipFill>
+        <p:spPr>
+          <a:xfrm>
+            <a:off x="452459" y="1888080"/>
+            <a:ext cx="6046040" cy="2393987"/>
+          </a:xfrm>
+        </p:spPr>
+      </p:pic>
+      <p:sp>
+        <p:nvSpPr>
+          <p:cNvPr id="9" name="TextBox 8"/>
+          <p:cNvSpPr txBox="1"/>
+          <p:nvPr/>
+        </p:nvSpPr>
+        <p:spPr>
+          <a:xfrm>
+            <a:off x="7002966" y="1888080"/>
+            <a:ext cx="4264591" cy="1938992"/>
+          </a:xfrm>
+          <a:prstGeom prst="rect">
+            <a:avLst/>
+          </a:prstGeom>
+          <a:noFill/>
+        </p:spPr>
+        <p:txBody>
+          <a:bodyPr wrap="square" rtlCol="0">
+            <a:spAutoFit/>
+          </a:bodyPr>
+          <a:lstStyle/>
+          <a:p>
+            <a:pPr marL="342900" indent="-342900">
+              <a:buFont typeface="Arial" charset="0"/>
+              <a:buChar char="•"/>
+            </a:pPr>
+            <a:r>
+              <a:rPr lang="en-US" sz="2000" dirty="0" smtClean="0">
+                <a:ln>
+                  <a:solidFill>
+                    <a:prstClr val="black">
+                      <a:lumMod val="75000"/>
+                      <a:lumOff val="25000"/>
+                      <a:alpha val="10000"/>
+                    </a:prstClr>
+                  </a:solidFill>
+                </a:ln>
+                <a:solidFill>
+                  <a:srgbClr val="DADADA"/>
+                </a:solidFill>
+              </a:rPr>
+              <a:t>Identifying Individuals in cyber bullying</a:t>
+            </a:r>
+          </a:p>
+          <a:p>
+            <a:pPr marL="342900" indent="-342900">
+              <a:buFont typeface="Arial" charset="0"/>
+              <a:buChar char="•"/>
+            </a:pPr>
+            <a:r>
+              <a:rPr lang="en-US" sz="2000" dirty="0" smtClean="0">
+                <a:ln>
+                  <a:solidFill>
+                    <a:prstClr val="black">
+                      <a:lumMod val="75000"/>
+                      <a:lumOff val="25000"/>
+                      <a:alpha val="10000"/>
+                    </a:prstClr>
+                  </a:solidFill>
+                </a:ln>
+                <a:solidFill>
+                  <a:srgbClr val="DADADA"/>
+                </a:solidFill>
+              </a:rPr>
+              <a:t>Recognizing plagiarism</a:t>
+            </a:r>
+          </a:p>
+          <a:p>
+            <a:pPr marL="342900" indent="-342900">
+              <a:buFont typeface="Arial" charset="0"/>
+              <a:buChar char="•"/>
+            </a:pPr>
+            <a:r>
+              <a:rPr lang="en-US" sz="2000" dirty="0" smtClean="0">
+                <a:ln>
+                  <a:solidFill>
+                    <a:prstClr val="black">
+                      <a:lumMod val="75000"/>
+                      <a:lumOff val="25000"/>
+                      <a:alpha val="10000"/>
+                    </a:prstClr>
+                  </a:solidFill>
+                </a:ln>
+                <a:solidFill>
+                  <a:srgbClr val="DADADA"/>
+                </a:solidFill>
+              </a:rPr>
+              <a:t>Catching Terrorists</a:t>
+            </a:r>
+          </a:p>
+          <a:p>
+            <a:pPr marL="342900" indent="-342900">
+              <a:buFont typeface="Arial" charset="0"/>
+              <a:buChar char="•"/>
+            </a:pPr>
+            <a:r>
+              <a:rPr lang="en-US" sz="2000" dirty="0" smtClean="0">
+                <a:ln>
+                  <a:solidFill>
+                    <a:prstClr val="black">
+                      <a:lumMod val="75000"/>
+                      <a:lumOff val="25000"/>
+                      <a:alpha val="10000"/>
+                    </a:prstClr>
+                  </a:solidFill>
+                </a:ln>
+                <a:solidFill>
+                  <a:srgbClr val="DADADA"/>
+                </a:solidFill>
+              </a:rPr>
+              <a:t>“Who wrote the ransom note in </a:t>
+            </a:r>
+            <a:r>
+              <a:rPr lang="en-US" sz="2000" dirty="0">
+                <a:ln>
+                  <a:solidFill>
+                    <a:prstClr val="black">
+                      <a:lumMod val="75000"/>
+                      <a:lumOff val="25000"/>
+                      <a:alpha val="10000"/>
+                    </a:prstClr>
+                  </a:solidFill>
+                </a:ln>
+                <a:solidFill>
+                  <a:srgbClr val="DADADA"/>
+                </a:solidFill>
+              </a:rPr>
+              <a:t>the Jon </a:t>
+            </a:r>
+            <a:r>
+              <a:rPr lang="en-US" sz="2000" dirty="0" err="1">
+                <a:ln>
+                  <a:solidFill>
+                    <a:prstClr val="black">
+                      <a:lumMod val="75000"/>
+                      <a:lumOff val="25000"/>
+                      <a:alpha val="10000"/>
+                    </a:prstClr>
+                  </a:solidFill>
+                </a:ln>
+                <a:solidFill>
+                  <a:srgbClr val="DADADA"/>
+                </a:solidFill>
+              </a:rPr>
+              <a:t>Benét</a:t>
+            </a:r>
+            <a:r>
+              <a:rPr lang="en-US" sz="2000" dirty="0">
+                <a:ln>
+                  <a:solidFill>
+                    <a:prstClr val="black">
+                      <a:lumMod val="75000"/>
+                      <a:lumOff val="25000"/>
+                      <a:alpha val="10000"/>
+                    </a:prstClr>
+                  </a:solidFill>
+                </a:ln>
+                <a:solidFill>
+                  <a:srgbClr val="DADADA"/>
+                </a:solidFill>
+              </a:rPr>
+              <a:t> Ramsey case</a:t>
+            </a:r>
+            <a:r>
+              <a:rPr lang="en-US" sz="2000" dirty="0" smtClean="0">
+                <a:ln>
+                  <a:solidFill>
+                    <a:prstClr val="black">
+                      <a:lumMod val="75000"/>
+                      <a:lumOff val="25000"/>
+                      <a:alpha val="10000"/>
+                    </a:prstClr>
+                  </a:solidFill>
+                </a:ln>
+                <a:solidFill>
+                  <a:srgbClr val="DADADA"/>
+                </a:solidFill>
+              </a:rPr>
+              <a:t>?”</a:t>
+            </a:r>
+            <a:endParaRPr lang="en-US" dirty="0" smtClean="0"/>
           </a:p>
         </p:txBody>
       </p:sp>
@@ -6137,6 +7049,179 @@
 </file>
 
 <file path=ppt/slides/slide3.xml><?xml version="1.0" encoding="utf-8"?>
+<p:sld xmlns:a="http://schemas.openxmlformats.org/drawingml/2006/main" xmlns:r="http://schemas.openxmlformats.org/officeDocument/2006/relationships" xmlns:p="http://schemas.openxmlformats.org/presentationml/2006/main">
+  <p:cSld>
+    <p:spTree>
+      <p:nvGrpSpPr>
+        <p:cNvPr id="1" name=""/>
+        <p:cNvGrpSpPr/>
+        <p:nvPr/>
+      </p:nvGrpSpPr>
+      <p:grpSpPr>
+        <a:xfrm>
+          <a:off x="0" y="0"/>
+          <a:ext cx="0" cy="0"/>
+          <a:chOff x="0" y="0"/>
+          <a:chExt cx="0" cy="0"/>
+        </a:xfrm>
+      </p:grpSpPr>
+      <p:sp>
+        <p:nvSpPr>
+          <p:cNvPr id="2" name="Title 1"/>
+          <p:cNvSpPr>
+            <a:spLocks noGrp="1"/>
+          </p:cNvSpPr>
+          <p:nvPr>
+            <p:ph type="title"/>
+          </p:nvPr>
+        </p:nvSpPr>
+        <p:spPr/>
+        <p:txBody>
+          <a:bodyPr/>
+          <a:lstStyle/>
+          <a:p>
+            <a:r>
+              <a:rPr lang="en-US" dirty="0" smtClean="0"/>
+              <a:t>Authorship Verification</a:t>
+            </a:r>
+            <a:endParaRPr lang="en-US" dirty="0"/>
+          </a:p>
+        </p:txBody>
+      </p:sp>
+      <p:sp>
+        <p:nvSpPr>
+          <p:cNvPr id="3" name="Content Placeholder 2"/>
+          <p:cNvSpPr>
+            <a:spLocks noGrp="1"/>
+          </p:cNvSpPr>
+          <p:nvPr>
+            <p:ph idx="1"/>
+          </p:nvPr>
+        </p:nvSpPr>
+        <p:spPr/>
+        <p:txBody>
+          <a:bodyPr/>
+          <a:lstStyle/>
+          <a:p>
+            <a:pPr>
+              <a:buFont typeface="Arial" charset="0"/>
+              <a:buChar char="•"/>
+            </a:pPr>
+            <a:r>
+              <a:rPr lang="en-US" dirty="0" smtClean="0">
+                <a:effectLst/>
+              </a:rPr>
+              <a:t>“Authorship </a:t>
+            </a:r>
+            <a:r>
+              <a:rPr lang="en-US" dirty="0">
+                <a:effectLst/>
+              </a:rPr>
+              <a:t>verification is a branch of forensic authorship analysis addressing the following task: Given a number of sample documents of an author A and a document allegedly written by A , the task is to decide whether the author of the latter document is truly A or not. </a:t>
+            </a:r>
+            <a:r>
+              <a:rPr lang="en-US" dirty="0" smtClean="0">
+                <a:effectLst/>
+              </a:rPr>
+              <a:t>“</a:t>
+            </a:r>
+          </a:p>
+          <a:p>
+            <a:pPr lvl="1">
+              <a:buFont typeface="Arial" charset="0"/>
+              <a:buChar char="•"/>
+            </a:pPr>
+            <a:r>
+              <a:rPr lang="en-US" dirty="0" smtClean="0">
+                <a:effectLst/>
+              </a:rPr>
+              <a:t>Oren </a:t>
+            </a:r>
+            <a:r>
+              <a:rPr lang="en-US" dirty="0" err="1" smtClean="0">
+                <a:effectLst/>
+              </a:rPr>
+              <a:t>Halvani</a:t>
+            </a:r>
+            <a:r>
+              <a:rPr lang="en-US" dirty="0" smtClean="0">
+                <a:effectLst/>
+              </a:rPr>
+              <a:t>, Christian Winter, Anika </a:t>
+            </a:r>
+            <a:r>
+              <a:rPr lang="en-US" dirty="0" err="1" smtClean="0">
+                <a:effectLst/>
+              </a:rPr>
+              <a:t>Pflug</a:t>
+            </a:r>
+            <a:r>
+              <a:rPr lang="en-US" dirty="0" smtClean="0">
+                <a:effectLst/>
+              </a:rPr>
+              <a:t>  in </a:t>
+            </a:r>
+            <a:r>
+              <a:rPr lang="en-US" dirty="0">
+                <a:effectLst/>
+              </a:rPr>
+              <a:t>Authorship verification for different languages, genres </a:t>
+            </a:r>
+            <a:r>
+              <a:rPr lang="en-US" dirty="0" smtClean="0">
+                <a:effectLst/>
+              </a:rPr>
+              <a:t>and topics, 2016.</a:t>
+            </a:r>
+            <a:r>
+              <a:rPr lang="en-US" dirty="0">
+                <a:effectLst/>
+              </a:rPr>
+              <a:t/>
+            </a:r>
+            <a:br>
+              <a:rPr lang="en-US" dirty="0">
+                <a:effectLst/>
+              </a:rPr>
+            </a:br>
+            <a:endParaRPr lang="en-US" dirty="0"/>
+          </a:p>
+          <a:p>
+            <a:pPr lvl="1">
+              <a:buFont typeface="Arial" charset="0"/>
+              <a:buChar char="•"/>
+            </a:pPr>
+            <a:endParaRPr lang="en-US" dirty="0"/>
+          </a:p>
+          <a:p>
+            <a:endParaRPr lang="en-US" dirty="0"/>
+          </a:p>
+          <a:p>
+            <a:endParaRPr lang="en-US" dirty="0"/>
+          </a:p>
+        </p:txBody>
+      </p:sp>
+    </p:spTree>
+    <p:extLst>
+      <p:ext uri="{BB962C8B-B14F-4D97-AF65-F5344CB8AC3E}">
+        <p14:creationId xmlns:p14="http://schemas.microsoft.com/office/powerpoint/2010/main" val="369180695"/>
+      </p:ext>
+    </p:extLst>
+  </p:cSld>
+  <p:clrMapOvr>
+    <a:masterClrMapping/>
+  </p:clrMapOvr>
+  <p:timing>
+    <p:tnLst>
+      <p:par>
+        <p:cTn id="1" dur="indefinite" restart="never" nodeType="tmRoot"/>
+      </p:par>
+    </p:tnLst>
+  </p:timing>
+</p:sld>
+</file>
+
+<file path=ppt/slides/slide4.xml><?xml version="1.0" encoding="utf-8"?>
 <p:sld xmlns:a="http://schemas.openxmlformats.org/drawingml/2006/main" xmlns:r="http://schemas.openxmlformats.org/officeDocument/2006/relationships" xmlns:p="http://schemas.openxmlformats.org/presentationml/2006/main">
   <p:cSld>
     <p:spTree>
@@ -7255,7 +8340,7 @@
 </p:sld>
 </file>
 
-<file path=ppt/slides/slide4.xml><?xml version="1.0" encoding="utf-8"?>
+<file path=ppt/slides/slide5.xml><?xml version="1.0" encoding="utf-8"?>
 <p:sld xmlns:a="http://schemas.openxmlformats.org/drawingml/2006/main" xmlns:r="http://schemas.openxmlformats.org/officeDocument/2006/relationships" xmlns:p="http://schemas.openxmlformats.org/presentationml/2006/main">
   <p:cSld>
     <p:spTree>
@@ -7334,78 +8419,6 @@
 </p:sld>
 </file>
 
-<file path=ppt/slides/slide5.xml><?xml version="1.0" encoding="utf-8"?>
-<p:sld xmlns:a="http://schemas.openxmlformats.org/drawingml/2006/main" xmlns:r="http://schemas.openxmlformats.org/officeDocument/2006/relationships" xmlns:p="http://schemas.openxmlformats.org/presentationml/2006/main">
-  <p:cSld>
-    <p:spTree>
-      <p:nvGrpSpPr>
-        <p:cNvPr id="1" name=""/>
-        <p:cNvGrpSpPr/>
-        <p:nvPr/>
-      </p:nvGrpSpPr>
-      <p:grpSpPr>
-        <a:xfrm>
-          <a:off x="0" y="0"/>
-          <a:ext cx="0" cy="0"/>
-          <a:chOff x="0" y="0"/>
-          <a:chExt cx="0" cy="0"/>
-        </a:xfrm>
-      </p:grpSpPr>
-      <p:sp>
-        <p:nvSpPr>
-          <p:cNvPr id="2" name="Title 1"/>
-          <p:cNvSpPr>
-            <a:spLocks noGrp="1"/>
-          </p:cNvSpPr>
-          <p:nvPr>
-            <p:ph type="title"/>
-          </p:nvPr>
-        </p:nvSpPr>
-        <p:spPr/>
-        <p:txBody>
-          <a:bodyPr/>
-          <a:lstStyle/>
-          <a:p>
-            <a:r>
-              <a:rPr lang="en-US" dirty="0" smtClean="0"/>
-              <a:t>Feature Extraction</a:t>
-            </a:r>
-            <a:endParaRPr lang="en-US" dirty="0"/>
-          </a:p>
-        </p:txBody>
-      </p:sp>
-      <p:sp>
-        <p:nvSpPr>
-          <p:cNvPr id="3" name="Content Placeholder 2"/>
-          <p:cNvSpPr>
-            <a:spLocks noGrp="1"/>
-          </p:cNvSpPr>
-          <p:nvPr>
-            <p:ph idx="1"/>
-          </p:nvPr>
-        </p:nvSpPr>
-        <p:spPr/>
-        <p:txBody>
-          <a:bodyPr/>
-          <a:lstStyle/>
-          <a:p>
-            <a:endParaRPr lang="en-US" dirty="0"/>
-          </a:p>
-        </p:txBody>
-      </p:sp>
-    </p:spTree>
-    <p:extLst>
-      <p:ext uri="{BB962C8B-B14F-4D97-AF65-F5344CB8AC3E}">
-        <p14:creationId xmlns:p14="http://schemas.microsoft.com/office/powerpoint/2010/main" val="994480724"/>
-      </p:ext>
-    </p:extLst>
-  </p:cSld>
-  <p:clrMapOvr>
-    <a:masterClrMapping/>
-  </p:clrMapOvr>
-</p:sld>
-</file>
-
 <file path=ppt/slides/slide6.xml><?xml version="1.0" encoding="utf-8"?>
 <p:sld xmlns:a="http://schemas.openxmlformats.org/drawingml/2006/main" xmlns:r="http://schemas.openxmlformats.org/officeDocument/2006/relationships" xmlns:p="http://schemas.openxmlformats.org/presentationml/2006/main">
   <p:cSld>
@@ -7440,7 +8453,7 @@
           <a:p>
             <a:r>
               <a:rPr lang="en-US" dirty="0" smtClean="0"/>
-              <a:t>Neural Networks</a:t>
+              <a:t>Feature Extraction</a:t>
             </a:r>
             <a:endParaRPr lang="en-US" dirty="0"/>
           </a:p>
@@ -7468,7 +8481,7 @@
     </p:spTree>
     <p:extLst>
       <p:ext uri="{BB962C8B-B14F-4D97-AF65-F5344CB8AC3E}">
-        <p14:creationId xmlns:p14="http://schemas.microsoft.com/office/powerpoint/2010/main" val="297738534"/>
+        <p14:creationId xmlns:p14="http://schemas.microsoft.com/office/powerpoint/2010/main" val="994480724"/>
       </p:ext>
     </p:extLst>
   </p:cSld>
@@ -7512,7 +8525,7 @@
           <a:p>
             <a:r>
               <a:rPr lang="en-US" dirty="0" smtClean="0"/>
-              <a:t>Results</a:t>
+              <a:t>Neural Networks</a:t>
             </a:r>
             <a:endParaRPr lang="en-US" dirty="0"/>
           </a:p>
@@ -7533,10 +8546,6 @@
           <a:bodyPr/>
           <a:lstStyle/>
           <a:p>
-            <a:r>
-              <a:rPr lang="en-US" dirty="0" smtClean="0"/>
-              <a:t>Include table from paper maybe?</a:t>
-            </a:r>
             <a:endParaRPr lang="en-US" dirty="0"/>
           </a:p>
         </p:txBody>
@@ -7544,7 +8553,7 @@
     </p:spTree>
     <p:extLst>
       <p:ext uri="{BB962C8B-B14F-4D97-AF65-F5344CB8AC3E}">
-        <p14:creationId xmlns:p14="http://schemas.microsoft.com/office/powerpoint/2010/main" val="1240131665"/>
+        <p14:creationId xmlns:p14="http://schemas.microsoft.com/office/powerpoint/2010/main" val="297738534"/>
       </p:ext>
     </p:extLst>
   </p:cSld>
@@ -7578,7 +8587,7 @@
             <a:spLocks noGrp="1"/>
           </p:cNvSpPr>
           <p:nvPr>
-            <p:ph type="ctrTitle"/>
+            <p:ph type="title"/>
           </p:nvPr>
         </p:nvSpPr>
         <p:spPr/>
@@ -7588,20 +8597,20 @@
           <a:p>
             <a:r>
               <a:rPr lang="en-US" dirty="0" smtClean="0"/>
-              <a:t>Any Questions?</a:t>
-            </a:r>
-            <a:endParaRPr lang="en-US" dirty="0"/>
-          </a:p>
-        </p:txBody>
-      </p:sp>
-      <p:sp>
-        <p:nvSpPr>
-          <p:cNvPr id="3" name="Subtitle 2"/>
-          <p:cNvSpPr>
-            <a:spLocks noGrp="1"/>
-          </p:cNvSpPr>
-          <p:nvPr>
-            <p:ph type="subTitle" idx="1"/>
+              <a:t>Results</a:t>
+            </a:r>
+            <a:endParaRPr lang="en-US" dirty="0"/>
+          </a:p>
+        </p:txBody>
+      </p:sp>
+      <p:sp>
+        <p:nvSpPr>
+          <p:cNvPr id="3" name="Content Placeholder 2"/>
+          <p:cNvSpPr>
+            <a:spLocks noGrp="1"/>
+          </p:cNvSpPr>
+          <p:nvPr>
+            <p:ph idx="1"/>
           </p:nvPr>
         </p:nvSpPr>
         <p:spPr/>
@@ -7609,6 +8618,10 @@
           <a:bodyPr/>
           <a:lstStyle/>
           <a:p>
+            <a:r>
+              <a:rPr lang="en-US" dirty="0" smtClean="0"/>
+              <a:t>Include table from paper maybe?</a:t>
+            </a:r>
             <a:endParaRPr lang="en-US" dirty="0"/>
           </a:p>
         </p:txBody>
@@ -7616,7 +8629,7 @@
     </p:spTree>
     <p:extLst>
       <p:ext uri="{BB962C8B-B14F-4D97-AF65-F5344CB8AC3E}">
-        <p14:creationId xmlns:p14="http://schemas.microsoft.com/office/powerpoint/2010/main" val="725231476"/>
+        <p14:creationId xmlns:p14="http://schemas.microsoft.com/office/powerpoint/2010/main" val="1240131665"/>
       </p:ext>
     </p:extLst>
   </p:cSld>
@@ -7650,7 +8663,7 @@
             <a:spLocks noGrp="1"/>
           </p:cNvSpPr>
           <p:nvPr>
-            <p:ph type="title"/>
+            <p:ph type="ctrTitle"/>
           </p:nvPr>
         </p:nvSpPr>
         <p:spPr/>
@@ -7660,20 +8673,20 @@
           <a:p>
             <a:r>
               <a:rPr lang="en-US" dirty="0" smtClean="0"/>
-              <a:t>References</a:t>
-            </a:r>
-            <a:endParaRPr lang="en-US" dirty="0"/>
-          </a:p>
-        </p:txBody>
-      </p:sp>
-      <p:sp>
-        <p:nvSpPr>
-          <p:cNvPr id="3" name="Content Placeholder 2"/>
-          <p:cNvSpPr>
-            <a:spLocks noGrp="1"/>
-          </p:cNvSpPr>
-          <p:nvPr>
-            <p:ph idx="1"/>
+              <a:t>Any Questions?</a:t>
+            </a:r>
+            <a:endParaRPr lang="en-US" dirty="0"/>
+          </a:p>
+        </p:txBody>
+      </p:sp>
+      <p:sp>
+        <p:nvSpPr>
+          <p:cNvPr id="3" name="Subtitle 2"/>
+          <p:cNvSpPr>
+            <a:spLocks noGrp="1"/>
+          </p:cNvSpPr>
+          <p:nvPr>
+            <p:ph type="subTitle" idx="1"/>
           </p:nvPr>
         </p:nvSpPr>
         <p:spPr/>
@@ -7681,68 +8694,6 @@
           <a:bodyPr/>
           <a:lstStyle/>
           <a:p>
-            <a:r>
-              <a:rPr lang="en-US" dirty="0"/>
-              <a:t>*</a:t>
-            </a:r>
-            <a:r>
-              <a:rPr lang="en-US" dirty="0" err="1"/>
-              <a:t>Juola</a:t>
-            </a:r>
-            <a:r>
-              <a:rPr lang="en-US" dirty="0"/>
-              <a:t>,  Patrick.  Authorship  Attribution.  Hanover,  MA:  Now  Publishers  Inc.,  2008.  Print.</a:t>
-            </a:r>
-          </a:p>
-          <a:p>
-            <a:r>
-              <a:rPr lang="en-US" dirty="0" smtClean="0"/>
-              <a:t>MATLAB  </a:t>
-            </a:r>
-            <a:r>
-              <a:rPr lang="en-US" dirty="0"/>
-              <a:t>and  Neural  Network  Toolbox  Release  2015a,  The  </a:t>
-            </a:r>
-            <a:r>
-              <a:rPr lang="en-US" dirty="0" err="1"/>
-              <a:t>MathWorks</a:t>
-            </a:r>
-            <a:r>
-              <a:rPr lang="en-US" dirty="0"/>
-              <a:t>,  Inc.,  Natick,  Massachusetts,  United  States</a:t>
-            </a:r>
-            <a:r>
-              <a:rPr lang="en-US" dirty="0" smtClean="0"/>
-              <a:t>.</a:t>
-            </a:r>
-          </a:p>
-          <a:p>
-            <a:endParaRPr lang="en-US" dirty="0"/>
-          </a:p>
-          <a:p>
-            <a:endParaRPr lang="en-US" dirty="0" smtClean="0"/>
-          </a:p>
-          <a:p>
-            <a:r>
-              <a:rPr lang="en-US" dirty="0"/>
-              <a:t>*We  would  like  to  thank  Dr.  Patrick  </a:t>
-            </a:r>
-            <a:r>
-              <a:rPr lang="en-US" dirty="0" err="1"/>
-              <a:t>Juola</a:t>
-            </a:r>
-            <a:r>
-              <a:rPr lang="en-US" dirty="0"/>
-              <a:t>  for  helpful  discussions  while  working  on  this  project and for giving us data to use </a:t>
-            </a:r>
-            <a:r>
-              <a:rPr lang="en-US" dirty="0" smtClean="0"/>
-              <a:t>for training and </a:t>
-            </a:r>
-            <a:r>
-              <a:rPr lang="en-US" dirty="0"/>
-              <a:t>testing. </a:t>
-            </a:r>
             <a:endParaRPr lang="en-US" dirty="0"/>
           </a:p>
         </p:txBody>
@@ -7750,7 +8701,7 @@
     </p:spTree>
     <p:extLst>
       <p:ext uri="{BB962C8B-B14F-4D97-AF65-F5344CB8AC3E}">
-        <p14:creationId xmlns:p14="http://schemas.microsoft.com/office/powerpoint/2010/main" val="999699721"/>
+        <p14:creationId xmlns:p14="http://schemas.microsoft.com/office/powerpoint/2010/main" val="725231476"/>
       </p:ext>
     </p:extLst>
   </p:cSld>
@@ -8000,4 +8951,265 @@
     </a:ext>
   </a:extLst>
 </a:theme>
+</file>
+
+<file path=ppt/theme/theme2.xml><?xml version="1.0" encoding="utf-8"?>
+<a:theme xmlns:a="http://schemas.openxmlformats.org/drawingml/2006/main" name="Office Theme">
+  <a:themeElements>
+    <a:clrScheme name="Office">
+      <a:dk1>
+        <a:sysClr val="windowText" lastClr="000000"/>
+      </a:dk1>
+      <a:lt1>
+        <a:sysClr val="window" lastClr="FFFFFF"/>
+      </a:lt1>
+      <a:dk2>
+        <a:srgbClr val="44546A"/>
+      </a:dk2>
+      <a:lt2>
+        <a:srgbClr val="E7E6E6"/>
+      </a:lt2>
+      <a:accent1>
+        <a:srgbClr val="5B9BD5"/>
+      </a:accent1>
+      <a:accent2>
+        <a:srgbClr val="ED7D31"/>
+      </a:accent2>
+      <a:accent3>
+        <a:srgbClr val="A5A5A5"/>
+      </a:accent3>
+      <a:accent4>
+        <a:srgbClr val="FFC000"/>
+      </a:accent4>
+      <a:accent5>
+        <a:srgbClr val="4472C4"/>
+      </a:accent5>
+      <a:accent6>
+        <a:srgbClr val="70AD47"/>
+      </a:accent6>
+      <a:hlink>
+        <a:srgbClr val="0563C1"/>
+      </a:hlink>
+      <a:folHlink>
+        <a:srgbClr val="954F72"/>
+      </a:folHlink>
+    </a:clrScheme>
+    <a:fontScheme name="Office">
+      <a:majorFont>
+        <a:latin typeface="Calibri Light" panose="020F0302020204030204"/>
+        <a:ea typeface=""/>
+        <a:cs typeface=""/>
+        <a:font script="Jpan" typeface="ＭＳ Ｐゴシック"/>
+        <a:font script="Hang" typeface="맑은 고딕"/>
+        <a:font script="Hans" typeface="宋体"/>
+        <a:font script="Hant" typeface="新細明體"/>
+        <a:font script="Arab" typeface="Times New Roman"/>
+        <a:font script="Hebr" typeface="Times New Roman"/>
+        <a:font script="Thai" typeface="Angsana New"/>
+        <a:font script="Ethi" typeface="Nyala"/>
+        <a:font script="Beng" typeface="Vrinda"/>
+        <a:font script="Gujr" typeface="Shruti"/>
+        <a:font script="Khmr" typeface="MoolBoran"/>
+        <a:font script="Knda" typeface="Tunga"/>
+        <a:font script="Guru" typeface="Raavi"/>
+        <a:font script="Cans" typeface="Euphemia"/>
+        <a:font script="Cher" typeface="Plantagenet Cherokee"/>
+        <a:font script="Yiii" typeface="Microsoft Yi Baiti"/>
+        <a:font script="Tibt" typeface="Microsoft Himalaya"/>
+        <a:font script="Thaa" typeface="MV Boli"/>
+        <a:font script="Deva" typeface="Mangal"/>
+        <a:font script="Telu" typeface="Gautami"/>
+        <a:font script="Taml" typeface="Latha"/>
+        <a:font script="Syrc" typeface="Estrangelo Edessa"/>
+        <a:font script="Orya" typeface="Kalinga"/>
+        <a:font script="Mlym" typeface="Kartika"/>
+        <a:font script="Laoo" typeface="DokChampa"/>
+        <a:font script="Sinh" typeface="Iskoola Pota"/>
+        <a:font script="Mong" typeface="Mongolian Baiti"/>
+        <a:font script="Viet" typeface="Times New Roman"/>
+        <a:font script="Uigh" typeface="Microsoft Uighur"/>
+        <a:font script="Geor" typeface="Sylfaen"/>
+      </a:majorFont>
+      <a:minorFont>
+        <a:latin typeface="Calibri" panose="020F0502020204030204"/>
+        <a:ea typeface=""/>
+        <a:cs typeface=""/>
+        <a:font script="Jpan" typeface="ＭＳ Ｐゴシック"/>
+        <a:font script="Hang" typeface="맑은 고딕"/>
+        <a:font script="Hans" typeface="宋体"/>
+        <a:font script="Hant" typeface="新細明體"/>
+        <a:font script="Arab" typeface="Arial"/>
+        <a:font script="Hebr" typeface="Arial"/>
+        <a:font script="Thai" typeface="Cordia New"/>
+        <a:font script="Ethi" typeface="Nyala"/>
+        <a:font script="Beng" typeface="Vrinda"/>
+        <a:font script="Gujr" typeface="Shruti"/>
+        <a:font script="Khmr" typeface="DaunPenh"/>
+        <a:font script="Knda" typeface="Tunga"/>
+        <a:font script="Guru" typeface="Raavi"/>
+        <a:font script="Cans" typeface="Euphemia"/>
+        <a:font script="Cher" typeface="Plantagenet Cherokee"/>
+        <a:font script="Yiii" typeface="Microsoft Yi Baiti"/>
+        <a:font script="Tibt" typeface="Microsoft Himalaya"/>
+        <a:font script="Thaa" typeface="MV Boli"/>
+        <a:font script="Deva" typeface="Mangal"/>
+        <a:font script="Telu" typeface="Gautami"/>
+        <a:font script="Taml" typeface="Latha"/>
+        <a:font script="Syrc" typeface="Estrangelo Edessa"/>
+        <a:font script="Orya" typeface="Kalinga"/>
+        <a:font script="Mlym" typeface="Kartika"/>
+        <a:font script="Laoo" typeface="DokChampa"/>
+        <a:font script="Sinh" typeface="Iskoola Pota"/>
+        <a:font script="Mong" typeface="Mongolian Baiti"/>
+        <a:font script="Viet" typeface="Arial"/>
+        <a:font script="Uigh" typeface="Microsoft Uighur"/>
+        <a:font script="Geor" typeface="Sylfaen"/>
+      </a:minorFont>
+    </a:fontScheme>
+    <a:fmtScheme name="Office">
+      <a:fillStyleLst>
+        <a:solidFill>
+          <a:schemeClr val="phClr"/>
+        </a:solidFill>
+        <a:gradFill rotWithShape="1">
+          <a:gsLst>
+            <a:gs pos="0">
+              <a:schemeClr val="phClr">
+                <a:lumMod val="110000"/>
+                <a:satMod val="105000"/>
+                <a:tint val="67000"/>
+              </a:schemeClr>
+            </a:gs>
+            <a:gs pos="50000">
+              <a:schemeClr val="phClr">
+                <a:lumMod val="105000"/>
+                <a:satMod val="103000"/>
+                <a:tint val="73000"/>
+              </a:schemeClr>
+            </a:gs>
+            <a:gs pos="100000">
+              <a:schemeClr val="phClr">
+                <a:lumMod val="105000"/>
+                <a:satMod val="109000"/>
+                <a:tint val="81000"/>
+              </a:schemeClr>
+            </a:gs>
+          </a:gsLst>
+          <a:lin ang="5400000" scaled="0"/>
+        </a:gradFill>
+        <a:gradFill rotWithShape="1">
+          <a:gsLst>
+            <a:gs pos="0">
+              <a:schemeClr val="phClr">
+                <a:satMod val="103000"/>
+                <a:lumMod val="102000"/>
+                <a:tint val="94000"/>
+              </a:schemeClr>
+            </a:gs>
+            <a:gs pos="50000">
+              <a:schemeClr val="phClr">
+                <a:satMod val="110000"/>
+                <a:lumMod val="100000"/>
+                <a:shade val="100000"/>
+              </a:schemeClr>
+            </a:gs>
+            <a:gs pos="100000">
+              <a:schemeClr val="phClr">
+                <a:lumMod val="99000"/>
+                <a:satMod val="120000"/>
+                <a:shade val="78000"/>
+              </a:schemeClr>
+            </a:gs>
+          </a:gsLst>
+          <a:lin ang="5400000" scaled="0"/>
+        </a:gradFill>
+      </a:fillStyleLst>
+      <a:lnStyleLst>
+        <a:ln w="6350" cap="flat" cmpd="sng" algn="ctr">
+          <a:solidFill>
+            <a:schemeClr val="phClr"/>
+          </a:solidFill>
+          <a:prstDash val="solid"/>
+          <a:miter lim="800000"/>
+        </a:ln>
+        <a:ln w="12700" cap="flat" cmpd="sng" algn="ctr">
+          <a:solidFill>
+            <a:schemeClr val="phClr"/>
+          </a:solidFill>
+          <a:prstDash val="solid"/>
+          <a:miter lim="800000"/>
+        </a:ln>
+        <a:ln w="19050" cap="flat" cmpd="sng" algn="ctr">
+          <a:solidFill>
+            <a:schemeClr val="phClr"/>
+          </a:solidFill>
+          <a:prstDash val="solid"/>
+          <a:miter lim="800000"/>
+        </a:ln>
+      </a:lnStyleLst>
+      <a:effectStyleLst>
+        <a:effectStyle>
+          <a:effectLst/>
+        </a:effectStyle>
+        <a:effectStyle>
+          <a:effectLst/>
+        </a:effectStyle>
+        <a:effectStyle>
+          <a:effectLst>
+            <a:outerShdw blurRad="57150" dist="19050" dir="5400000" algn="ctr" rotWithShape="0">
+              <a:srgbClr val="000000">
+                <a:alpha val="63000"/>
+              </a:srgbClr>
+            </a:outerShdw>
+          </a:effectLst>
+        </a:effectStyle>
+      </a:effectStyleLst>
+      <a:bgFillStyleLst>
+        <a:solidFill>
+          <a:schemeClr val="phClr"/>
+        </a:solidFill>
+        <a:solidFill>
+          <a:schemeClr val="phClr">
+            <a:tint val="95000"/>
+            <a:satMod val="170000"/>
+          </a:schemeClr>
+        </a:solidFill>
+        <a:gradFill rotWithShape="1">
+          <a:gsLst>
+            <a:gs pos="0">
+              <a:schemeClr val="phClr">
+                <a:tint val="93000"/>
+                <a:satMod val="150000"/>
+                <a:shade val="98000"/>
+                <a:lumMod val="102000"/>
+              </a:schemeClr>
+            </a:gs>
+            <a:gs pos="50000">
+              <a:schemeClr val="phClr">
+                <a:tint val="98000"/>
+                <a:satMod val="130000"/>
+                <a:shade val="90000"/>
+                <a:lumMod val="103000"/>
+              </a:schemeClr>
+            </a:gs>
+            <a:gs pos="100000">
+              <a:schemeClr val="phClr">
+                <a:shade val="63000"/>
+                <a:satMod val="120000"/>
+              </a:schemeClr>
+            </a:gs>
+          </a:gsLst>
+          <a:lin ang="5400000" scaled="0"/>
+        </a:gradFill>
+      </a:bgFillStyleLst>
+    </a:fmtScheme>
+  </a:themeElements>
+  <a:objectDefaults/>
+  <a:extraClrSchemeLst/>
+  <a:extLst>
+    <a:ext uri="{05A4C25C-085E-4340-85A3-A5531E510DB2}">
+      <thm15:themeFamily xmlns:thm15="http://schemas.microsoft.com/office/thememl/2012/main" name="Office Theme" id="{62F939B6-93AF-4DB8-9C6B-D6C7DFDC589F}" vid="{4A3C46E8-61CC-4603-A589-7422A47A8E4A}"/>
+    </a:ext>
+  </a:extLst>
+</a:theme>
 </file>
--- a/ai_project_presentation.pptx
+++ b/ai_project_presentation.pptx
@@ -5,7 +5,7 @@
     <p:sldMasterId id="2147483840" r:id="rId1"/>
   </p:sldMasterIdLst>
   <p:notesMasterIdLst>
-    <p:notesMasterId r:id="rId12"/>
+    <p:notesMasterId r:id="rId13"/>
   </p:notesMasterIdLst>
   <p:sldIdLst>
     <p:sldId id="256" r:id="rId2"/>
@@ -14,10 +14,11 @@
     <p:sldId id="265" r:id="rId5"/>
     <p:sldId id="260" r:id="rId6"/>
     <p:sldId id="261" r:id="rId7"/>
-    <p:sldId id="262" r:id="rId8"/>
-    <p:sldId id="263" r:id="rId9"/>
-    <p:sldId id="259" r:id="rId10"/>
-    <p:sldId id="257" r:id="rId11"/>
+    <p:sldId id="267" r:id="rId8"/>
+    <p:sldId id="262" r:id="rId9"/>
+    <p:sldId id="263" r:id="rId10"/>
+    <p:sldId id="259" r:id="rId11"/>
+    <p:sldId id="257" r:id="rId12"/>
   </p:sldIdLst>
   <p:sldSz cx="12192000" cy="6858000"/>
   <p:notesSz cx="6858000" cy="9144000"/>
@@ -135,6 +136,7 @@
             <p14:sldId id="265"/>
             <p14:sldId id="260"/>
             <p14:sldId id="261"/>
+            <p14:sldId id="267"/>
             <p14:sldId id="262"/>
           </p14:sldIdLst>
         </p14:section>
@@ -6666,6 +6668,78 @@
             <a:spLocks noGrp="1"/>
           </p:cNvSpPr>
           <p:nvPr>
+            <p:ph type="ctrTitle"/>
+          </p:nvPr>
+        </p:nvSpPr>
+        <p:spPr/>
+        <p:txBody>
+          <a:bodyPr/>
+          <a:lstStyle/>
+          <a:p>
+            <a:r>
+              <a:rPr lang="en-US" dirty="0" smtClean="0"/>
+              <a:t>Any Questions?</a:t>
+            </a:r>
+            <a:endParaRPr lang="en-US" dirty="0"/>
+          </a:p>
+        </p:txBody>
+      </p:sp>
+      <p:sp>
+        <p:nvSpPr>
+          <p:cNvPr id="3" name="Subtitle 2"/>
+          <p:cNvSpPr>
+            <a:spLocks noGrp="1"/>
+          </p:cNvSpPr>
+          <p:nvPr>
+            <p:ph type="subTitle" idx="1"/>
+          </p:nvPr>
+        </p:nvSpPr>
+        <p:spPr/>
+        <p:txBody>
+          <a:bodyPr/>
+          <a:lstStyle/>
+          <a:p>
+            <a:endParaRPr lang="en-US" dirty="0"/>
+          </a:p>
+        </p:txBody>
+      </p:sp>
+    </p:spTree>
+    <p:extLst>
+      <p:ext uri="{BB962C8B-B14F-4D97-AF65-F5344CB8AC3E}">
+        <p14:creationId xmlns:p14="http://schemas.microsoft.com/office/powerpoint/2010/main" val="725231476"/>
+      </p:ext>
+    </p:extLst>
+  </p:cSld>
+  <p:clrMapOvr>
+    <a:masterClrMapping/>
+  </p:clrMapOvr>
+</p:sld>
+</file>
+
+<file path=ppt/slides/slide11.xml><?xml version="1.0" encoding="utf-8"?>
+<p:sld xmlns:a="http://schemas.openxmlformats.org/drawingml/2006/main" xmlns:r="http://schemas.openxmlformats.org/officeDocument/2006/relationships" xmlns:p="http://schemas.openxmlformats.org/presentationml/2006/main">
+  <p:cSld>
+    <p:spTree>
+      <p:nvGrpSpPr>
+        <p:cNvPr id="1" name=""/>
+        <p:cNvGrpSpPr/>
+        <p:nvPr/>
+      </p:nvGrpSpPr>
+      <p:grpSpPr>
+        <a:xfrm>
+          <a:off x="0" y="0"/>
+          <a:ext cx="0" cy="0"/>
+          <a:chOff x="0" y="0"/>
+          <a:chExt cx="0" cy="0"/>
+        </a:xfrm>
+      </p:grpSpPr>
+      <p:sp>
+        <p:nvSpPr>
+          <p:cNvPr id="2" name="Title 1"/>
+          <p:cNvSpPr>
+            <a:spLocks noGrp="1"/>
+          </p:cNvSpPr>
+          <p:nvPr>
             <p:ph type="title"/>
           </p:nvPr>
         </p:nvSpPr>
@@ -8459,25 +8533,36 @@
           </a:p>
         </p:txBody>
       </p:sp>
-      <p:sp>
-        <p:nvSpPr>
-          <p:cNvPr id="3" name="Content Placeholder 2"/>
-          <p:cNvSpPr>
-            <a:spLocks noGrp="1"/>
-          </p:cNvSpPr>
-          <p:nvPr>
-            <p:ph idx="1"/>
-          </p:nvPr>
-        </p:nvSpPr>
-        <p:spPr/>
-        <p:txBody>
-          <a:bodyPr/>
-          <a:lstStyle/>
-          <a:p>
-            <a:endParaRPr lang="en-US" dirty="0"/>
-          </a:p>
-        </p:txBody>
-      </p:sp>
+      <p:pic>
+        <p:nvPicPr>
+          <p:cNvPr id="5" name="Picture 4"/>
+          <p:cNvPicPr>
+            <a:picLocks noChangeAspect="1"/>
+          </p:cNvPicPr>
+          <p:nvPr/>
+        </p:nvPicPr>
+        <p:blipFill>
+          <a:blip r:embed="rId2">
+            <a:extLst>
+              <a:ext uri="{28A0092B-C50C-407E-A947-70E740481C1C}">
+                <a14:useLocalDpi xmlns:a14="http://schemas.microsoft.com/office/drawing/2010/main" val="0"/>
+              </a:ext>
+            </a:extLst>
+          </a:blip>
+          <a:stretch>
+            <a:fillRect/>
+          </a:stretch>
+        </p:blipFill>
+        <p:spPr>
+          <a:xfrm>
+            <a:off x="913795" y="2245050"/>
+            <a:ext cx="10452100" cy="2882900"/>
+          </a:xfrm>
+          <a:prstGeom prst="rect">
+            <a:avLst/>
+          </a:prstGeom>
+        </p:spPr>
+      </p:pic>
     </p:spTree>
     <p:extLst>
       <p:ext uri="{BB962C8B-B14F-4D97-AF65-F5344CB8AC3E}">
@@ -8525,35 +8610,45 @@
           <a:p>
             <a:r>
               <a:rPr lang="en-US" dirty="0" smtClean="0"/>
-              <a:t>Neural Networks</a:t>
-            </a:r>
-            <a:endParaRPr lang="en-US" dirty="0"/>
-          </a:p>
-        </p:txBody>
-      </p:sp>
-      <p:sp>
-        <p:nvSpPr>
-          <p:cNvPr id="3" name="Content Placeholder 2"/>
-          <p:cNvSpPr>
-            <a:spLocks noGrp="1"/>
-          </p:cNvSpPr>
+              <a:t>Feature Extraction</a:t>
+            </a:r>
+            <a:endParaRPr lang="en-US" dirty="0"/>
+          </a:p>
+        </p:txBody>
+      </p:sp>
+      <p:pic>
+        <p:nvPicPr>
+          <p:cNvPr id="4" name="Content Placeholder 3"/>
+          <p:cNvPicPr>
+            <a:picLocks noGrp="1" noChangeAspect="1"/>
+          </p:cNvPicPr>
           <p:nvPr>
             <p:ph idx="1"/>
           </p:nvPr>
-        </p:nvSpPr>
-        <p:spPr/>
-        <p:txBody>
-          <a:bodyPr/>
-          <a:lstStyle/>
-          <a:p>
-            <a:endParaRPr lang="en-US" dirty="0"/>
-          </a:p>
-        </p:txBody>
-      </p:sp>
+        </p:nvPicPr>
+        <p:blipFill>
+          <a:blip r:embed="rId2">
+            <a:extLst>
+              <a:ext uri="{28A0092B-C50C-407E-A947-70E740481C1C}">
+                <a14:useLocalDpi xmlns:a14="http://schemas.microsoft.com/office/drawing/2010/main" val="0"/>
+              </a:ext>
+            </a:extLst>
+          </a:blip>
+          <a:stretch>
+            <a:fillRect/>
+          </a:stretch>
+        </p:blipFill>
+        <p:spPr>
+          <a:xfrm>
+            <a:off x="1154382" y="2118050"/>
+            <a:ext cx="9872587" cy="3406450"/>
+          </a:xfrm>
+        </p:spPr>
+      </p:pic>
     </p:spTree>
     <p:extLst>
       <p:ext uri="{BB962C8B-B14F-4D97-AF65-F5344CB8AC3E}">
-        <p14:creationId xmlns:p14="http://schemas.microsoft.com/office/powerpoint/2010/main" val="297738534"/>
+        <p14:creationId xmlns:p14="http://schemas.microsoft.com/office/powerpoint/2010/main" val="1679131705"/>
       </p:ext>
     </p:extLst>
   </p:cSld>
@@ -8597,7 +8692,7 @@
           <a:p>
             <a:r>
               <a:rPr lang="en-US" dirty="0" smtClean="0"/>
-              <a:t>Results</a:t>
+              <a:t>Neural Networks</a:t>
             </a:r>
             <a:endParaRPr lang="en-US" dirty="0"/>
           </a:p>
@@ -8618,10 +8713,6 @@
           <a:bodyPr/>
           <a:lstStyle/>
           <a:p>
-            <a:r>
-              <a:rPr lang="en-US" dirty="0" smtClean="0"/>
-              <a:t>Include table from paper maybe?</a:t>
-            </a:r>
             <a:endParaRPr lang="en-US" dirty="0"/>
           </a:p>
         </p:txBody>
@@ -8629,7 +8720,7 @@
     </p:spTree>
     <p:extLst>
       <p:ext uri="{BB962C8B-B14F-4D97-AF65-F5344CB8AC3E}">
-        <p14:creationId xmlns:p14="http://schemas.microsoft.com/office/powerpoint/2010/main" val="1240131665"/>
+        <p14:creationId xmlns:p14="http://schemas.microsoft.com/office/powerpoint/2010/main" val="297738534"/>
       </p:ext>
     </p:extLst>
   </p:cSld>
@@ -8663,7 +8754,7 @@
             <a:spLocks noGrp="1"/>
           </p:cNvSpPr>
           <p:nvPr>
-            <p:ph type="ctrTitle"/>
+            <p:ph type="title"/>
           </p:nvPr>
         </p:nvSpPr>
         <p:spPr/>
@@ -8673,20 +8764,20 @@
           <a:p>
             <a:r>
               <a:rPr lang="en-US" dirty="0" smtClean="0"/>
-              <a:t>Any Questions?</a:t>
-            </a:r>
-            <a:endParaRPr lang="en-US" dirty="0"/>
-          </a:p>
-        </p:txBody>
-      </p:sp>
-      <p:sp>
-        <p:nvSpPr>
-          <p:cNvPr id="3" name="Subtitle 2"/>
-          <p:cNvSpPr>
-            <a:spLocks noGrp="1"/>
-          </p:cNvSpPr>
-          <p:nvPr>
-            <p:ph type="subTitle" idx="1"/>
+              <a:t>Results</a:t>
+            </a:r>
+            <a:endParaRPr lang="en-US" dirty="0"/>
+          </a:p>
+        </p:txBody>
+      </p:sp>
+      <p:sp>
+        <p:nvSpPr>
+          <p:cNvPr id="3" name="Content Placeholder 2"/>
+          <p:cNvSpPr>
+            <a:spLocks noGrp="1"/>
+          </p:cNvSpPr>
+          <p:nvPr>
+            <p:ph idx="1"/>
           </p:nvPr>
         </p:nvSpPr>
         <p:spPr/>
@@ -8694,6 +8785,10 @@
           <a:bodyPr/>
           <a:lstStyle/>
           <a:p>
+            <a:r>
+              <a:rPr lang="en-US" dirty="0" smtClean="0"/>
+              <a:t>Include table from paper maybe?</a:t>
+            </a:r>
             <a:endParaRPr lang="en-US" dirty="0"/>
           </a:p>
         </p:txBody>
@@ -8701,7 +8796,7 @@
     </p:spTree>
     <p:extLst>
       <p:ext uri="{BB962C8B-B14F-4D97-AF65-F5344CB8AC3E}">
-        <p14:creationId xmlns:p14="http://schemas.microsoft.com/office/powerpoint/2010/main" val="725231476"/>
+        <p14:creationId xmlns:p14="http://schemas.microsoft.com/office/powerpoint/2010/main" val="1240131665"/>
       </p:ext>
     </p:extLst>
   </p:cSld>

--- a/ai_project_presentation.pptx
+++ b/ai_project_presentation.pptx
@@ -5,20 +5,27 @@
     <p:sldMasterId id="2147483840" r:id="rId1"/>
   </p:sldMasterIdLst>
   <p:notesMasterIdLst>
-    <p:notesMasterId r:id="rId13"/>
+    <p:notesMasterId r:id="rId20"/>
   </p:notesMasterIdLst>
   <p:sldIdLst>
     <p:sldId id="256" r:id="rId2"/>
     <p:sldId id="264" r:id="rId3"/>
     <p:sldId id="266" r:id="rId4"/>
     <p:sldId id="265" r:id="rId5"/>
-    <p:sldId id="260" r:id="rId6"/>
-    <p:sldId id="261" r:id="rId7"/>
-    <p:sldId id="267" r:id="rId8"/>
-    <p:sldId id="262" r:id="rId9"/>
-    <p:sldId id="263" r:id="rId10"/>
-    <p:sldId id="259" r:id="rId11"/>
-    <p:sldId id="257" r:id="rId12"/>
+    <p:sldId id="269" r:id="rId6"/>
+    <p:sldId id="271" r:id="rId7"/>
+    <p:sldId id="274" r:id="rId8"/>
+    <p:sldId id="260" r:id="rId9"/>
+    <p:sldId id="268" r:id="rId10"/>
+    <p:sldId id="261" r:id="rId11"/>
+    <p:sldId id="267" r:id="rId12"/>
+    <p:sldId id="272" r:id="rId13"/>
+    <p:sldId id="273" r:id="rId14"/>
+    <p:sldId id="262" r:id="rId15"/>
+    <p:sldId id="263" r:id="rId16"/>
+    <p:sldId id="275" r:id="rId17"/>
+    <p:sldId id="259" r:id="rId18"/>
+    <p:sldId id="257" r:id="rId19"/>
   </p:sldIdLst>
   <p:sldSz cx="12192000" cy="6858000"/>
   <p:notesSz cx="6858000" cy="9144000"/>
@@ -134,9 +141,15 @@
         <p14:section name="3. Methods" id="{867A6CF8-E075-F941-BB86-CB87060E616B}">
           <p14:sldIdLst>
             <p14:sldId id="265"/>
+            <p14:sldId id="269"/>
+            <p14:sldId id="271"/>
+            <p14:sldId id="274"/>
             <p14:sldId id="260"/>
+            <p14:sldId id="268"/>
             <p14:sldId id="261"/>
             <p14:sldId id="267"/>
+            <p14:sldId id="272"/>
+            <p14:sldId id="273"/>
             <p14:sldId id="262"/>
           </p14:sldIdLst>
         </p14:section>
@@ -147,6 +160,7 @@
         </p14:section>
         <p14:section name="5. Conclusion" id="{C6DF7525-A040-AF4B-9866-EDC52ED77073}">
           <p14:sldIdLst>
+            <p14:sldId id="275"/>
             <p14:sldId id="259"/>
             <p14:sldId id="257"/>
           </p14:sldIdLst>
@@ -6668,7 +6682,7 @@
             <a:spLocks noGrp="1"/>
           </p:cNvSpPr>
           <p:nvPr>
-            <p:ph type="ctrTitle"/>
+            <p:ph type="title"/>
           </p:nvPr>
         </p:nvSpPr>
         <p:spPr/>
@@ -6678,35 +6692,46 @@
           <a:p>
             <a:r>
               <a:rPr lang="en-US" dirty="0" smtClean="0"/>
-              <a:t>Any Questions?</a:t>
-            </a:r>
-            <a:endParaRPr lang="en-US" dirty="0"/>
-          </a:p>
-        </p:txBody>
-      </p:sp>
-      <p:sp>
-        <p:nvSpPr>
-          <p:cNvPr id="3" name="Subtitle 2"/>
-          <p:cNvSpPr>
-            <a:spLocks noGrp="1"/>
-          </p:cNvSpPr>
-          <p:nvPr>
-            <p:ph type="subTitle" idx="1"/>
-          </p:nvPr>
-        </p:nvSpPr>
-        <p:spPr/>
-        <p:txBody>
-          <a:bodyPr/>
-          <a:lstStyle/>
-          <a:p>
-            <a:endParaRPr lang="en-US" dirty="0"/>
-          </a:p>
-        </p:txBody>
-      </p:sp>
+              <a:t>Feature Extraction</a:t>
+            </a:r>
+            <a:endParaRPr lang="en-US" dirty="0"/>
+          </a:p>
+        </p:txBody>
+      </p:sp>
+      <p:pic>
+        <p:nvPicPr>
+          <p:cNvPr id="5" name="Picture 4"/>
+          <p:cNvPicPr>
+            <a:picLocks noChangeAspect="1"/>
+          </p:cNvPicPr>
+          <p:nvPr/>
+        </p:nvPicPr>
+        <p:blipFill>
+          <a:blip r:embed="rId2">
+            <a:extLst>
+              <a:ext uri="{28A0092B-C50C-407E-A947-70E740481C1C}">
+                <a14:useLocalDpi xmlns:a14="http://schemas.microsoft.com/office/drawing/2010/main" val="0"/>
+              </a:ext>
+            </a:extLst>
+          </a:blip>
+          <a:stretch>
+            <a:fillRect/>
+          </a:stretch>
+        </p:blipFill>
+        <p:spPr>
+          <a:xfrm>
+            <a:off x="913795" y="2245050"/>
+            <a:ext cx="10452100" cy="2882900"/>
+          </a:xfrm>
+          <a:prstGeom prst="rect">
+            <a:avLst/>
+          </a:prstGeom>
+        </p:spPr>
+      </p:pic>
     </p:spTree>
     <p:extLst>
       <p:ext uri="{BB962C8B-B14F-4D97-AF65-F5344CB8AC3E}">
-        <p14:creationId xmlns:p14="http://schemas.microsoft.com/office/powerpoint/2010/main" val="725231476"/>
+        <p14:creationId xmlns:p14="http://schemas.microsoft.com/office/powerpoint/2010/main" val="994480724"/>
       </p:ext>
     </p:extLst>
   </p:cSld>
@@ -6750,6 +6775,813 @@
           <a:p>
             <a:r>
               <a:rPr lang="en-US" dirty="0" smtClean="0"/>
+              <a:t>Feature Extraction</a:t>
+            </a:r>
+            <a:endParaRPr lang="en-US" dirty="0"/>
+          </a:p>
+        </p:txBody>
+      </p:sp>
+      <p:pic>
+        <p:nvPicPr>
+          <p:cNvPr id="4" name="Content Placeholder 3"/>
+          <p:cNvPicPr>
+            <a:picLocks noGrp="1" noChangeAspect="1"/>
+          </p:cNvPicPr>
+          <p:nvPr>
+            <p:ph idx="1"/>
+          </p:nvPr>
+        </p:nvPicPr>
+        <p:blipFill>
+          <a:blip r:embed="rId2">
+            <a:extLst>
+              <a:ext uri="{28A0092B-C50C-407E-A947-70E740481C1C}">
+                <a14:useLocalDpi xmlns:a14="http://schemas.microsoft.com/office/drawing/2010/main" val="0"/>
+              </a:ext>
+            </a:extLst>
+          </a:blip>
+          <a:stretch>
+            <a:fillRect/>
+          </a:stretch>
+        </p:blipFill>
+        <p:spPr>
+          <a:xfrm>
+            <a:off x="1154382" y="2118050"/>
+            <a:ext cx="9872587" cy="3406450"/>
+          </a:xfrm>
+        </p:spPr>
+      </p:pic>
+    </p:spTree>
+    <p:extLst>
+      <p:ext uri="{BB962C8B-B14F-4D97-AF65-F5344CB8AC3E}">
+        <p14:creationId xmlns:p14="http://schemas.microsoft.com/office/powerpoint/2010/main" val="1679131705"/>
+      </p:ext>
+    </p:extLst>
+  </p:cSld>
+  <p:clrMapOvr>
+    <a:masterClrMapping/>
+  </p:clrMapOvr>
+</p:sld>
+</file>
+
+<file path=ppt/slides/slide12.xml><?xml version="1.0" encoding="utf-8"?>
+<p:sld xmlns:a="http://schemas.openxmlformats.org/drawingml/2006/main" xmlns:r="http://schemas.openxmlformats.org/officeDocument/2006/relationships" xmlns:p="http://schemas.openxmlformats.org/presentationml/2006/main">
+  <p:cSld>
+    <p:spTree>
+      <p:nvGrpSpPr>
+        <p:cNvPr id="1" name=""/>
+        <p:cNvGrpSpPr/>
+        <p:nvPr/>
+      </p:nvGrpSpPr>
+      <p:grpSpPr>
+        <a:xfrm>
+          <a:off x="0" y="0"/>
+          <a:ext cx="0" cy="0"/>
+          <a:chOff x="0" y="0"/>
+          <a:chExt cx="0" cy="0"/>
+        </a:xfrm>
+      </p:grpSpPr>
+      <p:sp>
+        <p:nvSpPr>
+          <p:cNvPr id="2" name="Title 1"/>
+          <p:cNvSpPr>
+            <a:spLocks noGrp="1"/>
+          </p:cNvSpPr>
+          <p:nvPr>
+            <p:ph type="title"/>
+          </p:nvPr>
+        </p:nvSpPr>
+        <p:spPr/>
+        <p:txBody>
+          <a:bodyPr/>
+          <a:lstStyle/>
+          <a:p>
+            <a:r>
+              <a:rPr lang="en-US" dirty="0" smtClean="0"/>
+              <a:t>Neural Network</a:t>
+            </a:r>
+            <a:endParaRPr lang="en-US" dirty="0"/>
+          </a:p>
+        </p:txBody>
+      </p:sp>
+      <p:sp>
+        <p:nvSpPr>
+          <p:cNvPr id="3" name="Content Placeholder 2"/>
+          <p:cNvSpPr>
+            <a:spLocks noGrp="1"/>
+          </p:cNvSpPr>
+          <p:nvPr>
+            <p:ph idx="1"/>
+          </p:nvPr>
+        </p:nvSpPr>
+        <p:spPr/>
+        <p:txBody>
+          <a:bodyPr/>
+          <a:lstStyle/>
+          <a:p>
+            <a:pPr>
+              <a:buFont typeface="Arial" charset="0"/>
+              <a:buChar char="•"/>
+            </a:pPr>
+            <a:r>
+              <a:rPr lang="en-US" dirty="0" smtClean="0"/>
+              <a:t>Tested neural networks from the Neural Network Toolbox in MATLAB with various network configurations</a:t>
+            </a:r>
+          </a:p>
+          <a:p>
+            <a:endParaRPr lang="en-US" dirty="0" smtClean="0"/>
+          </a:p>
+        </p:txBody>
+      </p:sp>
+      <p:pic>
+        <p:nvPicPr>
+          <p:cNvPr id="5" name="Picture 4"/>
+          <p:cNvPicPr>
+            <a:picLocks noChangeAspect="1"/>
+          </p:cNvPicPr>
+          <p:nvPr/>
+        </p:nvPicPr>
+        <p:blipFill>
+          <a:blip r:embed="rId2">
+            <a:extLst>
+              <a:ext uri="{28A0092B-C50C-407E-A947-70E740481C1C}">
+                <a14:useLocalDpi xmlns:a14="http://schemas.microsoft.com/office/drawing/2010/main" val="0"/>
+              </a:ext>
+            </a:extLst>
+          </a:blip>
+          <a:stretch>
+            <a:fillRect/>
+          </a:stretch>
+        </p:blipFill>
+        <p:spPr>
+          <a:xfrm>
+            <a:off x="7389512" y="4248149"/>
+            <a:ext cx="4521200" cy="292100"/>
+          </a:xfrm>
+          <a:prstGeom prst="rect">
+            <a:avLst/>
+          </a:prstGeom>
+        </p:spPr>
+      </p:pic>
+      <p:pic>
+        <p:nvPicPr>
+          <p:cNvPr id="6" name="Picture 5"/>
+          <p:cNvPicPr>
+            <a:picLocks noChangeAspect="1"/>
+          </p:cNvPicPr>
+          <p:nvPr/>
+        </p:nvPicPr>
+        <p:blipFill>
+          <a:blip r:embed="rId3">
+            <a:extLst>
+              <a:ext uri="{28A0092B-C50C-407E-A947-70E740481C1C}">
+                <a14:useLocalDpi xmlns:a14="http://schemas.microsoft.com/office/drawing/2010/main" val="0"/>
+              </a:ext>
+            </a:extLst>
+          </a:blip>
+          <a:stretch>
+            <a:fillRect/>
+          </a:stretch>
+        </p:blipFill>
+        <p:spPr>
+          <a:xfrm>
+            <a:off x="270640" y="2932386"/>
+            <a:ext cx="7040640" cy="2858814"/>
+          </a:xfrm>
+          <a:prstGeom prst="rect">
+            <a:avLst/>
+          </a:prstGeom>
+        </p:spPr>
+      </p:pic>
+    </p:spTree>
+    <p:extLst>
+      <p:ext uri="{BB962C8B-B14F-4D97-AF65-F5344CB8AC3E}">
+        <p14:creationId xmlns:p14="http://schemas.microsoft.com/office/powerpoint/2010/main" val="506483772"/>
+      </p:ext>
+    </p:extLst>
+  </p:cSld>
+  <p:clrMapOvr>
+    <a:masterClrMapping/>
+  </p:clrMapOvr>
+</p:sld>
+</file>
+
+<file path=ppt/slides/slide13.xml><?xml version="1.0" encoding="utf-8"?>
+<p:sld xmlns:a="http://schemas.openxmlformats.org/drawingml/2006/main" xmlns:r="http://schemas.openxmlformats.org/officeDocument/2006/relationships" xmlns:p="http://schemas.openxmlformats.org/presentationml/2006/main">
+  <p:cSld>
+    <p:spTree>
+      <p:nvGrpSpPr>
+        <p:cNvPr id="1" name=""/>
+        <p:cNvGrpSpPr/>
+        <p:nvPr/>
+      </p:nvGrpSpPr>
+      <p:grpSpPr>
+        <a:xfrm>
+          <a:off x="0" y="0"/>
+          <a:ext cx="0" cy="0"/>
+          <a:chOff x="0" y="0"/>
+          <a:chExt cx="0" cy="0"/>
+        </a:xfrm>
+      </p:grpSpPr>
+      <p:sp>
+        <p:nvSpPr>
+          <p:cNvPr id="2" name="Title 1"/>
+          <p:cNvSpPr>
+            <a:spLocks noGrp="1"/>
+          </p:cNvSpPr>
+          <p:nvPr>
+            <p:ph type="title"/>
+          </p:nvPr>
+        </p:nvSpPr>
+        <p:spPr>
+          <a:xfrm>
+            <a:off x="913795" y="609600"/>
+            <a:ext cx="4215253" cy="970450"/>
+          </a:xfrm>
+        </p:spPr>
+        <p:txBody>
+          <a:bodyPr/>
+          <a:lstStyle/>
+          <a:p>
+            <a:pPr algn="l"/>
+            <a:r>
+              <a:rPr lang="en-US"/>
+              <a:t>Neural Network</a:t>
+            </a:r>
+            <a:endParaRPr lang="en-US" dirty="0"/>
+          </a:p>
+        </p:txBody>
+      </p:sp>
+      <p:sp>
+        <p:nvSpPr>
+          <p:cNvPr id="3" name="Content Placeholder 2"/>
+          <p:cNvSpPr>
+            <a:spLocks noGrp="1"/>
+          </p:cNvSpPr>
+          <p:nvPr>
+            <p:ph idx="1"/>
+          </p:nvPr>
+        </p:nvSpPr>
+        <p:spPr>
+          <a:xfrm>
+            <a:off x="892773" y="1732449"/>
+            <a:ext cx="4887917" cy="4058751"/>
+          </a:xfrm>
+        </p:spPr>
+        <p:txBody>
+          <a:bodyPr/>
+          <a:lstStyle/>
+          <a:p>
+            <a:pPr>
+              <a:buFont typeface="Arial" charset="0"/>
+              <a:buChar char="•"/>
+            </a:pPr>
+            <a:r>
+              <a:rPr lang="en-US" dirty="0" smtClean="0"/>
+              <a:t>Generated plots with </a:t>
+            </a:r>
+            <a:r>
+              <a:rPr lang="en-US" dirty="0" err="1" smtClean="0">
+                <a:latin typeface="Courier New" charset="0"/>
+                <a:ea typeface="Courier New" charset="0"/>
+                <a:cs typeface="Courier New" charset="0"/>
+              </a:rPr>
+              <a:t>network_parameter_plots</a:t>
+            </a:r>
+            <a:r>
+              <a:rPr lang="en-US" dirty="0" smtClean="0">
+                <a:latin typeface="Courier New" charset="0"/>
+                <a:ea typeface="Courier New" charset="0"/>
+                <a:cs typeface="Courier New" charset="0"/>
+              </a:rPr>
+              <a:t>() </a:t>
+            </a:r>
+            <a:r>
+              <a:rPr lang="en-US" dirty="0" smtClean="0"/>
+              <a:t>function </a:t>
+            </a:r>
+          </a:p>
+          <a:p>
+            <a:pPr>
+              <a:buFont typeface="Arial" charset="0"/>
+              <a:buChar char="•"/>
+            </a:pPr>
+            <a:r>
+              <a:rPr lang="en-US" dirty="0" smtClean="0"/>
+              <a:t>Used for </a:t>
+            </a:r>
+            <a:r>
+              <a:rPr lang="en-US" dirty="0" smtClean="0"/>
+              <a:t>selecting optimal neural network configurations for testing</a:t>
+            </a:r>
+          </a:p>
+          <a:p>
+            <a:pPr>
+              <a:buFont typeface="Arial" charset="0"/>
+              <a:buChar char="•"/>
+            </a:pPr>
+            <a:endParaRPr lang="en-US" dirty="0"/>
+          </a:p>
+          <a:p>
+            <a:pPr marL="36900" indent="0">
+              <a:buNone/>
+            </a:pPr>
+            <a:r>
+              <a:rPr lang="en-US" dirty="0" smtClean="0"/>
+              <a:t>Hidden layer sizes:</a:t>
+            </a:r>
+          </a:p>
+          <a:p>
+            <a:pPr marL="36900" indent="0">
+              <a:buNone/>
+            </a:pPr>
+            <a:r>
+              <a:rPr lang="en-US" sz="1900" dirty="0"/>
+              <a:t>[</a:t>
+            </a:r>
+            <a:r>
+              <a:rPr lang="en-US" sz="1900" dirty="0" smtClean="0"/>
+              <a:t>10, 12, 15, 20, 25, 35, 60</a:t>
+            </a:r>
+            <a:r>
+              <a:rPr lang="en-US" sz="1900" dirty="0"/>
+              <a:t>, 75, </a:t>
+            </a:r>
+            <a:r>
+              <a:rPr lang="en-US" sz="1900" dirty="0" smtClean="0"/>
+              <a:t>100, 250</a:t>
+            </a:r>
+            <a:r>
+              <a:rPr lang="en-US" sz="1900" dirty="0"/>
+              <a:t>]</a:t>
+            </a:r>
+          </a:p>
+          <a:p>
+            <a:pPr>
+              <a:buFont typeface="Arial" charset="0"/>
+              <a:buChar char="•"/>
+            </a:pPr>
+            <a:endParaRPr lang="en-US" dirty="0" smtClean="0"/>
+          </a:p>
+          <a:p>
+            <a:endParaRPr lang="en-US" dirty="0"/>
+          </a:p>
+        </p:txBody>
+      </p:sp>
+      <p:pic>
+        <p:nvPicPr>
+          <p:cNvPr id="4" name="Picture 3"/>
+          <p:cNvPicPr>
+            <a:picLocks noChangeAspect="1"/>
+          </p:cNvPicPr>
+          <p:nvPr/>
+        </p:nvPicPr>
+        <p:blipFill rotWithShape="1">
+          <a:blip r:embed="rId2">
+            <a:extLst>
+              <a:ext uri="{28A0092B-C50C-407E-A947-70E740481C1C}">
+                <a14:useLocalDpi xmlns:a14="http://schemas.microsoft.com/office/drawing/2010/main" val="0"/>
+              </a:ext>
+            </a:extLst>
+          </a:blip>
+          <a:srcRect l="4706" t="1673" r="6554" b="2946"/>
+          <a:stretch/>
+        </p:blipFill>
+        <p:spPr>
+          <a:xfrm>
+            <a:off x="5780690" y="525517"/>
+            <a:ext cx="5549462" cy="5843752"/>
+          </a:xfrm>
+          <a:prstGeom prst="rect">
+            <a:avLst/>
+          </a:prstGeom>
+        </p:spPr>
+      </p:pic>
+    </p:spTree>
+    <p:extLst>
+      <p:ext uri="{BB962C8B-B14F-4D97-AF65-F5344CB8AC3E}">
+        <p14:creationId xmlns:p14="http://schemas.microsoft.com/office/powerpoint/2010/main" val="644026307"/>
+      </p:ext>
+    </p:extLst>
+  </p:cSld>
+  <p:clrMapOvr>
+    <a:masterClrMapping/>
+  </p:clrMapOvr>
+</p:sld>
+</file>
+
+<file path=ppt/slides/slide14.xml><?xml version="1.0" encoding="utf-8"?>
+<p:sld xmlns:a="http://schemas.openxmlformats.org/drawingml/2006/main" xmlns:r="http://schemas.openxmlformats.org/officeDocument/2006/relationships" xmlns:p="http://schemas.openxmlformats.org/presentationml/2006/main">
+  <p:cSld>
+    <p:spTree>
+      <p:nvGrpSpPr>
+        <p:cNvPr id="1" name=""/>
+        <p:cNvGrpSpPr/>
+        <p:nvPr/>
+      </p:nvGrpSpPr>
+      <p:grpSpPr>
+        <a:xfrm>
+          <a:off x="0" y="0"/>
+          <a:ext cx="0" cy="0"/>
+          <a:chOff x="0" y="0"/>
+          <a:chExt cx="0" cy="0"/>
+        </a:xfrm>
+      </p:grpSpPr>
+      <p:sp>
+        <p:nvSpPr>
+          <p:cNvPr id="2" name="Title 1"/>
+          <p:cNvSpPr>
+            <a:spLocks noGrp="1"/>
+          </p:cNvSpPr>
+          <p:nvPr>
+            <p:ph type="title"/>
+          </p:nvPr>
+        </p:nvSpPr>
+        <p:spPr/>
+        <p:txBody>
+          <a:bodyPr/>
+          <a:lstStyle/>
+          <a:p>
+            <a:r>
+              <a:rPr lang="en-US" dirty="0" smtClean="0"/>
+              <a:t>Training Functions</a:t>
+            </a:r>
+            <a:endParaRPr lang="en-US" dirty="0"/>
+          </a:p>
+        </p:txBody>
+      </p:sp>
+      <p:pic>
+        <p:nvPicPr>
+          <p:cNvPr id="4" name="Content Placeholder 3"/>
+          <p:cNvPicPr>
+            <a:picLocks noGrp="1" noChangeAspect="1"/>
+          </p:cNvPicPr>
+          <p:nvPr>
+            <p:ph idx="1"/>
+          </p:nvPr>
+        </p:nvPicPr>
+        <p:blipFill>
+          <a:blip r:embed="rId2">
+            <a:extLst>
+              <a:ext uri="{28A0092B-C50C-407E-A947-70E740481C1C}">
+                <a14:useLocalDpi xmlns:a14="http://schemas.microsoft.com/office/drawing/2010/main" val="0"/>
+              </a:ext>
+            </a:extLst>
+          </a:blip>
+          <a:stretch>
+            <a:fillRect/>
+          </a:stretch>
+        </p:blipFill>
+        <p:spPr>
+          <a:xfrm>
+            <a:off x="792567" y="2448006"/>
+            <a:ext cx="10596217" cy="2855177"/>
+          </a:xfrm>
+        </p:spPr>
+      </p:pic>
+    </p:spTree>
+    <p:extLst>
+      <p:ext uri="{BB962C8B-B14F-4D97-AF65-F5344CB8AC3E}">
+        <p14:creationId xmlns:p14="http://schemas.microsoft.com/office/powerpoint/2010/main" val="297738534"/>
+      </p:ext>
+    </p:extLst>
+  </p:cSld>
+  <p:clrMapOvr>
+    <a:masterClrMapping/>
+  </p:clrMapOvr>
+</p:sld>
+</file>
+
+<file path=ppt/slides/slide15.xml><?xml version="1.0" encoding="utf-8"?>
+<p:sld xmlns:a="http://schemas.openxmlformats.org/drawingml/2006/main" xmlns:r="http://schemas.openxmlformats.org/officeDocument/2006/relationships" xmlns:p="http://schemas.openxmlformats.org/presentationml/2006/main">
+  <p:cSld>
+    <p:spTree>
+      <p:nvGrpSpPr>
+        <p:cNvPr id="1" name=""/>
+        <p:cNvGrpSpPr/>
+        <p:nvPr/>
+      </p:nvGrpSpPr>
+      <p:grpSpPr>
+        <a:xfrm>
+          <a:off x="0" y="0"/>
+          <a:ext cx="0" cy="0"/>
+          <a:chOff x="0" y="0"/>
+          <a:chExt cx="0" cy="0"/>
+        </a:xfrm>
+      </p:grpSpPr>
+      <p:sp>
+        <p:nvSpPr>
+          <p:cNvPr id="2" name="Title 1"/>
+          <p:cNvSpPr>
+            <a:spLocks noGrp="1"/>
+          </p:cNvSpPr>
+          <p:nvPr>
+            <p:ph type="title"/>
+          </p:nvPr>
+        </p:nvSpPr>
+        <p:spPr/>
+        <p:txBody>
+          <a:bodyPr/>
+          <a:lstStyle/>
+          <a:p>
+            <a:r>
+              <a:rPr lang="en-US" dirty="0" smtClean="0"/>
+              <a:t>Results</a:t>
+            </a:r>
+            <a:endParaRPr lang="en-US" dirty="0"/>
+          </a:p>
+        </p:txBody>
+      </p:sp>
+      <p:sp>
+        <p:nvSpPr>
+          <p:cNvPr id="3" name="Content Placeholder 2"/>
+          <p:cNvSpPr>
+            <a:spLocks noGrp="1"/>
+          </p:cNvSpPr>
+          <p:nvPr>
+            <p:ph idx="1"/>
+          </p:nvPr>
+        </p:nvSpPr>
+        <p:spPr/>
+        <p:txBody>
+          <a:bodyPr/>
+          <a:lstStyle/>
+          <a:p>
+            <a:endParaRPr lang="en-US" dirty="0"/>
+          </a:p>
+        </p:txBody>
+      </p:sp>
+      <p:pic>
+        <p:nvPicPr>
+          <p:cNvPr id="5" name="Picture 4"/>
+          <p:cNvPicPr>
+            <a:picLocks noChangeAspect="1"/>
+          </p:cNvPicPr>
+          <p:nvPr/>
+        </p:nvPicPr>
+        <p:blipFill>
+          <a:blip r:embed="rId2">
+            <a:extLst>
+              <a:ext uri="{28A0092B-C50C-407E-A947-70E740481C1C}">
+                <a14:useLocalDpi xmlns:a14="http://schemas.microsoft.com/office/drawing/2010/main" val="0"/>
+              </a:ext>
+            </a:extLst>
+          </a:blip>
+          <a:stretch>
+            <a:fillRect/>
+          </a:stretch>
+        </p:blipFill>
+        <p:spPr>
+          <a:xfrm>
+            <a:off x="772855" y="2060654"/>
+            <a:ext cx="10635642" cy="3730546"/>
+          </a:xfrm>
+          <a:prstGeom prst="rect">
+            <a:avLst/>
+          </a:prstGeom>
+        </p:spPr>
+      </p:pic>
+    </p:spTree>
+    <p:extLst>
+      <p:ext uri="{BB962C8B-B14F-4D97-AF65-F5344CB8AC3E}">
+        <p14:creationId xmlns:p14="http://schemas.microsoft.com/office/powerpoint/2010/main" val="1240131665"/>
+      </p:ext>
+    </p:extLst>
+  </p:cSld>
+  <p:clrMapOvr>
+    <a:masterClrMapping/>
+  </p:clrMapOvr>
+</p:sld>
+</file>
+
+<file path=ppt/slides/slide16.xml><?xml version="1.0" encoding="utf-8"?>
+<p:sld xmlns:a="http://schemas.openxmlformats.org/drawingml/2006/main" xmlns:r="http://schemas.openxmlformats.org/officeDocument/2006/relationships" xmlns:p="http://schemas.openxmlformats.org/presentationml/2006/main">
+  <p:cSld>
+    <p:spTree>
+      <p:nvGrpSpPr>
+        <p:cNvPr id="1" name=""/>
+        <p:cNvGrpSpPr/>
+        <p:nvPr/>
+      </p:nvGrpSpPr>
+      <p:grpSpPr>
+        <a:xfrm>
+          <a:off x="0" y="0"/>
+          <a:ext cx="0" cy="0"/>
+          <a:chOff x="0" y="0"/>
+          <a:chExt cx="0" cy="0"/>
+        </a:xfrm>
+      </p:grpSpPr>
+      <p:sp>
+        <p:nvSpPr>
+          <p:cNvPr id="2" name="Title 1"/>
+          <p:cNvSpPr>
+            <a:spLocks noGrp="1"/>
+          </p:cNvSpPr>
+          <p:nvPr>
+            <p:ph type="title"/>
+          </p:nvPr>
+        </p:nvSpPr>
+        <p:spPr/>
+        <p:txBody>
+          <a:bodyPr/>
+          <a:lstStyle/>
+          <a:p>
+            <a:r>
+              <a:rPr lang="en-US" dirty="0" smtClean="0"/>
+              <a:t>Conclusion</a:t>
+            </a:r>
+            <a:endParaRPr lang="en-US" dirty="0"/>
+          </a:p>
+        </p:txBody>
+      </p:sp>
+      <p:sp>
+        <p:nvSpPr>
+          <p:cNvPr id="3" name="Content Placeholder 2"/>
+          <p:cNvSpPr>
+            <a:spLocks noGrp="1"/>
+          </p:cNvSpPr>
+          <p:nvPr>
+            <p:ph idx="1"/>
+          </p:nvPr>
+        </p:nvSpPr>
+        <p:spPr/>
+        <p:txBody>
+          <a:bodyPr numCol="1">
+            <a:normAutofit/>
+          </a:bodyPr>
+          <a:lstStyle/>
+          <a:p>
+            <a:pPr marL="36900" indent="0">
+              <a:buNone/>
+            </a:pPr>
+            <a:r>
+              <a:rPr lang="en-US" dirty="0" smtClean="0"/>
+              <a:t>We will not be able to stop terrorism</a:t>
+            </a:r>
+            <a:r>
+              <a:rPr lang="is-IS" dirty="0" smtClean="0"/>
+              <a:t>…</a:t>
+            </a:r>
+          </a:p>
+          <a:p>
+            <a:pPr>
+              <a:buFont typeface="Arial" charset="0"/>
+              <a:buChar char="•"/>
+            </a:pPr>
+            <a:endParaRPr lang="is-IS" dirty="0"/>
+          </a:p>
+          <a:p>
+            <a:pPr>
+              <a:buFont typeface="Arial" charset="0"/>
+              <a:buChar char="•"/>
+            </a:pPr>
+            <a:r>
+              <a:rPr lang="is-IS" dirty="0" smtClean="0"/>
+              <a:t>But:</a:t>
+            </a:r>
+          </a:p>
+          <a:p>
+            <a:pPr lvl="1">
+              <a:buFont typeface="Arial" charset="0"/>
+              <a:buChar char="•"/>
+            </a:pPr>
+            <a:r>
+              <a:rPr lang="en-US" dirty="0" smtClean="0"/>
+              <a:t>T</a:t>
+            </a:r>
+            <a:r>
+              <a:rPr lang="is-IS" dirty="0" smtClean="0"/>
+              <a:t>ests show a neural network approach is feasible</a:t>
+            </a:r>
+            <a:endParaRPr lang="en-US" dirty="0"/>
+          </a:p>
+        </p:txBody>
+      </p:sp>
+    </p:spTree>
+    <p:extLst>
+      <p:ext uri="{BB962C8B-B14F-4D97-AF65-F5344CB8AC3E}">
+        <p14:creationId xmlns:p14="http://schemas.microsoft.com/office/powerpoint/2010/main" val="2107880797"/>
+      </p:ext>
+    </p:extLst>
+  </p:cSld>
+  <p:clrMapOvr>
+    <a:masterClrMapping/>
+  </p:clrMapOvr>
+  <p:timing>
+    <p:tnLst>
+      <p:par>
+        <p:cTn id="1" dur="indefinite" restart="never" nodeType="tmRoot"/>
+      </p:par>
+    </p:tnLst>
+  </p:timing>
+</p:sld>
+</file>
+
+<file path=ppt/slides/slide17.xml><?xml version="1.0" encoding="utf-8"?>
+<p:sld xmlns:a="http://schemas.openxmlformats.org/drawingml/2006/main" xmlns:r="http://schemas.openxmlformats.org/officeDocument/2006/relationships" xmlns:p="http://schemas.openxmlformats.org/presentationml/2006/main">
+  <p:cSld>
+    <p:spTree>
+      <p:nvGrpSpPr>
+        <p:cNvPr id="1" name=""/>
+        <p:cNvGrpSpPr/>
+        <p:nvPr/>
+      </p:nvGrpSpPr>
+      <p:grpSpPr>
+        <a:xfrm>
+          <a:off x="0" y="0"/>
+          <a:ext cx="0" cy="0"/>
+          <a:chOff x="0" y="0"/>
+          <a:chExt cx="0" cy="0"/>
+        </a:xfrm>
+      </p:grpSpPr>
+      <p:sp>
+        <p:nvSpPr>
+          <p:cNvPr id="2" name="Title 1"/>
+          <p:cNvSpPr>
+            <a:spLocks noGrp="1"/>
+          </p:cNvSpPr>
+          <p:nvPr>
+            <p:ph type="ctrTitle"/>
+          </p:nvPr>
+        </p:nvSpPr>
+        <p:spPr/>
+        <p:txBody>
+          <a:bodyPr/>
+          <a:lstStyle/>
+          <a:p>
+            <a:r>
+              <a:rPr lang="en-US" dirty="0" smtClean="0"/>
+              <a:t>Any Questions?</a:t>
+            </a:r>
+            <a:endParaRPr lang="en-US" dirty="0"/>
+          </a:p>
+        </p:txBody>
+      </p:sp>
+      <p:sp>
+        <p:nvSpPr>
+          <p:cNvPr id="3" name="Subtitle 2"/>
+          <p:cNvSpPr>
+            <a:spLocks noGrp="1"/>
+          </p:cNvSpPr>
+          <p:nvPr>
+            <p:ph type="subTitle" idx="1"/>
+          </p:nvPr>
+        </p:nvSpPr>
+        <p:spPr/>
+        <p:txBody>
+          <a:bodyPr/>
+          <a:lstStyle/>
+          <a:p>
+            <a:endParaRPr lang="en-US" dirty="0"/>
+          </a:p>
+        </p:txBody>
+      </p:sp>
+    </p:spTree>
+    <p:extLst>
+      <p:ext uri="{BB962C8B-B14F-4D97-AF65-F5344CB8AC3E}">
+        <p14:creationId xmlns:p14="http://schemas.microsoft.com/office/powerpoint/2010/main" val="725231476"/>
+      </p:ext>
+    </p:extLst>
+  </p:cSld>
+  <p:clrMapOvr>
+    <a:masterClrMapping/>
+  </p:clrMapOvr>
+</p:sld>
+</file>
+
+<file path=ppt/slides/slide18.xml><?xml version="1.0" encoding="utf-8"?>
+<p:sld xmlns:a="http://schemas.openxmlformats.org/drawingml/2006/main" xmlns:r="http://schemas.openxmlformats.org/officeDocument/2006/relationships" xmlns:p="http://schemas.openxmlformats.org/presentationml/2006/main">
+  <p:cSld>
+    <p:spTree>
+      <p:nvGrpSpPr>
+        <p:cNvPr id="1" name=""/>
+        <p:cNvGrpSpPr/>
+        <p:nvPr/>
+      </p:nvGrpSpPr>
+      <p:grpSpPr>
+        <a:xfrm>
+          <a:off x="0" y="0"/>
+          <a:ext cx="0" cy="0"/>
+          <a:chOff x="0" y="0"/>
+          <a:chExt cx="0" cy="0"/>
+        </a:xfrm>
+      </p:grpSpPr>
+      <p:sp>
+        <p:nvSpPr>
+          <p:cNvPr id="2" name="Title 1"/>
+          <p:cNvSpPr>
+            <a:spLocks noGrp="1"/>
+          </p:cNvSpPr>
+          <p:nvPr>
+            <p:ph type="title"/>
+          </p:nvPr>
+        </p:nvSpPr>
+        <p:spPr/>
+        <p:txBody>
+          <a:bodyPr/>
+          <a:lstStyle/>
+          <a:p>
+            <a:r>
+              <a:rPr lang="en-US" dirty="0" smtClean="0"/>
               <a:t>References</a:t>
             </a:r>
             <a:endParaRPr lang="en-US" dirty="0"/>
@@ -6768,23 +7600,64 @@
         </p:nvSpPr>
         <p:spPr/>
         <p:txBody>
-          <a:bodyPr/>
-          <a:lstStyle/>
-          <a:p>
+          <a:bodyPr>
+            <a:normAutofit fontScale="92500" lnSpcReduction="20000"/>
+          </a:bodyPr>
+          <a:lstStyle/>
+          <a:p>
+            <a:pPr>
+              <a:buFont typeface="Arial" charset="0"/>
+              <a:buChar char="•"/>
+            </a:pPr>
             <a:r>
               <a:rPr lang="en-US" dirty="0"/>
-              <a:t>*</a:t>
+              <a:t>Hoorn, J.F., Frank, S.L., </a:t>
             </a:r>
             <a:r>
               <a:rPr lang="en-US" dirty="0" err="1"/>
+              <a:t>Kowalczyk</a:t>
+            </a:r>
+            <a:r>
+              <a:rPr lang="en-US" dirty="0"/>
+              <a:t>, W., and Ham, F.V.D. (1999). </a:t>
+            </a:r>
+            <a:r>
+              <a:rPr lang="en-US" dirty="0" smtClean="0"/>
+              <a:t>“Neural </a:t>
+            </a:r>
+            <a:r>
+              <a:rPr lang="en-US" dirty="0"/>
+              <a:t>network identification of poets using letter sequences''. Literary and Linguistic Computing, 14(3), 311–338.</a:t>
+            </a:r>
+            <a:endParaRPr lang="en-US" dirty="0" smtClean="0"/>
+          </a:p>
+          <a:p>
+            <a:pPr>
+              <a:buFont typeface="Arial" charset="0"/>
+              <a:buChar char="•"/>
+            </a:pPr>
+            <a:r>
+              <a:rPr lang="en-US" dirty="0" err="1" smtClean="0"/>
               <a:t>Juola</a:t>
             </a:r>
             <a:r>
               <a:rPr lang="en-US" dirty="0"/>
-              <a:t>,  Patrick.  Authorship  Attribution.  Hanover,  MA:  Now  Publishers  Inc.,  2008.  Print.</a:t>
-            </a:r>
-          </a:p>
-          <a:p>
+              <a:t>,  Patrick. </a:t>
+            </a:r>
+            <a:r>
+              <a:rPr lang="en-US" dirty="0" smtClean="0"/>
+              <a:t>“Authorship  Attribution”.  </a:t>
+            </a:r>
+            <a:r>
+              <a:rPr lang="en-US" dirty="0"/>
+              <a:t>Hanover,  MA:  Now  Publishers  Inc.,  2008.  Print.</a:t>
+            </a:r>
+          </a:p>
+          <a:p>
+            <a:pPr>
+              <a:buFont typeface="Arial" charset="0"/>
+              <a:buChar char="•"/>
+            </a:pPr>
             <a:r>
               <a:rPr lang="en-US" dirty="0" smtClean="0"/>
               <a:t>MATLAB  </a:t>
@@ -6807,12 +7680,43 @@
             </a:r>
           </a:p>
           <a:p>
-            <a:endParaRPr lang="en-US" dirty="0"/>
-          </a:p>
-          <a:p>
+            <a:pPr>
+              <a:buFont typeface="Arial" charset="0"/>
+              <a:buChar char="•"/>
+            </a:pPr>
+            <a:r>
+              <a:rPr lang="en-US" dirty="0"/>
+              <a:t>Oren, H., Christian, W., and Anika, P. (2016). </a:t>
+            </a:r>
+            <a:r>
+              <a:rPr lang="en-US" smtClean="0"/>
+              <a:t>“Authorship </a:t>
+            </a:r>
+            <a:r>
+              <a:rPr lang="en-US" dirty="0"/>
+              <a:t>verification for different languages, genres and topics''. The International Journal of Digital Forensics and Incident Response archive, 16(2), S33-S43.</a:t>
+            </a:r>
             <a:endParaRPr lang="en-US" dirty="0" smtClean="0"/>
           </a:p>
           <a:p>
+            <a:pPr>
+              <a:buFont typeface="Arial" charset="0"/>
+              <a:buChar char="•"/>
+            </a:pPr>
+            <a:endParaRPr lang="en-US" dirty="0"/>
+          </a:p>
+          <a:p>
+            <a:pPr>
+              <a:buFont typeface="Arial" charset="0"/>
+              <a:buChar char="•"/>
+            </a:pPr>
+            <a:endParaRPr lang="en-US" dirty="0" smtClean="0"/>
+          </a:p>
+          <a:p>
+            <a:pPr>
+              <a:buFont typeface="Arial" charset="0"/>
+              <a:buChar char="•"/>
+            </a:pPr>
             <a:r>
               <a:rPr lang="en-US" dirty="0"/>
               <a:t>*We  would  like  to  thank  Dr.  Patrick  </a:t>
@@ -6889,15 +7793,214 @@
           </a:p>
         </p:txBody>
       </p:sp>
+      <p:sp>
+        <p:nvSpPr>
+          <p:cNvPr id="9" name="TextBox 8"/>
+          <p:cNvSpPr txBox="1"/>
+          <p:nvPr/>
+        </p:nvSpPr>
+        <p:spPr>
+          <a:xfrm>
+            <a:off x="913796" y="1730425"/>
+            <a:ext cx="10353762" cy="1323439"/>
+          </a:xfrm>
+          <a:prstGeom prst="rect">
+            <a:avLst/>
+          </a:prstGeom>
+          <a:noFill/>
+        </p:spPr>
+        <p:txBody>
+          <a:bodyPr wrap="square" rtlCol="0">
+            <a:spAutoFit/>
+          </a:bodyPr>
+          <a:lstStyle/>
+          <a:p>
+            <a:pPr marL="342900" indent="-342900">
+              <a:buFont typeface="Arial" charset="0"/>
+              <a:buChar char="•"/>
+            </a:pPr>
+            <a:r>
+              <a:rPr lang="en-US" sz="2000" dirty="0" smtClean="0">
+                <a:ln>
+                  <a:solidFill>
+                    <a:prstClr val="black">
+                      <a:lumMod val="75000"/>
+                      <a:lumOff val="25000"/>
+                      <a:alpha val="10000"/>
+                    </a:prstClr>
+                  </a:solidFill>
+                </a:ln>
+                <a:solidFill>
+                  <a:srgbClr val="DADADA"/>
+                </a:solidFill>
+              </a:rPr>
+              <a:t>Identifying </a:t>
+            </a:r>
+            <a:r>
+              <a:rPr lang="en-US" sz="2000" dirty="0" smtClean="0">
+                <a:ln>
+                  <a:solidFill>
+                    <a:prstClr val="black">
+                      <a:lumMod val="75000"/>
+                      <a:lumOff val="25000"/>
+                      <a:alpha val="10000"/>
+                    </a:prstClr>
+                  </a:solidFill>
+                </a:ln>
+                <a:solidFill>
+                  <a:srgbClr val="DADADA"/>
+                </a:solidFill>
+              </a:rPr>
+              <a:t>Individuals in cyber bullying</a:t>
+            </a:r>
+          </a:p>
+          <a:p>
+            <a:pPr marL="342900" indent="-342900">
+              <a:buFont typeface="Arial" charset="0"/>
+              <a:buChar char="•"/>
+            </a:pPr>
+            <a:r>
+              <a:rPr lang="en-US" sz="2000" dirty="0" smtClean="0">
+                <a:ln>
+                  <a:solidFill>
+                    <a:prstClr val="black">
+                      <a:lumMod val="75000"/>
+                      <a:lumOff val="25000"/>
+                      <a:alpha val="10000"/>
+                    </a:prstClr>
+                  </a:solidFill>
+                </a:ln>
+                <a:solidFill>
+                  <a:srgbClr val="DADADA"/>
+                </a:solidFill>
+              </a:rPr>
+              <a:t>Recognizing plagiarism</a:t>
+            </a:r>
+          </a:p>
+          <a:p>
+            <a:pPr marL="342900" indent="-342900">
+              <a:buFont typeface="Arial" charset="0"/>
+              <a:buChar char="•"/>
+            </a:pPr>
+            <a:r>
+              <a:rPr lang="en-US" sz="2000" dirty="0" smtClean="0">
+                <a:ln>
+                  <a:solidFill>
+                    <a:prstClr val="black">
+                      <a:lumMod val="75000"/>
+                      <a:lumOff val="25000"/>
+                      <a:alpha val="10000"/>
+                    </a:prstClr>
+                  </a:solidFill>
+                </a:ln>
+                <a:solidFill>
+                  <a:srgbClr val="DADADA"/>
+                </a:solidFill>
+              </a:rPr>
+              <a:t>Catching Terrorists</a:t>
+            </a:r>
+          </a:p>
+          <a:p>
+            <a:pPr marL="342900" indent="-342900">
+              <a:buFont typeface="Arial" charset="0"/>
+              <a:buChar char="•"/>
+            </a:pPr>
+            <a:r>
+              <a:rPr lang="en-US" sz="2000" dirty="0" smtClean="0">
+                <a:ln>
+                  <a:solidFill>
+                    <a:prstClr val="black">
+                      <a:lumMod val="75000"/>
+                      <a:lumOff val="25000"/>
+                      <a:alpha val="10000"/>
+                    </a:prstClr>
+                  </a:solidFill>
+                </a:ln>
+                <a:solidFill>
+                  <a:srgbClr val="DADADA"/>
+                </a:solidFill>
+              </a:rPr>
+              <a:t>“Who wrote the ransom note in </a:t>
+            </a:r>
+            <a:r>
+              <a:rPr lang="en-US" sz="2000" dirty="0">
+                <a:ln>
+                  <a:solidFill>
+                    <a:prstClr val="black">
+                      <a:lumMod val="75000"/>
+                      <a:lumOff val="25000"/>
+                      <a:alpha val="10000"/>
+                    </a:prstClr>
+                  </a:solidFill>
+                </a:ln>
+                <a:solidFill>
+                  <a:srgbClr val="DADADA"/>
+                </a:solidFill>
+              </a:rPr>
+              <a:t>the Jon </a:t>
+            </a:r>
+            <a:r>
+              <a:rPr lang="en-US" sz="2000" dirty="0" err="1">
+                <a:ln>
+                  <a:solidFill>
+                    <a:prstClr val="black">
+                      <a:lumMod val="75000"/>
+                      <a:lumOff val="25000"/>
+                      <a:alpha val="10000"/>
+                    </a:prstClr>
+                  </a:solidFill>
+                </a:ln>
+                <a:solidFill>
+                  <a:srgbClr val="DADADA"/>
+                </a:solidFill>
+              </a:rPr>
+              <a:t>Benét</a:t>
+            </a:r>
+            <a:r>
+              <a:rPr lang="en-US" sz="2000" dirty="0">
+                <a:ln>
+                  <a:solidFill>
+                    <a:prstClr val="black">
+                      <a:lumMod val="75000"/>
+                      <a:lumOff val="25000"/>
+                      <a:alpha val="10000"/>
+                    </a:prstClr>
+                  </a:solidFill>
+                </a:ln>
+                <a:solidFill>
+                  <a:srgbClr val="DADADA"/>
+                </a:solidFill>
+              </a:rPr>
+              <a:t> Ramsey case</a:t>
+            </a:r>
+            <a:r>
+              <a:rPr lang="en-US" sz="2000" dirty="0" smtClean="0">
+                <a:ln>
+                  <a:solidFill>
+                    <a:prstClr val="black">
+                      <a:lumMod val="75000"/>
+                      <a:lumOff val="25000"/>
+                      <a:alpha val="10000"/>
+                    </a:prstClr>
+                  </a:solidFill>
+                </a:ln>
+                <a:solidFill>
+                  <a:srgbClr val="DADADA"/>
+                </a:solidFill>
+              </a:rPr>
+              <a:t>?”</a:t>
+            </a:r>
+            <a:endParaRPr lang="en-US" dirty="0" smtClean="0"/>
+          </a:p>
+        </p:txBody>
+      </p:sp>
       <p:pic>
         <p:nvPicPr>
-          <p:cNvPr id="5" name="Content Placeholder 4"/>
+          <p:cNvPr id="3" name="Picture 2"/>
           <p:cNvPicPr>
-            <a:picLocks noGrp="1" noChangeAspect="1"/>
+            <a:picLocks noChangeAspect="1"/>
           </p:cNvPicPr>
-          <p:nvPr>
-            <p:ph idx="1"/>
-          </p:nvPr>
+          <p:nvPr/>
         </p:nvPicPr>
         <p:blipFill>
           <a:blip r:embed="rId3">
@@ -6913,195 +8016,14 @@
         </p:blipFill>
         <p:spPr>
           <a:xfrm>
-            <a:off x="452459" y="1888080"/>
-            <a:ext cx="6046040" cy="2393987"/>
-          </a:xfrm>
-        </p:spPr>
-      </p:pic>
-      <p:sp>
-        <p:nvSpPr>
-          <p:cNvPr id="9" name="TextBox 8"/>
-          <p:cNvSpPr txBox="1"/>
-          <p:nvPr/>
-        </p:nvSpPr>
-        <p:spPr>
-          <a:xfrm>
-            <a:off x="7002966" y="1888080"/>
-            <a:ext cx="4264591" cy="1938992"/>
+            <a:off x="2733287" y="4252907"/>
+            <a:ext cx="6714777" cy="1924175"/>
           </a:xfrm>
           <a:prstGeom prst="rect">
             <a:avLst/>
           </a:prstGeom>
-          <a:noFill/>
         </p:spPr>
-        <p:txBody>
-          <a:bodyPr wrap="square" rtlCol="0">
-            <a:spAutoFit/>
-          </a:bodyPr>
-          <a:lstStyle/>
-          <a:p>
-            <a:pPr marL="342900" indent="-342900">
-              <a:buFont typeface="Arial" charset="0"/>
-              <a:buChar char="•"/>
-            </a:pPr>
-            <a:r>
-              <a:rPr lang="en-US" sz="2000" dirty="0" smtClean="0">
-                <a:ln>
-                  <a:solidFill>
-                    <a:prstClr val="black">
-                      <a:lumMod val="75000"/>
-                      <a:lumOff val="25000"/>
-                      <a:alpha val="10000"/>
-                    </a:prstClr>
-                  </a:solidFill>
-                </a:ln>
-                <a:solidFill>
-                  <a:srgbClr val="DADADA"/>
-                </a:solidFill>
-              </a:rPr>
-              <a:t>Identifying Individuals in cyber bullying</a:t>
-            </a:r>
-          </a:p>
-          <a:p>
-            <a:pPr marL="342900" indent="-342900">
-              <a:buFont typeface="Arial" charset="0"/>
-              <a:buChar char="•"/>
-            </a:pPr>
-            <a:r>
-              <a:rPr lang="en-US" sz="2000" dirty="0" smtClean="0">
-                <a:ln>
-                  <a:solidFill>
-                    <a:prstClr val="black">
-                      <a:lumMod val="75000"/>
-                      <a:lumOff val="25000"/>
-                      <a:alpha val="10000"/>
-                    </a:prstClr>
-                  </a:solidFill>
-                </a:ln>
-                <a:solidFill>
-                  <a:srgbClr val="DADADA"/>
-                </a:solidFill>
-              </a:rPr>
-              <a:t>Recognizing plagiarism</a:t>
-            </a:r>
-          </a:p>
-          <a:p>
-            <a:pPr marL="342900" indent="-342900">
-              <a:buFont typeface="Arial" charset="0"/>
-              <a:buChar char="•"/>
-            </a:pPr>
-            <a:r>
-              <a:rPr lang="en-US" sz="2000" dirty="0" smtClean="0">
-                <a:ln>
-                  <a:solidFill>
-                    <a:prstClr val="black">
-                      <a:lumMod val="75000"/>
-                      <a:lumOff val="25000"/>
-                      <a:alpha val="10000"/>
-                    </a:prstClr>
-                  </a:solidFill>
-                </a:ln>
-                <a:solidFill>
-                  <a:srgbClr val="DADADA"/>
-                </a:solidFill>
-              </a:rPr>
-              <a:t>Catching Terrorists</a:t>
-            </a:r>
-          </a:p>
-          <a:p>
-            <a:pPr marL="342900" indent="-342900">
-              <a:buFont typeface="Arial" charset="0"/>
-              <a:buChar char="•"/>
-            </a:pPr>
-            <a:r>
-              <a:rPr lang="en-US" sz="2000" dirty="0" smtClean="0">
-                <a:ln>
-                  <a:solidFill>
-                    <a:prstClr val="black">
-                      <a:lumMod val="75000"/>
-                      <a:lumOff val="25000"/>
-                      <a:alpha val="10000"/>
-                    </a:prstClr>
-                  </a:solidFill>
-                </a:ln>
-                <a:solidFill>
-                  <a:srgbClr val="DADADA"/>
-                </a:solidFill>
-              </a:rPr>
-              <a:t>“Who wrote the ransom note in </a:t>
-            </a:r>
-            <a:r>
-              <a:rPr lang="en-US" sz="2000" dirty="0">
-                <a:ln>
-                  <a:solidFill>
-                    <a:prstClr val="black">
-                      <a:lumMod val="75000"/>
-                      <a:lumOff val="25000"/>
-                      <a:alpha val="10000"/>
-                    </a:prstClr>
-                  </a:solidFill>
-                </a:ln>
-                <a:solidFill>
-                  <a:srgbClr val="DADADA"/>
-                </a:solidFill>
-              </a:rPr>
-              <a:t>the Jon </a:t>
-            </a:r>
-            <a:r>
-              <a:rPr lang="en-US" sz="2000" dirty="0" err="1">
-                <a:ln>
-                  <a:solidFill>
-                    <a:prstClr val="black">
-                      <a:lumMod val="75000"/>
-                      <a:lumOff val="25000"/>
-                      <a:alpha val="10000"/>
-                    </a:prstClr>
-                  </a:solidFill>
-                </a:ln>
-                <a:solidFill>
-                  <a:srgbClr val="DADADA"/>
-                </a:solidFill>
-              </a:rPr>
-              <a:t>Benét</a:t>
-            </a:r>
-            <a:r>
-              <a:rPr lang="en-US" sz="2000" dirty="0">
-                <a:ln>
-                  <a:solidFill>
-                    <a:prstClr val="black">
-                      <a:lumMod val="75000"/>
-                      <a:lumOff val="25000"/>
-                      <a:alpha val="10000"/>
-                    </a:prstClr>
-                  </a:solidFill>
-                </a:ln>
-                <a:solidFill>
-                  <a:srgbClr val="DADADA"/>
-                </a:solidFill>
-              </a:rPr>
-              <a:t> Ramsey case</a:t>
-            </a:r>
-            <a:r>
-              <a:rPr lang="en-US" sz="2000" dirty="0" smtClean="0">
-                <a:ln>
-                  <a:solidFill>
-                    <a:prstClr val="black">
-                      <a:lumMod val="75000"/>
-                      <a:lumOff val="25000"/>
-                      <a:alpha val="10000"/>
-                    </a:prstClr>
-                  </a:solidFill>
-                </a:ln>
-                <a:solidFill>
-                  <a:srgbClr val="DADADA"/>
-                </a:solidFill>
-              </a:rPr>
-              <a:t>?”</a:t>
-            </a:r>
-            <a:endParaRPr lang="en-US" dirty="0" smtClean="0"/>
-          </a:p>
-        </p:txBody>
-      </p:sp>
+      </p:pic>
     </p:spTree>
     <p:extLst>
       <p:ext uri="{BB962C8B-B14F-4D97-AF65-F5344CB8AC3E}">
@@ -7416,7 +8338,7 @@
           </a:solidFill>
           <a:ln>
             <a:solidFill>
-              <a:schemeClr val="tx1">
+              <a:schemeClr val="tx2">
                 <a:lumMod val="75000"/>
               </a:schemeClr>
             </a:solidFill>
@@ -7568,7 +8490,7 @@
           <a:p>
             <a:pPr algn="ctr"/>
             <a:r>
-              <a:rPr lang="en-US" smtClean="0">
+              <a:rPr lang="en-US" dirty="0" smtClean="0">
                 <a:solidFill>
                   <a:schemeClr val="bg1"/>
                 </a:solidFill>
@@ -8448,7 +9370,11 @@
           <a:p>
             <a:r>
               <a:rPr lang="en-US" dirty="0" smtClean="0"/>
-              <a:t>Data Collection</a:t>
+              <a:t>Data </a:t>
+            </a:r>
+            <a:r>
+              <a:rPr lang="en-US" dirty="0" smtClean="0"/>
+              <a:t>Collection*</a:t>
             </a:r>
             <a:endParaRPr lang="en-US" dirty="0"/>
           </a:p>
@@ -8466,9 +9392,287 @@
         </p:nvSpPr>
         <p:spPr/>
         <p:txBody>
-          <a:bodyPr/>
-          <a:lstStyle/>
-          <a:p>
+          <a:bodyPr numCol="2">
+            <a:normAutofit fontScale="70000" lnSpcReduction="20000"/>
+          </a:bodyPr>
+          <a:lstStyle/>
+          <a:p>
+            <a:pPr>
+              <a:buFont typeface="Arial" charset="0"/>
+              <a:buChar char="•"/>
+            </a:pPr>
+            <a:r>
+              <a:rPr lang="en-US" sz="2600" dirty="0" smtClean="0"/>
+              <a:t>Victorian Era works</a:t>
+            </a:r>
+          </a:p>
+          <a:p>
+            <a:pPr>
+              <a:buFont typeface="Arial" charset="0"/>
+              <a:buChar char="•"/>
+            </a:pPr>
+            <a:r>
+              <a:rPr lang="en-US" sz="2600" dirty="0" smtClean="0"/>
+              <a:t>Over 100 works written by 12 different authors</a:t>
+            </a:r>
+          </a:p>
+          <a:p>
+            <a:pPr>
+              <a:buFont typeface="Arial" charset="0"/>
+              <a:buChar char="•"/>
+            </a:pPr>
+            <a:endParaRPr lang="en-US" dirty="0" smtClean="0"/>
+          </a:p>
+          <a:p>
+            <a:pPr>
+              <a:buFont typeface="Arial" charset="0"/>
+              <a:buChar char="•"/>
+            </a:pPr>
+            <a:endParaRPr lang="en-US" dirty="0"/>
+          </a:p>
+          <a:p>
+            <a:pPr>
+              <a:buFont typeface="Arial" charset="0"/>
+              <a:buChar char="•"/>
+            </a:pPr>
+            <a:endParaRPr lang="en-US" dirty="0" smtClean="0"/>
+          </a:p>
+          <a:p>
+            <a:pPr>
+              <a:buFont typeface="Arial" charset="0"/>
+              <a:buChar char="•"/>
+            </a:pPr>
+            <a:endParaRPr lang="en-US" dirty="0"/>
+          </a:p>
+          <a:p>
+            <a:pPr>
+              <a:buFont typeface="Arial" charset="0"/>
+              <a:buChar char="•"/>
+            </a:pPr>
+            <a:endParaRPr lang="en-US" dirty="0" smtClean="0"/>
+          </a:p>
+          <a:p>
+            <a:pPr>
+              <a:buFont typeface="Arial" charset="0"/>
+              <a:buChar char="•"/>
+            </a:pPr>
+            <a:endParaRPr lang="en-US" dirty="0"/>
+          </a:p>
+          <a:p>
+            <a:pPr>
+              <a:buFont typeface="Arial" charset="0"/>
+              <a:buChar char="•"/>
+            </a:pPr>
+            <a:endParaRPr lang="en-US" dirty="0" smtClean="0"/>
+          </a:p>
+          <a:p>
+            <a:pPr>
+              <a:buFont typeface="Arial" charset="0"/>
+              <a:buChar char="•"/>
+            </a:pPr>
+            <a:endParaRPr lang="en-US" dirty="0"/>
+          </a:p>
+          <a:p>
+            <a:pPr>
+              <a:buFont typeface="Arial" charset="0"/>
+              <a:buChar char="•"/>
+            </a:pPr>
+            <a:endParaRPr lang="en-US" dirty="0" smtClean="0"/>
+          </a:p>
+          <a:p>
+            <a:pPr marL="36900" indent="0">
+              <a:buNone/>
+            </a:pPr>
+            <a:endParaRPr lang="en-US" dirty="0" smtClean="0"/>
+          </a:p>
+          <a:p>
+            <a:pPr>
+              <a:buFont typeface="Arial" charset="0"/>
+              <a:buChar char="•"/>
+            </a:pPr>
+            <a:endParaRPr lang="en-US" dirty="0" smtClean="0"/>
+          </a:p>
+          <a:p>
+            <a:pPr marL="36900" indent="0">
+              <a:buNone/>
+            </a:pPr>
+            <a:r>
+              <a:rPr lang="en-US" dirty="0" smtClean="0"/>
+              <a:t>Authors: </a:t>
+            </a:r>
+          </a:p>
+          <a:p>
+            <a:pPr>
+              <a:buFont typeface="Arial" charset="0"/>
+              <a:buChar char="•"/>
+            </a:pPr>
+            <a:r>
+              <a:rPr lang="en-US" dirty="0" smtClean="0"/>
+              <a:t>Charlotte  Bronte</a:t>
+            </a:r>
+          </a:p>
+          <a:p>
+            <a:pPr>
+              <a:buFont typeface="Arial" charset="0"/>
+              <a:buChar char="•"/>
+            </a:pPr>
+            <a:r>
+              <a:rPr lang="en-US" dirty="0" err="1" smtClean="0"/>
+              <a:t>Wilkie</a:t>
+            </a:r>
+            <a:r>
+              <a:rPr lang="en-US" dirty="0" smtClean="0"/>
+              <a:t>  </a:t>
+            </a:r>
+            <a:r>
+              <a:rPr lang="en-US" dirty="0"/>
+              <a:t>Collins </a:t>
+            </a:r>
+            <a:endParaRPr lang="en-US" dirty="0" smtClean="0"/>
+          </a:p>
+          <a:p>
+            <a:pPr>
+              <a:buFont typeface="Arial" charset="0"/>
+              <a:buChar char="•"/>
+            </a:pPr>
+            <a:r>
+              <a:rPr lang="en-US" dirty="0" smtClean="0"/>
+              <a:t>Charles  Dickens</a:t>
+            </a:r>
+          </a:p>
+          <a:p>
+            <a:pPr>
+              <a:buFont typeface="Arial" charset="0"/>
+              <a:buChar char="•"/>
+            </a:pPr>
+            <a:r>
+              <a:rPr lang="en-US" dirty="0" smtClean="0"/>
+              <a:t>George  </a:t>
+            </a:r>
+            <a:r>
+              <a:rPr lang="en-US" dirty="0"/>
+              <a:t>Elliot  (Real  Name:  Mary  Ann  Evans) </a:t>
+            </a:r>
+            <a:endParaRPr lang="en-US" dirty="0" smtClean="0"/>
+          </a:p>
+          <a:p>
+            <a:pPr>
+              <a:buFont typeface="Arial" charset="0"/>
+              <a:buChar char="•"/>
+            </a:pPr>
+            <a:r>
+              <a:rPr lang="en-US" dirty="0" smtClean="0"/>
+              <a:t>Thomas  </a:t>
+            </a:r>
+            <a:r>
+              <a:rPr lang="en-US" dirty="0"/>
+              <a:t>Hardy </a:t>
+            </a:r>
+            <a:endParaRPr lang="en-US" dirty="0" smtClean="0"/>
+          </a:p>
+          <a:p>
+            <a:pPr>
+              <a:buFont typeface="Arial" charset="0"/>
+              <a:buChar char="•"/>
+            </a:pPr>
+            <a:r>
+              <a:rPr lang="en-US" dirty="0" smtClean="0"/>
+              <a:t>Henry  </a:t>
+            </a:r>
+            <a:r>
+              <a:rPr lang="en-US" dirty="0"/>
+              <a:t>James  </a:t>
+            </a:r>
+            <a:endParaRPr lang="en-US" dirty="0" smtClean="0"/>
+          </a:p>
+          <a:p>
+            <a:pPr>
+              <a:buFont typeface="Arial" charset="0"/>
+              <a:buChar char="•"/>
+            </a:pPr>
+            <a:r>
+              <a:rPr lang="en-US" dirty="0" smtClean="0"/>
+              <a:t>Sarah  </a:t>
+            </a:r>
+            <a:r>
+              <a:rPr lang="en-US" dirty="0" err="1"/>
+              <a:t>Orne</a:t>
+            </a:r>
+            <a:r>
+              <a:rPr lang="en-US" dirty="0"/>
+              <a:t>  Jewett  </a:t>
+            </a:r>
+            <a:endParaRPr lang="en-US" dirty="0" smtClean="0"/>
+          </a:p>
+          <a:p>
+            <a:pPr>
+              <a:buFont typeface="Arial" charset="0"/>
+              <a:buChar char="•"/>
+            </a:pPr>
+            <a:r>
+              <a:rPr lang="en-US" dirty="0" smtClean="0"/>
+              <a:t>George  </a:t>
+            </a:r>
+            <a:r>
+              <a:rPr lang="en-US" dirty="0"/>
+              <a:t>Meredith  </a:t>
+            </a:r>
+            <a:endParaRPr lang="en-US" dirty="0" smtClean="0"/>
+          </a:p>
+          <a:p>
+            <a:pPr>
+              <a:buFont typeface="Arial" charset="0"/>
+              <a:buChar char="•"/>
+            </a:pPr>
+            <a:r>
+              <a:rPr lang="en-US" dirty="0" smtClean="0"/>
+              <a:t>David  </a:t>
+            </a:r>
+            <a:r>
+              <a:rPr lang="en-US" dirty="0"/>
+              <a:t>Graham  Phillips </a:t>
+            </a:r>
+            <a:endParaRPr lang="en-US" dirty="0" smtClean="0"/>
+          </a:p>
+          <a:p>
+            <a:pPr>
+              <a:buFont typeface="Arial" charset="0"/>
+              <a:buChar char="•"/>
+            </a:pPr>
+            <a:r>
+              <a:rPr lang="en-US" dirty="0" smtClean="0"/>
+              <a:t>William  </a:t>
+            </a:r>
+            <a:r>
+              <a:rPr lang="en-US" dirty="0"/>
+              <a:t>Makepeace  Thackeray  </a:t>
+            </a:r>
+            <a:endParaRPr lang="en-US" dirty="0" smtClean="0"/>
+          </a:p>
+          <a:p>
+            <a:pPr>
+              <a:buFont typeface="Arial" charset="0"/>
+              <a:buChar char="•"/>
+            </a:pPr>
+            <a:r>
+              <a:rPr lang="en-US" dirty="0" smtClean="0"/>
+              <a:t>Anthony  </a:t>
+            </a:r>
+            <a:r>
+              <a:rPr lang="en-US" dirty="0"/>
+              <a:t>Trollope  </a:t>
+            </a:r>
+            <a:endParaRPr lang="en-US" dirty="0" smtClean="0"/>
+          </a:p>
+          <a:p>
+            <a:pPr>
+              <a:buFont typeface="Arial" charset="0"/>
+              <a:buChar char="•"/>
+            </a:pPr>
+            <a:r>
+              <a:rPr lang="en-US" dirty="0" smtClean="0"/>
+              <a:t>Edith  Wharton</a:t>
+            </a:r>
             <a:endParaRPr lang="en-US" dirty="0"/>
           </a:p>
         </p:txBody>
@@ -8476,7 +9680,7 @@
     </p:spTree>
     <p:extLst>
       <p:ext uri="{BB962C8B-B14F-4D97-AF65-F5344CB8AC3E}">
-        <p14:creationId xmlns:p14="http://schemas.microsoft.com/office/powerpoint/2010/main" val="1804419250"/>
+        <p14:creationId xmlns:p14="http://schemas.microsoft.com/office/powerpoint/2010/main" val="17574959"/>
       </p:ext>
     </p:extLst>
   </p:cSld>
@@ -8526,47 +9730,110 @@
           <a:lstStyle/>
           <a:p>
             <a:r>
+              <a:rPr lang="en-US" dirty="0"/>
+              <a:t>Data Grouping</a:t>
+            </a:r>
+          </a:p>
+        </p:txBody>
+      </p:sp>
+      <p:sp>
+        <p:nvSpPr>
+          <p:cNvPr id="3" name="Content Placeholder 2"/>
+          <p:cNvSpPr>
+            <a:spLocks noGrp="1"/>
+          </p:cNvSpPr>
+          <p:nvPr>
+            <p:ph idx="1"/>
+          </p:nvPr>
+        </p:nvSpPr>
+        <p:spPr/>
+        <p:txBody>
+          <a:bodyPr/>
+          <a:lstStyle/>
+          <a:p>
+            <a:pPr marL="36900" indent="0">
+              <a:buNone/>
+            </a:pPr>
+            <a:r>
               <a:rPr lang="en-US" dirty="0" smtClean="0"/>
-              <a:t>Feature Extraction</a:t>
-            </a:r>
-            <a:endParaRPr lang="en-US" dirty="0"/>
-          </a:p>
-        </p:txBody>
-      </p:sp>
-      <p:pic>
-        <p:nvPicPr>
-          <p:cNvPr id="5" name="Picture 4"/>
-          <p:cNvPicPr>
-            <a:picLocks noChangeAspect="1"/>
-          </p:cNvPicPr>
-          <p:nvPr/>
-        </p:nvPicPr>
-        <p:blipFill>
-          <a:blip r:embed="rId2">
-            <a:extLst>
-              <a:ext uri="{28A0092B-C50C-407E-A947-70E740481C1C}">
-                <a14:useLocalDpi xmlns:a14="http://schemas.microsoft.com/office/drawing/2010/main" val="0"/>
-              </a:ext>
-            </a:extLst>
-          </a:blip>
-          <a:stretch>
-            <a:fillRect/>
-          </a:stretch>
-        </p:blipFill>
-        <p:spPr>
-          <a:xfrm>
-            <a:off x="913795" y="2245050"/>
-            <a:ext cx="10452100" cy="2882900"/>
-          </a:xfrm>
-          <a:prstGeom prst="rect">
-            <a:avLst/>
-          </a:prstGeom>
-        </p:spPr>
-      </p:pic>
+              <a:t>Partitioned data into three groups:</a:t>
+            </a:r>
+          </a:p>
+          <a:p>
+            <a:pPr>
+              <a:buFont typeface="Arial" charset="0"/>
+              <a:buChar char="•"/>
+            </a:pPr>
+            <a:r>
+              <a:rPr lang="en-US" dirty="0" smtClean="0"/>
+              <a:t>Training dataset</a:t>
+            </a:r>
+          </a:p>
+          <a:p>
+            <a:pPr lvl="1">
+              <a:buFont typeface="Arial" charset="0"/>
+              <a:buChar char="•"/>
+            </a:pPr>
+            <a:r>
+              <a:rPr lang="en-US" dirty="0" smtClean="0"/>
+              <a:t>Various authors and works</a:t>
+            </a:r>
+          </a:p>
+          <a:p>
+            <a:pPr>
+              <a:buFont typeface="Arial" charset="0"/>
+              <a:buChar char="•"/>
+            </a:pPr>
+            <a:r>
+              <a:rPr lang="en-US" dirty="0" smtClean="0"/>
+              <a:t>In-group dataset</a:t>
+            </a:r>
+          </a:p>
+          <a:p>
+            <a:pPr lvl="1">
+              <a:buFont typeface="Arial" charset="0"/>
+              <a:buChar char="•"/>
+            </a:pPr>
+            <a:r>
+              <a:rPr lang="en-US" dirty="0" smtClean="0"/>
+              <a:t>Works by authors who have </a:t>
+            </a:r>
+            <a:r>
+              <a:rPr lang="en-US" i="1" dirty="0" smtClean="0"/>
+              <a:t>other </a:t>
+            </a:r>
+            <a:r>
+              <a:rPr lang="en-US" dirty="0" smtClean="0"/>
+              <a:t>works in the training dataset</a:t>
+            </a:r>
+          </a:p>
+          <a:p>
+            <a:pPr>
+              <a:buFont typeface="Arial" charset="0"/>
+              <a:buChar char="•"/>
+            </a:pPr>
+            <a:r>
+              <a:rPr lang="en-US" dirty="0" smtClean="0"/>
+              <a:t>Out-group dataset</a:t>
+            </a:r>
+          </a:p>
+          <a:p>
+            <a:pPr lvl="1">
+              <a:buFont typeface="Arial" charset="0"/>
+              <a:buChar char="•"/>
+            </a:pPr>
+            <a:r>
+              <a:rPr lang="en-US" dirty="0" smtClean="0"/>
+              <a:t>Works by authors not included in either dataset</a:t>
+            </a:r>
+            <a:endParaRPr lang="en-US" dirty="0"/>
+          </a:p>
+        </p:txBody>
+      </p:sp>
     </p:spTree>
     <p:extLst>
       <p:ext uri="{BB962C8B-B14F-4D97-AF65-F5344CB8AC3E}">
-        <p14:creationId xmlns:p14="http://schemas.microsoft.com/office/powerpoint/2010/main" val="994480724"/>
+        <p14:creationId xmlns:p14="http://schemas.microsoft.com/office/powerpoint/2010/main" val="2094433956"/>
       </p:ext>
     </p:extLst>
   </p:cSld>
@@ -8610,45 +9877,102 @@
           <a:p>
             <a:r>
               <a:rPr lang="en-US" dirty="0" smtClean="0"/>
-              <a:t>Feature Extraction</a:t>
-            </a:r>
-            <a:endParaRPr lang="en-US" dirty="0"/>
-          </a:p>
-        </p:txBody>
-      </p:sp>
-      <p:pic>
-        <p:nvPicPr>
-          <p:cNvPr id="4" name="Content Placeholder 3"/>
-          <p:cNvPicPr>
-            <a:picLocks noGrp="1" noChangeAspect="1"/>
-          </p:cNvPicPr>
+              <a:t>Expectations</a:t>
+            </a:r>
+            <a:endParaRPr lang="en-US" dirty="0"/>
+          </a:p>
+        </p:txBody>
+      </p:sp>
+      <p:sp>
+        <p:nvSpPr>
+          <p:cNvPr id="3" name="Content Placeholder 2"/>
+          <p:cNvSpPr>
+            <a:spLocks noGrp="1"/>
+          </p:cNvSpPr>
           <p:nvPr>
             <p:ph idx="1"/>
           </p:nvPr>
-        </p:nvPicPr>
-        <p:blipFill>
-          <a:blip r:embed="rId2">
-            <a:extLst>
-              <a:ext uri="{28A0092B-C50C-407E-A947-70E740481C1C}">
-                <a14:useLocalDpi xmlns:a14="http://schemas.microsoft.com/office/drawing/2010/main" val="0"/>
-              </a:ext>
-            </a:extLst>
-          </a:blip>
-          <a:stretch>
-            <a:fillRect/>
-          </a:stretch>
-        </p:blipFill>
-        <p:spPr>
-          <a:xfrm>
-            <a:off x="1154382" y="2118050"/>
-            <a:ext cx="9872587" cy="3406450"/>
-          </a:xfrm>
-        </p:spPr>
-      </p:pic>
+        </p:nvSpPr>
+        <p:spPr/>
+        <p:txBody>
+          <a:bodyPr/>
+          <a:lstStyle/>
+          <a:p>
+            <a:pPr marL="36900" indent="0">
+              <a:buNone/>
+            </a:pPr>
+            <a:r>
+              <a:rPr lang="en-US" dirty="0" smtClean="0"/>
+              <a:t>Expectations of results:</a:t>
+            </a:r>
+          </a:p>
+          <a:p>
+            <a:pPr>
+              <a:buFont typeface="Arial" charset="0"/>
+              <a:buChar char="•"/>
+            </a:pPr>
+            <a:r>
+              <a:rPr lang="en-US" dirty="0" smtClean="0"/>
+              <a:t>Training dataset</a:t>
+            </a:r>
+          </a:p>
+          <a:p>
+            <a:pPr lvl="1">
+              <a:buFont typeface="Arial" charset="0"/>
+              <a:buChar char="•"/>
+            </a:pPr>
+            <a:r>
+              <a:rPr lang="en-US" dirty="0" smtClean="0"/>
+              <a:t>Better than random</a:t>
+            </a:r>
+          </a:p>
+          <a:p>
+            <a:pPr>
+              <a:buFont typeface="Arial" charset="0"/>
+              <a:buChar char="•"/>
+            </a:pPr>
+            <a:r>
+              <a:rPr lang="en-US" dirty="0" smtClean="0"/>
+              <a:t>In-group dataset</a:t>
+            </a:r>
+          </a:p>
+          <a:p>
+            <a:pPr lvl="1">
+              <a:buFont typeface="Arial" charset="0"/>
+              <a:buChar char="•"/>
+            </a:pPr>
+            <a:r>
+              <a:rPr lang="en-US" dirty="0" smtClean="0"/>
+              <a:t>(Much) better than random</a:t>
+            </a:r>
+          </a:p>
+          <a:p>
+            <a:pPr>
+              <a:buFont typeface="Arial" charset="0"/>
+              <a:buChar char="•"/>
+            </a:pPr>
+            <a:r>
+              <a:rPr lang="en-US" dirty="0" smtClean="0"/>
+              <a:t>Out-group dataset</a:t>
+            </a:r>
+          </a:p>
+          <a:p>
+            <a:pPr lvl="1">
+              <a:buFont typeface="Arial" charset="0"/>
+              <a:buChar char="•"/>
+            </a:pPr>
+            <a:r>
+              <a:rPr lang="en-US" dirty="0" smtClean="0"/>
+              <a:t>About random</a:t>
+            </a:r>
+            <a:endParaRPr lang="en-US" dirty="0"/>
+          </a:p>
+        </p:txBody>
+      </p:sp>
     </p:spTree>
     <p:extLst>
       <p:ext uri="{BB962C8B-B14F-4D97-AF65-F5344CB8AC3E}">
-        <p14:creationId xmlns:p14="http://schemas.microsoft.com/office/powerpoint/2010/main" val="1679131705"/>
+        <p14:creationId xmlns:p14="http://schemas.microsoft.com/office/powerpoint/2010/main" val="1062321259"/>
       </p:ext>
     </p:extLst>
   </p:cSld>
@@ -8692,7 +10016,7 @@
           <a:p>
             <a:r>
               <a:rPr lang="en-US" dirty="0" smtClean="0"/>
-              <a:t>Neural Networks</a:t>
+              <a:t>Feature Selection</a:t>
             </a:r>
             <a:endParaRPr lang="en-US" dirty="0"/>
           </a:p>
@@ -8710,9 +10034,153 @@
         </p:nvSpPr>
         <p:spPr/>
         <p:txBody>
-          <a:bodyPr/>
-          <a:lstStyle/>
-          <a:p>
+          <a:bodyPr numCol="2">
+            <a:normAutofit/>
+          </a:bodyPr>
+          <a:lstStyle/>
+          <a:p>
+            <a:pPr>
+              <a:buFont typeface="Arial" charset="0"/>
+              <a:buChar char="•"/>
+            </a:pPr>
+            <a:r>
+              <a:rPr lang="en-US" dirty="0" smtClean="0"/>
+              <a:t>average  </a:t>
+            </a:r>
+            <a:r>
+              <a:rPr lang="en-US" dirty="0"/>
+              <a:t>word  </a:t>
+            </a:r>
+            <a:r>
+              <a:rPr lang="en-US" dirty="0" smtClean="0"/>
+              <a:t>length</a:t>
+            </a:r>
+          </a:p>
+          <a:p>
+            <a:pPr>
+              <a:buFont typeface="Arial" charset="0"/>
+              <a:buChar char="•"/>
+            </a:pPr>
+            <a:r>
+              <a:rPr lang="en-US" dirty="0" smtClean="0"/>
+              <a:t>average  </a:t>
+            </a:r>
+            <a:r>
+              <a:rPr lang="en-US" dirty="0"/>
+              <a:t>sentence  </a:t>
+            </a:r>
+            <a:r>
+              <a:rPr lang="en-US" dirty="0" smtClean="0"/>
+              <a:t>length</a:t>
+            </a:r>
+          </a:p>
+          <a:p>
+            <a:pPr>
+              <a:buFont typeface="Arial" charset="0"/>
+              <a:buChar char="•"/>
+            </a:pPr>
+            <a:r>
+              <a:rPr lang="en-US" dirty="0" smtClean="0"/>
+              <a:t>most  </a:t>
+            </a:r>
+            <a:r>
+              <a:rPr lang="en-US" dirty="0"/>
+              <a:t>unique  </a:t>
+            </a:r>
+            <a:r>
+              <a:rPr lang="en-US" dirty="0" smtClean="0"/>
+              <a:t>words</a:t>
+            </a:r>
+          </a:p>
+          <a:p>
+            <a:pPr>
+              <a:buFont typeface="Arial" charset="0"/>
+              <a:buChar char="•"/>
+            </a:pPr>
+            <a:r>
+              <a:rPr lang="en-US" dirty="0" smtClean="0"/>
+              <a:t>most  </a:t>
+            </a:r>
+            <a:r>
+              <a:rPr lang="en-US" dirty="0"/>
+              <a:t>common  </a:t>
+            </a:r>
+            <a:r>
+              <a:rPr lang="en-US" dirty="0" smtClean="0"/>
+              <a:t>words</a:t>
+            </a:r>
+          </a:p>
+          <a:p>
+            <a:pPr>
+              <a:buFont typeface="Arial" charset="0"/>
+              <a:buChar char="•"/>
+            </a:pPr>
+            <a:r>
+              <a:rPr lang="en-US" dirty="0" smtClean="0"/>
+              <a:t>most  </a:t>
+            </a:r>
+            <a:r>
+              <a:rPr lang="en-US" dirty="0"/>
+              <a:t>common  first  </a:t>
+            </a:r>
+            <a:r>
+              <a:rPr lang="en-US" dirty="0" smtClean="0"/>
+              <a:t>word</a:t>
+            </a:r>
+          </a:p>
+          <a:p>
+            <a:pPr>
+              <a:buFont typeface="Arial" charset="0"/>
+              <a:buChar char="•"/>
+            </a:pPr>
+            <a:r>
+              <a:rPr lang="en-US" dirty="0" smtClean="0"/>
+              <a:t>sentence </a:t>
+            </a:r>
+            <a:r>
+              <a:rPr lang="en-US" dirty="0"/>
+              <a:t>length </a:t>
+            </a:r>
+            <a:r>
+              <a:rPr lang="en-US" dirty="0" smtClean="0"/>
+              <a:t>frequencies</a:t>
+            </a:r>
+          </a:p>
+          <a:p>
+            <a:pPr>
+              <a:buFont typeface="Arial" charset="0"/>
+              <a:buChar char="•"/>
+            </a:pPr>
+            <a:r>
+              <a:rPr lang="en-US" dirty="0" smtClean="0"/>
+              <a:t>word </a:t>
+            </a:r>
+            <a:r>
+              <a:rPr lang="en-US" dirty="0"/>
+              <a:t>length </a:t>
+            </a:r>
+            <a:r>
+              <a:rPr lang="en-US" dirty="0" smtClean="0"/>
+              <a:t>frequencies</a:t>
+            </a:r>
+          </a:p>
+          <a:p>
+            <a:pPr>
+              <a:buFont typeface="Arial" charset="0"/>
+              <a:buChar char="•"/>
+            </a:pPr>
+            <a:r>
+              <a:rPr lang="en-US" dirty="0" smtClean="0"/>
+              <a:t>character  </a:t>
+            </a:r>
+            <a:r>
+              <a:rPr lang="en-US" dirty="0"/>
+              <a:t>and  word  n-grams  of  various  </a:t>
+            </a:r>
+            <a:r>
+              <a:rPr lang="en-US" dirty="0" smtClean="0"/>
+              <a:t>lengths</a:t>
+            </a:r>
             <a:endParaRPr lang="en-US" dirty="0"/>
           </a:p>
         </p:txBody>
@@ -8720,13 +10188,20 @@
     </p:spTree>
     <p:extLst>
       <p:ext uri="{BB962C8B-B14F-4D97-AF65-F5344CB8AC3E}">
-        <p14:creationId xmlns:p14="http://schemas.microsoft.com/office/powerpoint/2010/main" val="297738534"/>
+        <p14:creationId xmlns:p14="http://schemas.microsoft.com/office/powerpoint/2010/main" val="1804419250"/>
       </p:ext>
     </p:extLst>
   </p:cSld>
   <p:clrMapOvr>
     <a:masterClrMapping/>
   </p:clrMapOvr>
+  <p:timing>
+    <p:tnLst>
+      <p:par>
+        <p:cTn id="1" dur="indefinite" restart="never" nodeType="tmRoot"/>
+      </p:par>
+    </p:tnLst>
+  </p:timing>
 </p:sld>
 </file>
 
@@ -8763,31 +10238,481 @@
           <a:lstStyle/>
           <a:p>
             <a:r>
+              <a:rPr lang="en-US" dirty="0"/>
+              <a:t>Feature Selection</a:t>
+            </a:r>
+            <a:endParaRPr lang="en-US" dirty="0"/>
+          </a:p>
+        </p:txBody>
+      </p:sp>
+      <p:sp>
+        <p:nvSpPr>
+          <p:cNvPr id="3" name="Content Placeholder 2"/>
+          <p:cNvSpPr>
+            <a:spLocks noGrp="1"/>
+          </p:cNvSpPr>
+          <p:nvPr>
+            <p:ph idx="1"/>
+          </p:nvPr>
+        </p:nvSpPr>
+        <p:spPr/>
+        <p:txBody>
+          <a:bodyPr numCol="2">
+            <a:normAutofit/>
+          </a:bodyPr>
+          <a:lstStyle/>
+          <a:p>
+            <a:pPr lvl="0">
+              <a:buClr>
+                <a:srgbClr val="DADADA"/>
+              </a:buClr>
+              <a:buFont typeface="Arial" charset="0"/>
+              <a:buChar char="•"/>
+            </a:pPr>
+            <a:r>
+              <a:rPr lang="en-US" dirty="0">
+                <a:ln>
+                  <a:solidFill>
+                    <a:prstClr val="black">
+                      <a:lumMod val="75000"/>
+                      <a:lumOff val="25000"/>
+                      <a:alpha val="10000"/>
+                    </a:prstClr>
+                  </a:solidFill>
+                </a:ln>
+                <a:solidFill>
+                  <a:srgbClr val="DADADA"/>
+                </a:solidFill>
+                <a:effectLst>
+                  <a:outerShdw blurRad="9525" dist="25400" dir="14640000" algn="tl" rotWithShape="0">
+                    <a:prstClr val="black">
+                      <a:alpha val="30000"/>
+                    </a:prstClr>
+                  </a:outerShdw>
+                </a:effectLst>
+              </a:rPr>
+              <a:t>average  word  length</a:t>
+            </a:r>
+          </a:p>
+          <a:p>
+            <a:pPr lvl="0">
+              <a:buClr>
+                <a:srgbClr val="DADADA"/>
+              </a:buClr>
+              <a:buFont typeface="Arial" charset="0"/>
+              <a:buChar char="•"/>
+            </a:pPr>
+            <a:r>
+              <a:rPr lang="en-US" dirty="0">
+                <a:ln>
+                  <a:solidFill>
+                    <a:prstClr val="black">
+                      <a:lumMod val="75000"/>
+                      <a:lumOff val="25000"/>
+                      <a:alpha val="10000"/>
+                    </a:prstClr>
+                  </a:solidFill>
+                </a:ln>
+                <a:solidFill>
+                  <a:srgbClr val="DADADA"/>
+                </a:solidFill>
+                <a:effectLst>
+                  <a:outerShdw blurRad="9525" dist="25400" dir="14640000" algn="tl" rotWithShape="0">
+                    <a:prstClr val="black">
+                      <a:alpha val="30000"/>
+                    </a:prstClr>
+                  </a:outerShdw>
+                </a:effectLst>
+              </a:rPr>
+              <a:t>average  sentence  length</a:t>
+            </a:r>
+          </a:p>
+          <a:p>
+            <a:pPr lvl="0">
+              <a:buClr>
+                <a:srgbClr val="DADADA"/>
+              </a:buClr>
+              <a:buFont typeface="Arial" charset="0"/>
+              <a:buChar char="•"/>
+            </a:pPr>
+            <a:r>
+              <a:rPr lang="en-US" dirty="0">
+                <a:ln>
+                  <a:solidFill>
+                    <a:prstClr val="black">
+                      <a:lumMod val="75000"/>
+                      <a:lumOff val="25000"/>
+                      <a:alpha val="10000"/>
+                    </a:prstClr>
+                  </a:solidFill>
+                </a:ln>
+                <a:solidFill>
+                  <a:srgbClr val="DADADA"/>
+                </a:solidFill>
+                <a:effectLst>
+                  <a:outerShdw blurRad="9525" dist="25400" dir="14640000" algn="tl" rotWithShape="0">
+                    <a:prstClr val="black">
+                      <a:alpha val="30000"/>
+                    </a:prstClr>
+                  </a:outerShdw>
+                </a:effectLst>
+              </a:rPr>
+              <a:t>most  unique  words</a:t>
+            </a:r>
+          </a:p>
+          <a:p>
+            <a:pPr lvl="0">
+              <a:buClr>
+                <a:srgbClr val="DADADA"/>
+              </a:buClr>
+              <a:buFont typeface="Arial" charset="0"/>
+              <a:buChar char="•"/>
+            </a:pPr>
+            <a:r>
+              <a:rPr lang="en-US" dirty="0">
+                <a:ln>
+                  <a:solidFill>
+                    <a:prstClr val="black">
+                      <a:lumMod val="75000"/>
+                      <a:lumOff val="25000"/>
+                      <a:alpha val="10000"/>
+                    </a:prstClr>
+                  </a:solidFill>
+                </a:ln>
+                <a:solidFill>
+                  <a:srgbClr val="DADADA"/>
+                </a:solidFill>
+                <a:effectLst>
+                  <a:outerShdw blurRad="9525" dist="25400" dir="14640000" algn="tl" rotWithShape="0">
+                    <a:prstClr val="black">
+                      <a:alpha val="30000"/>
+                    </a:prstClr>
+                  </a:outerShdw>
+                </a:effectLst>
+              </a:rPr>
+              <a:t>most  common  words</a:t>
+            </a:r>
+          </a:p>
+          <a:p>
+            <a:pPr lvl="0">
+              <a:buClr>
+                <a:srgbClr val="DADADA"/>
+              </a:buClr>
+              <a:buFont typeface="Arial" charset="0"/>
+              <a:buChar char="•"/>
+            </a:pPr>
+            <a:r>
+              <a:rPr lang="en-US" dirty="0">
+                <a:ln>
+                  <a:solidFill>
+                    <a:prstClr val="black">
+                      <a:lumMod val="75000"/>
+                      <a:lumOff val="25000"/>
+                      <a:alpha val="10000"/>
+                    </a:prstClr>
+                  </a:solidFill>
+                </a:ln>
+                <a:solidFill>
+                  <a:srgbClr val="DADADA"/>
+                </a:solidFill>
+                <a:effectLst>
+                  <a:outerShdw blurRad="9525" dist="25400" dir="14640000" algn="tl" rotWithShape="0">
+                    <a:prstClr val="black">
+                      <a:alpha val="30000"/>
+                    </a:prstClr>
+                  </a:outerShdw>
+                </a:effectLst>
+              </a:rPr>
+              <a:t>most  common  first  word</a:t>
+            </a:r>
+          </a:p>
+          <a:p>
+            <a:pPr lvl="0">
+              <a:buClr>
+                <a:srgbClr val="DADADA"/>
+              </a:buClr>
+              <a:buFont typeface="Arial" charset="0"/>
+              <a:buChar char="•"/>
+            </a:pPr>
+            <a:r>
+              <a:rPr lang="en-US" dirty="0">
+                <a:ln>
+                  <a:solidFill>
+                    <a:prstClr val="black">
+                      <a:lumMod val="75000"/>
+                      <a:lumOff val="25000"/>
+                      <a:alpha val="10000"/>
+                    </a:prstClr>
+                  </a:solidFill>
+                </a:ln>
+                <a:solidFill>
+                  <a:srgbClr val="DADADA"/>
+                </a:solidFill>
+                <a:effectLst>
+                  <a:outerShdw blurRad="9525" dist="25400" dir="14640000" algn="tl" rotWithShape="0">
+                    <a:prstClr val="black">
+                      <a:alpha val="30000"/>
+                    </a:prstClr>
+                  </a:outerShdw>
+                </a:effectLst>
+              </a:rPr>
+              <a:t>sentence length frequencies</a:t>
+            </a:r>
+          </a:p>
+          <a:p>
+            <a:pPr lvl="0">
+              <a:buClr>
+                <a:srgbClr val="DADADA"/>
+              </a:buClr>
+              <a:buFont typeface="Arial" charset="0"/>
+              <a:buChar char="•"/>
+            </a:pPr>
+            <a:r>
+              <a:rPr lang="en-US" dirty="0">
+                <a:ln>
+                  <a:solidFill>
+                    <a:prstClr val="black">
+                      <a:lumMod val="75000"/>
+                      <a:lumOff val="25000"/>
+                      <a:alpha val="10000"/>
+                    </a:prstClr>
+                  </a:solidFill>
+                </a:ln>
+                <a:solidFill>
+                  <a:srgbClr val="DADADA"/>
+                </a:solidFill>
+                <a:effectLst>
+                  <a:outerShdw blurRad="9525" dist="25400" dir="14640000" algn="tl" rotWithShape="0">
+                    <a:prstClr val="black">
+                      <a:alpha val="30000"/>
+                    </a:prstClr>
+                  </a:outerShdw>
+                </a:effectLst>
+              </a:rPr>
+              <a:t>word length frequencies</a:t>
+            </a:r>
+          </a:p>
+          <a:p>
+            <a:pPr lvl="0">
+              <a:buClr>
+                <a:srgbClr val="DADADA"/>
+              </a:buClr>
+              <a:buFont typeface="Arial" charset="0"/>
+              <a:buChar char="•"/>
+            </a:pPr>
+            <a:r>
+              <a:rPr lang="en-US" dirty="0">
+                <a:ln>
+                  <a:solidFill>
+                    <a:prstClr val="black">
+                      <a:lumMod val="75000"/>
+                      <a:lumOff val="25000"/>
+                      <a:alpha val="10000"/>
+                    </a:prstClr>
+                  </a:solidFill>
+                </a:ln>
+                <a:solidFill>
+                  <a:srgbClr val="DADADA"/>
+                </a:solidFill>
+                <a:effectLst>
+                  <a:outerShdw blurRad="9525" dist="25400" dir="14640000" algn="tl" rotWithShape="0">
+                    <a:prstClr val="black">
+                      <a:alpha val="30000"/>
+                    </a:prstClr>
+                  </a:outerShdw>
+                </a:effectLst>
+              </a:rPr>
+              <a:t>character  and  word  n-grams  of  various  lengths</a:t>
+            </a:r>
+            <a:endParaRPr lang="en-US" dirty="0">
+              <a:ln>
+                <a:solidFill>
+                  <a:prstClr val="black">
+                    <a:lumMod val="75000"/>
+                    <a:lumOff val="25000"/>
+                    <a:alpha val="10000"/>
+                  </a:prstClr>
+                </a:solidFill>
+              </a:ln>
+              <a:solidFill>
+                <a:srgbClr val="DADADA"/>
+              </a:solidFill>
+              <a:effectLst>
+                <a:outerShdw blurRad="9525" dist="25400" dir="14640000" algn="tl" rotWithShape="0">
+                  <a:prstClr val="black">
+                    <a:alpha val="30000"/>
+                  </a:prstClr>
+                </a:outerShdw>
+              </a:effectLst>
+            </a:endParaRPr>
+          </a:p>
+        </p:txBody>
+      </p:sp>
+      <p:sp>
+        <p:nvSpPr>
+          <p:cNvPr id="5" name="Oval 4"/>
+          <p:cNvSpPr/>
+          <p:nvPr/>
+        </p:nvSpPr>
+        <p:spPr>
+          <a:xfrm>
+            <a:off x="608994" y="3761824"/>
+            <a:ext cx="4131171" cy="1187669"/>
+          </a:xfrm>
+          <a:prstGeom prst="ellipse">
+            <a:avLst/>
+          </a:prstGeom>
+          <a:noFill/>
+          <a:ln w="31750">
+            <a:solidFill>
+              <a:srgbClr val="73FB79"/>
+            </a:solidFill>
+          </a:ln>
+        </p:spPr>
+        <p:style>
+          <a:lnRef idx="2">
+            <a:schemeClr val="accent1">
+              <a:shade val="50000"/>
+            </a:schemeClr>
+          </a:lnRef>
+          <a:fillRef idx="1">
+            <a:schemeClr val="accent1"/>
+          </a:fillRef>
+          <a:effectRef idx="0">
+            <a:schemeClr val="accent1"/>
+          </a:effectRef>
+          <a:fontRef idx="minor">
+            <a:schemeClr val="lt1"/>
+          </a:fontRef>
+        </p:style>
+        <p:txBody>
+          <a:bodyPr rtlCol="0" anchor="ctr"/>
+          <a:lstStyle/>
+          <a:p>
+            <a:pPr algn="ctr"/>
+            <a:endParaRPr lang="en-US"/>
+          </a:p>
+        </p:txBody>
+      </p:sp>
+      <p:pic>
+        <p:nvPicPr>
+          <p:cNvPr id="15" name="Picture 14"/>
+          <p:cNvPicPr>
+            <a:picLocks noChangeAspect="1"/>
+          </p:cNvPicPr>
+          <p:nvPr/>
+        </p:nvPicPr>
+        <p:blipFill rotWithShape="1">
+          <a:blip r:embed="rId2">
+            <a:extLst>
+              <a:ext uri="{28A0092B-C50C-407E-A947-70E740481C1C}">
+                <a14:useLocalDpi xmlns:a14="http://schemas.microsoft.com/office/drawing/2010/main" val="0"/>
+              </a:ext>
+            </a:extLst>
+          </a:blip>
+          <a:srcRect t="28593"/>
+          <a:stretch/>
+        </p:blipFill>
+        <p:spPr>
+          <a:xfrm>
+            <a:off x="7320990" y="1453926"/>
+            <a:ext cx="3825162" cy="2569500"/>
+          </a:xfrm>
+          <a:prstGeom prst="rect">
+            <a:avLst/>
+          </a:prstGeom>
+        </p:spPr>
+      </p:pic>
+      <p:pic>
+        <p:nvPicPr>
+          <p:cNvPr id="16" name="Picture 15"/>
+          <p:cNvPicPr>
+            <a:picLocks noChangeAspect="1"/>
+          </p:cNvPicPr>
+          <p:nvPr/>
+        </p:nvPicPr>
+        <p:blipFill rotWithShape="1">
+          <a:blip r:embed="rId3">
+            <a:extLst>
+              <a:ext uri="{28A0092B-C50C-407E-A947-70E740481C1C}">
+                <a14:useLocalDpi xmlns:a14="http://schemas.microsoft.com/office/drawing/2010/main" val="0"/>
+              </a:ext>
+            </a:extLst>
+          </a:blip>
+          <a:srcRect t="27152"/>
+          <a:stretch/>
+        </p:blipFill>
+        <p:spPr>
+          <a:xfrm>
+            <a:off x="7320991" y="4094963"/>
+            <a:ext cx="3825162" cy="2522424"/>
+          </a:xfrm>
+          <a:prstGeom prst="rect">
+            <a:avLst/>
+          </a:prstGeom>
+        </p:spPr>
+      </p:pic>
+      <p:sp>
+        <p:nvSpPr>
+          <p:cNvPr id="22" name="TextBox 21"/>
+          <p:cNvSpPr txBox="1"/>
+          <p:nvPr/>
+        </p:nvSpPr>
+        <p:spPr>
+          <a:xfrm>
+            <a:off x="5796990" y="3135865"/>
+            <a:ext cx="1524000" cy="923330"/>
+          </a:xfrm>
+          <a:prstGeom prst="rect">
+            <a:avLst/>
+          </a:prstGeom>
+          <a:noFill/>
+        </p:spPr>
+        <p:txBody>
+          <a:bodyPr wrap="square" rtlCol="0">
+            <a:spAutoFit/>
+          </a:bodyPr>
+          <a:lstStyle/>
+          <a:p>
+            <a:pPr algn="ctr"/>
+            <a:r>
               <a:rPr lang="en-US" dirty="0" smtClean="0"/>
-              <a:t>Results</a:t>
-            </a:r>
-            <a:endParaRPr lang="en-US" dirty="0"/>
-          </a:p>
-        </p:txBody>
-      </p:sp>
-      <p:sp>
-        <p:nvSpPr>
-          <p:cNvPr id="3" name="Content Placeholder 2"/>
-          <p:cNvSpPr>
-            <a:spLocks noGrp="1"/>
-          </p:cNvSpPr>
-          <p:nvPr>
-            <p:ph idx="1"/>
-          </p:nvPr>
-        </p:nvSpPr>
-        <p:spPr/>
-        <p:txBody>
-          <a:bodyPr/>
-          <a:lstStyle/>
-          <a:p>
+              <a:t>Same Author &amp; Different Work</a:t>
+            </a:r>
+            <a:endParaRPr lang="en-US" dirty="0"/>
+          </a:p>
+        </p:txBody>
+      </p:sp>
+      <p:sp>
+        <p:nvSpPr>
+          <p:cNvPr id="23" name="TextBox 22"/>
+          <p:cNvSpPr txBox="1"/>
+          <p:nvPr/>
+        </p:nvSpPr>
+        <p:spPr>
+          <a:xfrm>
+            <a:off x="5901559" y="5488595"/>
+            <a:ext cx="1524000" cy="1200329"/>
+          </a:xfrm>
+          <a:prstGeom prst="rect">
+            <a:avLst/>
+          </a:prstGeom>
+          <a:noFill/>
+        </p:spPr>
+        <p:txBody>
+          <a:bodyPr wrap="square" rtlCol="0">
+            <a:spAutoFit/>
+          </a:bodyPr>
+          <a:lstStyle/>
+          <a:p>
+            <a:pPr algn="ctr"/>
             <a:r>
               <a:rPr lang="en-US" dirty="0" smtClean="0"/>
-              <a:t>Include table from paper maybe?</a:t>
+              <a:t>Different Authors </a:t>
+            </a:r>
+            <a:r>
+              <a:rPr lang="en-US" smtClean="0"/>
+              <a:t>&amp; Different Works</a:t>
             </a:r>
             <a:endParaRPr lang="en-US" dirty="0"/>
           </a:p>
@@ -8796,13 +10721,20 @@
     </p:spTree>
     <p:extLst>
       <p:ext uri="{BB962C8B-B14F-4D97-AF65-F5344CB8AC3E}">
-        <p14:creationId xmlns:p14="http://schemas.microsoft.com/office/powerpoint/2010/main" val="1240131665"/>
+        <p14:creationId xmlns:p14="http://schemas.microsoft.com/office/powerpoint/2010/main" val="2110129157"/>
       </p:ext>
     </p:extLst>
   </p:cSld>
   <p:clrMapOvr>
     <a:masterClrMapping/>
   </p:clrMapOvr>
+  <p:timing>
+    <p:tnLst>
+      <p:par>
+        <p:cTn id="1" dur="indefinite" restart="never" nodeType="tmRoot"/>
+      </p:par>
+    </p:tnLst>
+  </p:timing>
 </p:sld>
 </file>
 

--- a/ai_project_presentation.pptx
+++ b/ai_project_presentation.pptx
@@ -7450,7 +7450,65 @@
             </a:r>
             <a:r>
               <a:rPr lang="is-IS" dirty="0" smtClean="0"/>
-              <a:t>ests show a neural network approach is feasible</a:t>
+              <a:t>ests show our neural network approach is feasible but </a:t>
+            </a:r>
+            <a:r>
+              <a:rPr lang="is-IS" smtClean="0"/>
+              <a:t>could likely be </a:t>
+            </a:r>
+            <a:r>
+              <a:rPr lang="is-IS" dirty="0" smtClean="0"/>
+              <a:t>improved by</a:t>
+            </a:r>
+          </a:p>
+          <a:p>
+            <a:pPr lvl="2">
+              <a:buFont typeface="Arial" charset="0"/>
+              <a:buChar char="•"/>
+            </a:pPr>
+            <a:r>
+              <a:rPr lang="en-US" dirty="0" smtClean="0"/>
+              <a:t>discovering and extracting </a:t>
+            </a:r>
+            <a:r>
+              <a:rPr lang="en-US" dirty="0"/>
+              <a:t>more meaningful </a:t>
+            </a:r>
+            <a:r>
+              <a:rPr lang="en-US" dirty="0" smtClean="0"/>
+              <a:t>features</a:t>
+            </a:r>
+          </a:p>
+          <a:p>
+            <a:pPr lvl="2">
+              <a:buFont typeface="Arial" charset="0"/>
+              <a:buChar char="•"/>
+            </a:pPr>
+            <a:r>
+              <a:rPr lang="en-US" dirty="0" smtClean="0"/>
+              <a:t>testing </a:t>
+            </a:r>
+            <a:r>
+              <a:rPr lang="en-US" dirty="0"/>
+              <a:t>the feasibility of different neural network </a:t>
+            </a:r>
+            <a:r>
+              <a:rPr lang="en-US" dirty="0" smtClean="0"/>
+              <a:t>configurations</a:t>
+            </a:r>
+          </a:p>
+          <a:p>
+            <a:pPr lvl="2">
+              <a:buFont typeface="Arial" charset="0"/>
+              <a:buChar char="•"/>
+            </a:pPr>
+            <a:r>
+              <a:rPr lang="en-US" dirty="0" smtClean="0"/>
+              <a:t>investigating </a:t>
+            </a:r>
+            <a:r>
+              <a:rPr lang="en-US" dirty="0"/>
+              <a:t>the significance of corpus size. </a:t>
             </a:r>
             <a:endParaRPr lang="en-US" dirty="0"/>
           </a:p>
@@ -7689,7 +7747,7 @@
               <a:t>Oren, H., Christian, W., and Anika, P. (2016). </a:t>
             </a:r>
             <a:r>
-              <a:rPr lang="en-US" smtClean="0"/>
+              <a:rPr lang="en-US" dirty="0" smtClean="0"/>
               <a:t>“Authorship </a:t>
             </a:r>
             <a:r>
@@ -9677,6 +9735,159 @@
           </a:p>
         </p:txBody>
       </p:sp>
+      <p:pic>
+        <p:nvPicPr>
+          <p:cNvPr id="8" name="Picture 7"/>
+          <p:cNvPicPr>
+            <a:picLocks noChangeAspect="1"/>
+          </p:cNvPicPr>
+          <p:nvPr/>
+        </p:nvPicPr>
+        <p:blipFill>
+          <a:blip r:embed="rId2">
+            <a:extLst>
+              <a:ext uri="{28A0092B-C50C-407E-A947-70E740481C1C}">
+                <a14:useLocalDpi xmlns:a14="http://schemas.microsoft.com/office/drawing/2010/main" val="0"/>
+              </a:ext>
+            </a:extLst>
+          </a:blip>
+          <a:stretch>
+            <a:fillRect/>
+          </a:stretch>
+        </p:blipFill>
+        <p:spPr>
+          <a:xfrm>
+            <a:off x="613063" y="3262218"/>
+            <a:ext cx="2015794" cy="2528982"/>
+          </a:xfrm>
+          <a:prstGeom prst="rect">
+            <a:avLst/>
+          </a:prstGeom>
+        </p:spPr>
+      </p:pic>
+      <p:pic>
+        <p:nvPicPr>
+          <p:cNvPr id="9" name="Picture 8"/>
+          <p:cNvPicPr>
+            <a:picLocks noChangeAspect="1"/>
+          </p:cNvPicPr>
+          <p:nvPr/>
+        </p:nvPicPr>
+        <p:blipFill>
+          <a:blip r:embed="rId3">
+            <a:extLst>
+              <a:ext uri="{28A0092B-C50C-407E-A947-70E740481C1C}">
+                <a14:useLocalDpi xmlns:a14="http://schemas.microsoft.com/office/drawing/2010/main" val="0"/>
+              </a:ext>
+            </a:extLst>
+          </a:blip>
+          <a:stretch>
+            <a:fillRect/>
+          </a:stretch>
+        </p:blipFill>
+        <p:spPr>
+          <a:xfrm>
+            <a:off x="2942901" y="3850230"/>
+            <a:ext cx="969327" cy="969327"/>
+          </a:xfrm>
+          <a:prstGeom prst="rect">
+            <a:avLst/>
+          </a:prstGeom>
+        </p:spPr>
+      </p:pic>
+      <p:pic>
+        <p:nvPicPr>
+          <p:cNvPr id="10" name="Picture 9"/>
+          <p:cNvPicPr>
+            <a:picLocks noChangeAspect="1"/>
+          </p:cNvPicPr>
+          <p:nvPr/>
+        </p:nvPicPr>
+        <p:blipFill>
+          <a:blip r:embed="rId4">
+            <a:extLst>
+              <a:ext uri="{28A0092B-C50C-407E-A947-70E740481C1C}">
+                <a14:useLocalDpi xmlns:a14="http://schemas.microsoft.com/office/drawing/2010/main" val="0"/>
+              </a:ext>
+            </a:extLst>
+          </a:blip>
+          <a:stretch>
+            <a:fillRect/>
+          </a:stretch>
+        </p:blipFill>
+        <p:spPr>
+          <a:xfrm>
+            <a:off x="4259839" y="3261743"/>
+            <a:ext cx="1746757" cy="2529457"/>
+          </a:xfrm>
+          <a:prstGeom prst="rect">
+            <a:avLst/>
+          </a:prstGeom>
+        </p:spPr>
+      </p:pic>
+      <p:sp>
+        <p:nvSpPr>
+          <p:cNvPr id="11" name="TextBox 10"/>
+          <p:cNvSpPr txBox="1"/>
+          <p:nvPr/>
+        </p:nvSpPr>
+        <p:spPr>
+          <a:xfrm>
+            <a:off x="725213" y="5927834"/>
+            <a:ext cx="1734207" cy="369332"/>
+          </a:xfrm>
+          <a:prstGeom prst="rect">
+            <a:avLst/>
+          </a:prstGeom>
+          <a:noFill/>
+        </p:spPr>
+        <p:txBody>
+          <a:bodyPr wrap="square" rtlCol="0">
+            <a:spAutoFit/>
+          </a:bodyPr>
+          <a:lstStyle/>
+          <a:p>
+            <a:r>
+              <a:rPr lang="en-US" dirty="0" err="1"/>
+              <a:t>Wilkie</a:t>
+            </a:r>
+            <a:r>
+              <a:rPr lang="en-US" dirty="0"/>
+              <a:t>  Collins </a:t>
+            </a:r>
+          </a:p>
+        </p:txBody>
+      </p:sp>
+      <p:sp>
+        <p:nvSpPr>
+          <p:cNvPr id="12" name="TextBox 11"/>
+          <p:cNvSpPr txBox="1"/>
+          <p:nvPr/>
+        </p:nvSpPr>
+        <p:spPr>
+          <a:xfrm>
+            <a:off x="4272389" y="5927834"/>
+            <a:ext cx="1855142" cy="369332"/>
+          </a:xfrm>
+          <a:prstGeom prst="rect">
+            <a:avLst/>
+          </a:prstGeom>
+          <a:noFill/>
+        </p:spPr>
+        <p:txBody>
+          <a:bodyPr wrap="square" rtlCol="0">
+            <a:spAutoFit/>
+          </a:bodyPr>
+          <a:lstStyle/>
+          <a:p>
+            <a:r>
+              <a:rPr lang="en-US" dirty="0"/>
+              <a:t>Edith  Wharton</a:t>
+            </a:r>
+            <a:endParaRPr lang="en-US" dirty="0"/>
+          </a:p>
+        </p:txBody>
+      </p:sp>
     </p:spTree>
     <p:extLst>
       <p:ext uri="{BB962C8B-B14F-4D97-AF65-F5344CB8AC3E}">
@@ -9729,6 +9940,7 @@
           <a:bodyPr/>
           <a:lstStyle/>
           <a:p>
+            <a:pPr algn="l"/>
             <a:r>
               <a:rPr lang="en-US" dirty="0"/>
               <a:t>Data Grouping</a:t>
@@ -9830,6 +10042,36 @@
           </a:p>
         </p:txBody>
       </p:sp>
+      <p:pic>
+        <p:nvPicPr>
+          <p:cNvPr id="5" name="Picture 4"/>
+          <p:cNvPicPr>
+            <a:picLocks noChangeAspect="1"/>
+          </p:cNvPicPr>
+          <p:nvPr/>
+        </p:nvPicPr>
+        <p:blipFill>
+          <a:blip r:embed="rId2">
+            <a:extLst>
+              <a:ext uri="{28A0092B-C50C-407E-A947-70E740481C1C}">
+                <a14:useLocalDpi xmlns:a14="http://schemas.microsoft.com/office/drawing/2010/main" val="0"/>
+              </a:ext>
+            </a:extLst>
+          </a:blip>
+          <a:stretch>
+            <a:fillRect/>
+          </a:stretch>
+        </p:blipFill>
+        <p:spPr>
+          <a:xfrm>
+            <a:off x="8107855" y="782583"/>
+            <a:ext cx="3595164" cy="5702300"/>
+          </a:xfrm>
+          <a:prstGeom prst="rect">
+            <a:avLst/>
+          </a:prstGeom>
+        </p:spPr>
+      </p:pic>
     </p:spTree>
     <p:extLst>
       <p:ext uri="{BB962C8B-B14F-4D97-AF65-F5344CB8AC3E}">

--- a/ai_project_presentation.pptx
+++ b/ai_project_presentation.pptx
@@ -256,7 +256,7 @@
           <a:p>
             <a:fld id="{0887EE72-4D28-B64D-B4B9-0C77F6B66733}" type="datetimeFigureOut">
               <a:rPr lang="en-US" smtClean="0"/>
-              <a:t>4/24/16</a:t>
+              <a:t>4/25/16</a:t>
             </a:fld>
             <a:endParaRPr lang="en-US"/>
           </a:p>
@@ -634,6 +634,19 @@
               <a:rPr lang="en-US" dirty="0" err="1" smtClean="0"/>
               <a:t>authorattributionsite</a:t>
             </a:r>
+            <a:endParaRPr lang="en-US" dirty="0" smtClean="0"/>
+          </a:p>
+          <a:p>
+            <a:endParaRPr lang="en-US" dirty="0" smtClean="0"/>
+          </a:p>
+          <a:p>
+            <a:endParaRPr lang="en-US" dirty="0" smtClean="0"/>
+          </a:p>
+          <a:p>
+            <a:r>
+              <a:rPr lang="en-US" dirty="0" smtClean="0"/>
+              <a:t>Brady here</a:t>
+            </a:r>
             <a:endParaRPr lang="en-US" dirty="0"/>
           </a:p>
         </p:txBody>
@@ -665,6 +678,182 @@
     <p:extLst>
       <p:ext uri="{BB962C8B-B14F-4D97-AF65-F5344CB8AC3E}">
         <p14:creationId xmlns:p14="http://schemas.microsoft.com/office/powerpoint/2010/main" val="1120859546"/>
+      </p:ext>
+    </p:extLst>
+  </p:cSld>
+  <p:clrMapOvr>
+    <a:masterClrMapping/>
+  </p:clrMapOvr>
+</p:notes>
+</file>
+
+<file path=ppt/notesSlides/notesSlide10.xml><?xml version="1.0" encoding="utf-8"?>
+<p:notes xmlns:a="http://schemas.openxmlformats.org/drawingml/2006/main" xmlns:r="http://schemas.openxmlformats.org/officeDocument/2006/relationships" xmlns:p="http://schemas.openxmlformats.org/presentationml/2006/main">
+  <p:cSld>
+    <p:spTree>
+      <p:nvGrpSpPr>
+        <p:cNvPr id="1" name=""/>
+        <p:cNvGrpSpPr/>
+        <p:nvPr/>
+      </p:nvGrpSpPr>
+      <p:grpSpPr>
+        <a:xfrm>
+          <a:off x="0" y="0"/>
+          <a:ext cx="0" cy="0"/>
+          <a:chOff x="0" y="0"/>
+          <a:chExt cx="0" cy="0"/>
+        </a:xfrm>
+      </p:grpSpPr>
+      <p:sp>
+        <p:nvSpPr>
+          <p:cNvPr id="2" name="Slide Image Placeholder 1"/>
+          <p:cNvSpPr>
+            <a:spLocks noGrp="1" noRot="1" noChangeAspect="1"/>
+          </p:cNvSpPr>
+          <p:nvPr>
+            <p:ph type="sldImg"/>
+          </p:nvPr>
+        </p:nvSpPr>
+        <p:spPr/>
+      </p:sp>
+      <p:sp>
+        <p:nvSpPr>
+          <p:cNvPr id="3" name="Notes Placeholder 2"/>
+          <p:cNvSpPr>
+            <a:spLocks noGrp="1"/>
+          </p:cNvSpPr>
+          <p:nvPr>
+            <p:ph type="body" idx="1"/>
+          </p:nvPr>
+        </p:nvSpPr>
+        <p:spPr/>
+        <p:txBody>
+          <a:bodyPr/>
+          <a:lstStyle/>
+          <a:p>
+            <a:r>
+              <a:rPr lang="en-US" dirty="0" smtClean="0"/>
+              <a:t>matt</a:t>
+            </a:r>
+            <a:endParaRPr lang="en-US" dirty="0"/>
+          </a:p>
+        </p:txBody>
+      </p:sp>
+      <p:sp>
+        <p:nvSpPr>
+          <p:cNvPr id="4" name="Slide Number Placeholder 3"/>
+          <p:cNvSpPr>
+            <a:spLocks noGrp="1"/>
+          </p:cNvSpPr>
+          <p:nvPr>
+            <p:ph type="sldNum" sz="quarter" idx="10"/>
+          </p:nvPr>
+        </p:nvSpPr>
+        <p:spPr/>
+        <p:txBody>
+          <a:bodyPr/>
+          <a:lstStyle/>
+          <a:p>
+            <a:fld id="{53D707A1-1B9C-9244-B89C-5F515C41BB18}" type="slidenum">
+              <a:rPr lang="en-US" smtClean="0"/>
+              <a:t>15</a:t>
+            </a:fld>
+            <a:endParaRPr lang="en-US"/>
+          </a:p>
+        </p:txBody>
+      </p:sp>
+    </p:spTree>
+    <p:extLst>
+      <p:ext uri="{BB962C8B-B14F-4D97-AF65-F5344CB8AC3E}">
+        <p14:creationId xmlns:p14="http://schemas.microsoft.com/office/powerpoint/2010/main" val="1637314389"/>
+      </p:ext>
+    </p:extLst>
+  </p:cSld>
+  <p:clrMapOvr>
+    <a:masterClrMapping/>
+  </p:clrMapOvr>
+</p:notes>
+</file>
+
+<file path=ppt/notesSlides/notesSlide11.xml><?xml version="1.0" encoding="utf-8"?>
+<p:notes xmlns:a="http://schemas.openxmlformats.org/drawingml/2006/main" xmlns:r="http://schemas.openxmlformats.org/officeDocument/2006/relationships" xmlns:p="http://schemas.openxmlformats.org/presentationml/2006/main">
+  <p:cSld>
+    <p:spTree>
+      <p:nvGrpSpPr>
+        <p:cNvPr id="1" name=""/>
+        <p:cNvGrpSpPr/>
+        <p:nvPr/>
+      </p:nvGrpSpPr>
+      <p:grpSpPr>
+        <a:xfrm>
+          <a:off x="0" y="0"/>
+          <a:ext cx="0" cy="0"/>
+          <a:chOff x="0" y="0"/>
+          <a:chExt cx="0" cy="0"/>
+        </a:xfrm>
+      </p:grpSpPr>
+      <p:sp>
+        <p:nvSpPr>
+          <p:cNvPr id="2" name="Slide Image Placeholder 1"/>
+          <p:cNvSpPr>
+            <a:spLocks noGrp="1" noRot="1" noChangeAspect="1"/>
+          </p:cNvSpPr>
+          <p:nvPr>
+            <p:ph type="sldImg"/>
+          </p:nvPr>
+        </p:nvSpPr>
+        <p:spPr/>
+      </p:sp>
+      <p:sp>
+        <p:nvSpPr>
+          <p:cNvPr id="3" name="Notes Placeholder 2"/>
+          <p:cNvSpPr>
+            <a:spLocks noGrp="1"/>
+          </p:cNvSpPr>
+          <p:nvPr>
+            <p:ph type="body" idx="1"/>
+          </p:nvPr>
+        </p:nvSpPr>
+        <p:spPr/>
+        <p:txBody>
+          <a:bodyPr/>
+          <a:lstStyle/>
+          <a:p>
+            <a:r>
+              <a:rPr lang="en-US" dirty="0" smtClean="0"/>
+              <a:t>me</a:t>
+            </a:r>
+            <a:endParaRPr lang="en-US" dirty="0"/>
+          </a:p>
+        </p:txBody>
+      </p:sp>
+      <p:sp>
+        <p:nvSpPr>
+          <p:cNvPr id="4" name="Slide Number Placeholder 3"/>
+          <p:cNvSpPr>
+            <a:spLocks noGrp="1"/>
+          </p:cNvSpPr>
+          <p:nvPr>
+            <p:ph type="sldNum" sz="quarter" idx="10"/>
+          </p:nvPr>
+        </p:nvSpPr>
+        <p:spPr/>
+        <p:txBody>
+          <a:bodyPr/>
+          <a:lstStyle/>
+          <a:p>
+            <a:fld id="{53D707A1-1B9C-9244-B89C-5F515C41BB18}" type="slidenum">
+              <a:rPr lang="en-US" smtClean="0"/>
+              <a:t>16</a:t>
+            </a:fld>
+            <a:endParaRPr lang="en-US"/>
+          </a:p>
+        </p:txBody>
+      </p:sp>
+    </p:spTree>
+    <p:extLst>
+      <p:ext uri="{BB962C8B-B14F-4D97-AF65-F5344CB8AC3E}">
+        <p14:creationId xmlns:p14="http://schemas.microsoft.com/office/powerpoint/2010/main" val="487483265"/>
       </p:ext>
     </p:extLst>
   </p:cSld>
@@ -718,6 +907,14 @@
           <a:bodyPr/>
           <a:lstStyle/>
           <a:p>
+            <a:r>
+              <a:rPr lang="en-US" dirty="0" smtClean="0"/>
+              <a:t>Matt</a:t>
+            </a:r>
+            <a:r>
+              <a:rPr lang="en-US" baseline="0" dirty="0" smtClean="0"/>
+              <a:t> here</a:t>
+            </a:r>
             <a:endParaRPr lang="en-US" dirty="0"/>
           </a:p>
         </p:txBody>
@@ -749,6 +946,622 @@
     <p:extLst>
       <p:ext uri="{BB962C8B-B14F-4D97-AF65-F5344CB8AC3E}">
         <p14:creationId xmlns:p14="http://schemas.microsoft.com/office/powerpoint/2010/main" val="1592722310"/>
+      </p:ext>
+    </p:extLst>
+  </p:cSld>
+  <p:clrMapOvr>
+    <a:masterClrMapping/>
+  </p:clrMapOvr>
+</p:notes>
+</file>
+
+<file path=ppt/notesSlides/notesSlide3.xml><?xml version="1.0" encoding="utf-8"?>
+<p:notes xmlns:a="http://schemas.openxmlformats.org/drawingml/2006/main" xmlns:r="http://schemas.openxmlformats.org/officeDocument/2006/relationships" xmlns:p="http://schemas.openxmlformats.org/presentationml/2006/main">
+  <p:cSld>
+    <p:spTree>
+      <p:nvGrpSpPr>
+        <p:cNvPr id="1" name=""/>
+        <p:cNvGrpSpPr/>
+        <p:nvPr/>
+      </p:nvGrpSpPr>
+      <p:grpSpPr>
+        <a:xfrm>
+          <a:off x="0" y="0"/>
+          <a:ext cx="0" cy="0"/>
+          <a:chOff x="0" y="0"/>
+          <a:chExt cx="0" cy="0"/>
+        </a:xfrm>
+      </p:grpSpPr>
+      <p:sp>
+        <p:nvSpPr>
+          <p:cNvPr id="2" name="Slide Image Placeholder 1"/>
+          <p:cNvSpPr>
+            <a:spLocks noGrp="1" noRot="1" noChangeAspect="1"/>
+          </p:cNvSpPr>
+          <p:nvPr>
+            <p:ph type="sldImg"/>
+          </p:nvPr>
+        </p:nvSpPr>
+        <p:spPr/>
+      </p:sp>
+      <p:sp>
+        <p:nvSpPr>
+          <p:cNvPr id="3" name="Notes Placeholder 2"/>
+          <p:cNvSpPr>
+            <a:spLocks noGrp="1"/>
+          </p:cNvSpPr>
+          <p:nvPr>
+            <p:ph type="body" idx="1"/>
+          </p:nvPr>
+        </p:nvSpPr>
+        <p:spPr/>
+        <p:txBody>
+          <a:bodyPr/>
+          <a:lstStyle/>
+          <a:p>
+            <a:r>
+              <a:rPr lang="en-US" dirty="0" err="1" smtClean="0"/>
+              <a:t>brady</a:t>
+            </a:r>
+            <a:endParaRPr lang="en-US" dirty="0"/>
+          </a:p>
+        </p:txBody>
+      </p:sp>
+      <p:sp>
+        <p:nvSpPr>
+          <p:cNvPr id="4" name="Slide Number Placeholder 3"/>
+          <p:cNvSpPr>
+            <a:spLocks noGrp="1"/>
+          </p:cNvSpPr>
+          <p:nvPr>
+            <p:ph type="sldNum" sz="quarter" idx="10"/>
+          </p:nvPr>
+        </p:nvSpPr>
+        <p:spPr/>
+        <p:txBody>
+          <a:bodyPr/>
+          <a:lstStyle/>
+          <a:p>
+            <a:fld id="{53D707A1-1B9C-9244-B89C-5F515C41BB18}" type="slidenum">
+              <a:rPr lang="en-US" smtClean="0"/>
+              <a:t>8</a:t>
+            </a:fld>
+            <a:endParaRPr lang="en-US"/>
+          </a:p>
+        </p:txBody>
+      </p:sp>
+    </p:spTree>
+    <p:extLst>
+      <p:ext uri="{BB962C8B-B14F-4D97-AF65-F5344CB8AC3E}">
+        <p14:creationId xmlns:p14="http://schemas.microsoft.com/office/powerpoint/2010/main" val="2070268590"/>
+      </p:ext>
+    </p:extLst>
+  </p:cSld>
+  <p:clrMapOvr>
+    <a:masterClrMapping/>
+  </p:clrMapOvr>
+</p:notes>
+</file>
+
+<file path=ppt/notesSlides/notesSlide4.xml><?xml version="1.0" encoding="utf-8"?>
+<p:notes xmlns:a="http://schemas.openxmlformats.org/drawingml/2006/main" xmlns:r="http://schemas.openxmlformats.org/officeDocument/2006/relationships" xmlns:p="http://schemas.openxmlformats.org/presentationml/2006/main">
+  <p:cSld>
+    <p:spTree>
+      <p:nvGrpSpPr>
+        <p:cNvPr id="1" name=""/>
+        <p:cNvGrpSpPr/>
+        <p:nvPr/>
+      </p:nvGrpSpPr>
+      <p:grpSpPr>
+        <a:xfrm>
+          <a:off x="0" y="0"/>
+          <a:ext cx="0" cy="0"/>
+          <a:chOff x="0" y="0"/>
+          <a:chExt cx="0" cy="0"/>
+        </a:xfrm>
+      </p:grpSpPr>
+      <p:sp>
+        <p:nvSpPr>
+          <p:cNvPr id="2" name="Slide Image Placeholder 1"/>
+          <p:cNvSpPr>
+            <a:spLocks noGrp="1" noRot="1" noChangeAspect="1"/>
+          </p:cNvSpPr>
+          <p:nvPr>
+            <p:ph type="sldImg"/>
+          </p:nvPr>
+        </p:nvSpPr>
+        <p:spPr/>
+      </p:sp>
+      <p:sp>
+        <p:nvSpPr>
+          <p:cNvPr id="3" name="Notes Placeholder 2"/>
+          <p:cNvSpPr>
+            <a:spLocks noGrp="1"/>
+          </p:cNvSpPr>
+          <p:nvPr>
+            <p:ph type="body" idx="1"/>
+          </p:nvPr>
+        </p:nvSpPr>
+        <p:spPr/>
+        <p:txBody>
+          <a:bodyPr/>
+          <a:lstStyle/>
+          <a:p>
+            <a:r>
+              <a:rPr lang="en-US" dirty="0" smtClean="0"/>
+              <a:t>matt</a:t>
+            </a:r>
+            <a:endParaRPr lang="en-US" dirty="0"/>
+          </a:p>
+        </p:txBody>
+      </p:sp>
+      <p:sp>
+        <p:nvSpPr>
+          <p:cNvPr id="4" name="Slide Number Placeholder 3"/>
+          <p:cNvSpPr>
+            <a:spLocks noGrp="1"/>
+          </p:cNvSpPr>
+          <p:nvPr>
+            <p:ph type="sldNum" sz="quarter" idx="10"/>
+          </p:nvPr>
+        </p:nvSpPr>
+        <p:spPr/>
+        <p:txBody>
+          <a:bodyPr/>
+          <a:lstStyle/>
+          <a:p>
+            <a:fld id="{53D707A1-1B9C-9244-B89C-5F515C41BB18}" type="slidenum">
+              <a:rPr lang="en-US" smtClean="0"/>
+              <a:t>9</a:t>
+            </a:fld>
+            <a:endParaRPr lang="en-US"/>
+          </a:p>
+        </p:txBody>
+      </p:sp>
+    </p:spTree>
+    <p:extLst>
+      <p:ext uri="{BB962C8B-B14F-4D97-AF65-F5344CB8AC3E}">
+        <p14:creationId xmlns:p14="http://schemas.microsoft.com/office/powerpoint/2010/main" val="1474143436"/>
+      </p:ext>
+    </p:extLst>
+  </p:cSld>
+  <p:clrMapOvr>
+    <a:masterClrMapping/>
+  </p:clrMapOvr>
+</p:notes>
+</file>
+
+<file path=ppt/notesSlides/notesSlide5.xml><?xml version="1.0" encoding="utf-8"?>
+<p:notes xmlns:a="http://schemas.openxmlformats.org/drawingml/2006/main" xmlns:r="http://schemas.openxmlformats.org/officeDocument/2006/relationships" xmlns:p="http://schemas.openxmlformats.org/presentationml/2006/main">
+  <p:cSld>
+    <p:spTree>
+      <p:nvGrpSpPr>
+        <p:cNvPr id="1" name=""/>
+        <p:cNvGrpSpPr/>
+        <p:nvPr/>
+      </p:nvGrpSpPr>
+      <p:grpSpPr>
+        <a:xfrm>
+          <a:off x="0" y="0"/>
+          <a:ext cx="0" cy="0"/>
+          <a:chOff x="0" y="0"/>
+          <a:chExt cx="0" cy="0"/>
+        </a:xfrm>
+      </p:grpSpPr>
+      <p:sp>
+        <p:nvSpPr>
+          <p:cNvPr id="2" name="Slide Image Placeholder 1"/>
+          <p:cNvSpPr>
+            <a:spLocks noGrp="1" noRot="1" noChangeAspect="1"/>
+          </p:cNvSpPr>
+          <p:nvPr>
+            <p:ph type="sldImg"/>
+          </p:nvPr>
+        </p:nvSpPr>
+        <p:spPr/>
+      </p:sp>
+      <p:sp>
+        <p:nvSpPr>
+          <p:cNvPr id="3" name="Notes Placeholder 2"/>
+          <p:cNvSpPr>
+            <a:spLocks noGrp="1"/>
+          </p:cNvSpPr>
+          <p:nvPr>
+            <p:ph type="body" idx="1"/>
+          </p:nvPr>
+        </p:nvSpPr>
+        <p:spPr/>
+        <p:txBody>
+          <a:bodyPr/>
+          <a:lstStyle/>
+          <a:p>
+            <a:r>
+              <a:rPr lang="en-US" dirty="0" smtClean="0"/>
+              <a:t>me</a:t>
+            </a:r>
+            <a:endParaRPr lang="en-US" dirty="0"/>
+          </a:p>
+        </p:txBody>
+      </p:sp>
+      <p:sp>
+        <p:nvSpPr>
+          <p:cNvPr id="4" name="Slide Number Placeholder 3"/>
+          <p:cNvSpPr>
+            <a:spLocks noGrp="1"/>
+          </p:cNvSpPr>
+          <p:nvPr>
+            <p:ph type="sldNum" sz="quarter" idx="10"/>
+          </p:nvPr>
+        </p:nvSpPr>
+        <p:spPr/>
+        <p:txBody>
+          <a:bodyPr/>
+          <a:lstStyle/>
+          <a:p>
+            <a:fld id="{53D707A1-1B9C-9244-B89C-5F515C41BB18}" type="slidenum">
+              <a:rPr lang="en-US" smtClean="0"/>
+              <a:t>10</a:t>
+            </a:fld>
+            <a:endParaRPr lang="en-US"/>
+          </a:p>
+        </p:txBody>
+      </p:sp>
+    </p:spTree>
+    <p:extLst>
+      <p:ext uri="{BB962C8B-B14F-4D97-AF65-F5344CB8AC3E}">
+        <p14:creationId xmlns:p14="http://schemas.microsoft.com/office/powerpoint/2010/main" val="409893413"/>
+      </p:ext>
+    </p:extLst>
+  </p:cSld>
+  <p:clrMapOvr>
+    <a:masterClrMapping/>
+  </p:clrMapOvr>
+</p:notes>
+</file>
+
+<file path=ppt/notesSlides/notesSlide6.xml><?xml version="1.0" encoding="utf-8"?>
+<p:notes xmlns:a="http://schemas.openxmlformats.org/drawingml/2006/main" xmlns:r="http://schemas.openxmlformats.org/officeDocument/2006/relationships" xmlns:p="http://schemas.openxmlformats.org/presentationml/2006/main">
+  <p:cSld>
+    <p:spTree>
+      <p:nvGrpSpPr>
+        <p:cNvPr id="1" name=""/>
+        <p:cNvGrpSpPr/>
+        <p:nvPr/>
+      </p:nvGrpSpPr>
+      <p:grpSpPr>
+        <a:xfrm>
+          <a:off x="0" y="0"/>
+          <a:ext cx="0" cy="0"/>
+          <a:chOff x="0" y="0"/>
+          <a:chExt cx="0" cy="0"/>
+        </a:xfrm>
+      </p:grpSpPr>
+      <p:sp>
+        <p:nvSpPr>
+          <p:cNvPr id="2" name="Slide Image Placeholder 1"/>
+          <p:cNvSpPr>
+            <a:spLocks noGrp="1" noRot="1" noChangeAspect="1"/>
+          </p:cNvSpPr>
+          <p:nvPr>
+            <p:ph type="sldImg"/>
+          </p:nvPr>
+        </p:nvSpPr>
+        <p:spPr/>
+      </p:sp>
+      <p:sp>
+        <p:nvSpPr>
+          <p:cNvPr id="3" name="Notes Placeholder 2"/>
+          <p:cNvSpPr>
+            <a:spLocks noGrp="1"/>
+          </p:cNvSpPr>
+          <p:nvPr>
+            <p:ph type="body" idx="1"/>
+          </p:nvPr>
+        </p:nvSpPr>
+        <p:spPr/>
+        <p:txBody>
+          <a:bodyPr/>
+          <a:lstStyle/>
+          <a:p>
+            <a:r>
+              <a:rPr lang="en-US" dirty="0" smtClean="0"/>
+              <a:t>matt</a:t>
+            </a:r>
+            <a:endParaRPr lang="en-US" dirty="0"/>
+          </a:p>
+        </p:txBody>
+      </p:sp>
+      <p:sp>
+        <p:nvSpPr>
+          <p:cNvPr id="4" name="Slide Number Placeholder 3"/>
+          <p:cNvSpPr>
+            <a:spLocks noGrp="1"/>
+          </p:cNvSpPr>
+          <p:nvPr>
+            <p:ph type="sldNum" sz="quarter" idx="10"/>
+          </p:nvPr>
+        </p:nvSpPr>
+        <p:spPr/>
+        <p:txBody>
+          <a:bodyPr/>
+          <a:lstStyle/>
+          <a:p>
+            <a:fld id="{53D707A1-1B9C-9244-B89C-5F515C41BB18}" type="slidenum">
+              <a:rPr lang="en-US" smtClean="0"/>
+              <a:t>11</a:t>
+            </a:fld>
+            <a:endParaRPr lang="en-US"/>
+          </a:p>
+        </p:txBody>
+      </p:sp>
+    </p:spTree>
+    <p:extLst>
+      <p:ext uri="{BB962C8B-B14F-4D97-AF65-F5344CB8AC3E}">
+        <p14:creationId xmlns:p14="http://schemas.microsoft.com/office/powerpoint/2010/main" val="2098536362"/>
+      </p:ext>
+    </p:extLst>
+  </p:cSld>
+  <p:clrMapOvr>
+    <a:masterClrMapping/>
+  </p:clrMapOvr>
+</p:notes>
+</file>
+
+<file path=ppt/notesSlides/notesSlide7.xml><?xml version="1.0" encoding="utf-8"?>
+<p:notes xmlns:a="http://schemas.openxmlformats.org/drawingml/2006/main" xmlns:r="http://schemas.openxmlformats.org/officeDocument/2006/relationships" xmlns:p="http://schemas.openxmlformats.org/presentationml/2006/main">
+  <p:cSld>
+    <p:spTree>
+      <p:nvGrpSpPr>
+        <p:cNvPr id="1" name=""/>
+        <p:cNvGrpSpPr/>
+        <p:nvPr/>
+      </p:nvGrpSpPr>
+      <p:grpSpPr>
+        <a:xfrm>
+          <a:off x="0" y="0"/>
+          <a:ext cx="0" cy="0"/>
+          <a:chOff x="0" y="0"/>
+          <a:chExt cx="0" cy="0"/>
+        </a:xfrm>
+      </p:grpSpPr>
+      <p:sp>
+        <p:nvSpPr>
+          <p:cNvPr id="2" name="Slide Image Placeholder 1"/>
+          <p:cNvSpPr>
+            <a:spLocks noGrp="1" noRot="1" noChangeAspect="1"/>
+          </p:cNvSpPr>
+          <p:nvPr>
+            <p:ph type="sldImg"/>
+          </p:nvPr>
+        </p:nvSpPr>
+        <p:spPr/>
+      </p:sp>
+      <p:sp>
+        <p:nvSpPr>
+          <p:cNvPr id="3" name="Notes Placeholder 2"/>
+          <p:cNvSpPr>
+            <a:spLocks noGrp="1"/>
+          </p:cNvSpPr>
+          <p:nvPr>
+            <p:ph type="body" idx="1"/>
+          </p:nvPr>
+        </p:nvSpPr>
+        <p:spPr/>
+        <p:txBody>
+          <a:bodyPr/>
+          <a:lstStyle/>
+          <a:p>
+            <a:r>
+              <a:rPr lang="en-US" dirty="0" smtClean="0"/>
+              <a:t>me</a:t>
+            </a:r>
+            <a:endParaRPr lang="en-US" dirty="0"/>
+          </a:p>
+        </p:txBody>
+      </p:sp>
+      <p:sp>
+        <p:nvSpPr>
+          <p:cNvPr id="4" name="Slide Number Placeholder 3"/>
+          <p:cNvSpPr>
+            <a:spLocks noGrp="1"/>
+          </p:cNvSpPr>
+          <p:nvPr>
+            <p:ph type="sldNum" sz="quarter" idx="10"/>
+          </p:nvPr>
+        </p:nvSpPr>
+        <p:spPr/>
+        <p:txBody>
+          <a:bodyPr/>
+          <a:lstStyle/>
+          <a:p>
+            <a:fld id="{53D707A1-1B9C-9244-B89C-5F515C41BB18}" type="slidenum">
+              <a:rPr lang="en-US" smtClean="0"/>
+              <a:t>12</a:t>
+            </a:fld>
+            <a:endParaRPr lang="en-US"/>
+          </a:p>
+        </p:txBody>
+      </p:sp>
+    </p:spTree>
+    <p:extLst>
+      <p:ext uri="{BB962C8B-B14F-4D97-AF65-F5344CB8AC3E}">
+        <p14:creationId xmlns:p14="http://schemas.microsoft.com/office/powerpoint/2010/main" val="1976701453"/>
+      </p:ext>
+    </p:extLst>
+  </p:cSld>
+  <p:clrMapOvr>
+    <a:masterClrMapping/>
+  </p:clrMapOvr>
+</p:notes>
+</file>
+
+<file path=ppt/notesSlides/notesSlide8.xml><?xml version="1.0" encoding="utf-8"?>
+<p:notes xmlns:a="http://schemas.openxmlformats.org/drawingml/2006/main" xmlns:r="http://schemas.openxmlformats.org/officeDocument/2006/relationships" xmlns:p="http://schemas.openxmlformats.org/presentationml/2006/main">
+  <p:cSld>
+    <p:spTree>
+      <p:nvGrpSpPr>
+        <p:cNvPr id="1" name=""/>
+        <p:cNvGrpSpPr/>
+        <p:nvPr/>
+      </p:nvGrpSpPr>
+      <p:grpSpPr>
+        <a:xfrm>
+          <a:off x="0" y="0"/>
+          <a:ext cx="0" cy="0"/>
+          <a:chOff x="0" y="0"/>
+          <a:chExt cx="0" cy="0"/>
+        </a:xfrm>
+      </p:grpSpPr>
+      <p:sp>
+        <p:nvSpPr>
+          <p:cNvPr id="2" name="Slide Image Placeholder 1"/>
+          <p:cNvSpPr>
+            <a:spLocks noGrp="1" noRot="1" noChangeAspect="1"/>
+          </p:cNvSpPr>
+          <p:nvPr>
+            <p:ph type="sldImg"/>
+          </p:nvPr>
+        </p:nvSpPr>
+        <p:spPr/>
+      </p:sp>
+      <p:sp>
+        <p:nvSpPr>
+          <p:cNvPr id="3" name="Notes Placeholder 2"/>
+          <p:cNvSpPr>
+            <a:spLocks noGrp="1"/>
+          </p:cNvSpPr>
+          <p:nvPr>
+            <p:ph type="body" idx="1"/>
+          </p:nvPr>
+        </p:nvSpPr>
+        <p:spPr/>
+        <p:txBody>
+          <a:bodyPr/>
+          <a:lstStyle/>
+          <a:p>
+            <a:r>
+              <a:rPr lang="en-US" dirty="0" smtClean="0"/>
+              <a:t>matt</a:t>
+            </a:r>
+            <a:endParaRPr lang="en-US" dirty="0"/>
+          </a:p>
+        </p:txBody>
+      </p:sp>
+      <p:sp>
+        <p:nvSpPr>
+          <p:cNvPr id="4" name="Slide Number Placeholder 3"/>
+          <p:cNvSpPr>
+            <a:spLocks noGrp="1"/>
+          </p:cNvSpPr>
+          <p:nvPr>
+            <p:ph type="sldNum" sz="quarter" idx="10"/>
+          </p:nvPr>
+        </p:nvSpPr>
+        <p:spPr/>
+        <p:txBody>
+          <a:bodyPr/>
+          <a:lstStyle/>
+          <a:p>
+            <a:fld id="{53D707A1-1B9C-9244-B89C-5F515C41BB18}" type="slidenum">
+              <a:rPr lang="en-US" smtClean="0"/>
+              <a:t>13</a:t>
+            </a:fld>
+            <a:endParaRPr lang="en-US"/>
+          </a:p>
+        </p:txBody>
+      </p:sp>
+    </p:spTree>
+    <p:extLst>
+      <p:ext uri="{BB962C8B-B14F-4D97-AF65-F5344CB8AC3E}">
+        <p14:creationId xmlns:p14="http://schemas.microsoft.com/office/powerpoint/2010/main" val="849301481"/>
+      </p:ext>
+    </p:extLst>
+  </p:cSld>
+  <p:clrMapOvr>
+    <a:masterClrMapping/>
+  </p:clrMapOvr>
+</p:notes>
+</file>
+
+<file path=ppt/notesSlides/notesSlide9.xml><?xml version="1.0" encoding="utf-8"?>
+<p:notes xmlns:a="http://schemas.openxmlformats.org/drawingml/2006/main" xmlns:r="http://schemas.openxmlformats.org/officeDocument/2006/relationships" xmlns:p="http://schemas.openxmlformats.org/presentationml/2006/main">
+  <p:cSld>
+    <p:spTree>
+      <p:nvGrpSpPr>
+        <p:cNvPr id="1" name=""/>
+        <p:cNvGrpSpPr/>
+        <p:nvPr/>
+      </p:nvGrpSpPr>
+      <p:grpSpPr>
+        <a:xfrm>
+          <a:off x="0" y="0"/>
+          <a:ext cx="0" cy="0"/>
+          <a:chOff x="0" y="0"/>
+          <a:chExt cx="0" cy="0"/>
+        </a:xfrm>
+      </p:grpSpPr>
+      <p:sp>
+        <p:nvSpPr>
+          <p:cNvPr id="2" name="Slide Image Placeholder 1"/>
+          <p:cNvSpPr>
+            <a:spLocks noGrp="1" noRot="1" noChangeAspect="1"/>
+          </p:cNvSpPr>
+          <p:nvPr>
+            <p:ph type="sldImg"/>
+          </p:nvPr>
+        </p:nvSpPr>
+        <p:spPr/>
+      </p:sp>
+      <p:sp>
+        <p:nvSpPr>
+          <p:cNvPr id="3" name="Notes Placeholder 2"/>
+          <p:cNvSpPr>
+            <a:spLocks noGrp="1"/>
+          </p:cNvSpPr>
+          <p:nvPr>
+            <p:ph type="body" idx="1"/>
+          </p:nvPr>
+        </p:nvSpPr>
+        <p:spPr/>
+        <p:txBody>
+          <a:bodyPr/>
+          <a:lstStyle/>
+          <a:p>
+            <a:r>
+              <a:rPr lang="en-US" dirty="0" smtClean="0"/>
+              <a:t>me</a:t>
+            </a:r>
+            <a:endParaRPr lang="en-US" dirty="0"/>
+          </a:p>
+        </p:txBody>
+      </p:sp>
+      <p:sp>
+        <p:nvSpPr>
+          <p:cNvPr id="4" name="Slide Number Placeholder 3"/>
+          <p:cNvSpPr>
+            <a:spLocks noGrp="1"/>
+          </p:cNvSpPr>
+          <p:nvPr>
+            <p:ph type="sldNum" sz="quarter" idx="10"/>
+          </p:nvPr>
+        </p:nvSpPr>
+        <p:spPr/>
+        <p:txBody>
+          <a:bodyPr/>
+          <a:lstStyle/>
+          <a:p>
+            <a:fld id="{53D707A1-1B9C-9244-B89C-5F515C41BB18}" type="slidenum">
+              <a:rPr lang="en-US" smtClean="0"/>
+              <a:t>14</a:t>
+            </a:fld>
+            <a:endParaRPr lang="en-US"/>
+          </a:p>
+        </p:txBody>
+      </p:sp>
+    </p:spTree>
+    <p:extLst>
+      <p:ext uri="{BB962C8B-B14F-4D97-AF65-F5344CB8AC3E}">
+        <p14:creationId xmlns:p14="http://schemas.microsoft.com/office/powerpoint/2010/main" val="651612806"/>
       </p:ext>
     </p:extLst>
   </p:cSld>
@@ -944,7 +1757,7 @@
             <a:fld id="{8E36636D-D922-432D-A958-524484B5923D}" type="datetimeFigureOut">
               <a:rPr lang="en-US" dirty="0"/>
               <a:pPr/>
-              <a:t>4/24/16</a:t>
+              <a:t>4/25/16</a:t>
             </a:fld>
             <a:endParaRPr lang="en-US" dirty="0"/>
           </a:p>
@@ -1238,7 +2051,7 @@
           <a:p>
             <a:fld id="{48A87A34-81AB-432B-8DAE-1953F412C126}" type="datetimeFigureOut">
               <a:rPr lang="en-US" dirty="0"/>
-              <a:t>4/24/16</a:t>
+              <a:t>4/25/16</a:t>
             </a:fld>
             <a:endParaRPr lang="en-US" dirty="0"/>
           </a:p>
@@ -1425,7 +2238,7 @@
           <a:p>
             <a:fld id="{48A87A34-81AB-432B-8DAE-1953F412C126}" type="datetimeFigureOut">
               <a:rPr lang="en-US" dirty="0"/>
-              <a:t>4/24/16</a:t>
+              <a:t>4/25/16</a:t>
             </a:fld>
             <a:endParaRPr lang="en-US" dirty="0"/>
           </a:p>
@@ -1681,7 +2494,7 @@
           <a:p>
             <a:fld id="{48A87A34-81AB-432B-8DAE-1953F412C126}" type="datetimeFigureOut">
               <a:rPr lang="en-US" dirty="0"/>
-              <a:t>4/24/16</a:t>
+              <a:t>4/25/16</a:t>
             </a:fld>
             <a:endParaRPr lang="en-US" dirty="0"/>
           </a:p>
@@ -2100,7 +2913,7 @@
           <a:p>
             <a:fld id="{48A87A34-81AB-432B-8DAE-1953F412C126}" type="datetimeFigureOut">
               <a:rPr lang="en-US" dirty="0"/>
-              <a:t>4/24/16</a:t>
+              <a:t>4/25/16</a:t>
             </a:fld>
             <a:endParaRPr lang="en-US" dirty="0"/>
           </a:p>
@@ -2632,7 +3445,7 @@
           <a:p>
             <a:fld id="{48A87A34-81AB-432B-8DAE-1953F412C126}" type="datetimeFigureOut">
               <a:rPr lang="en-US" dirty="0"/>
-              <a:t>4/24/16</a:t>
+              <a:t>4/25/16</a:t>
             </a:fld>
             <a:endParaRPr lang="en-US" dirty="0"/>
           </a:p>
@@ -3491,7 +4304,7 @@
           <a:p>
             <a:fld id="{48A87A34-81AB-432B-8DAE-1953F412C126}" type="datetimeFigureOut">
               <a:rPr lang="en-US" dirty="0"/>
-              <a:t>4/24/16</a:t>
+              <a:t>4/25/16</a:t>
             </a:fld>
             <a:endParaRPr lang="en-US" dirty="0"/>
           </a:p>
@@ -3657,7 +4470,7 @@
             <a:fld id="{8E36636D-D922-432D-A958-524484B5923D}" type="datetimeFigureOut">
               <a:rPr lang="en-US" dirty="0"/>
               <a:pPr/>
-              <a:t>4/24/16</a:t>
+              <a:t>4/25/16</a:t>
             </a:fld>
             <a:endParaRPr lang="en-US" dirty="0"/>
           </a:p>
@@ -3838,7 +4651,7 @@
             <a:fld id="{8E36636D-D922-432D-A958-524484B5923D}" type="datetimeFigureOut">
               <a:rPr lang="en-US" dirty="0"/>
               <a:pPr/>
-              <a:t>4/24/16</a:t>
+              <a:t>4/25/16</a:t>
             </a:fld>
             <a:endParaRPr lang="en-US" dirty="0"/>
           </a:p>
@@ -4005,7 +4818,7 @@
             <a:fld id="{8E36636D-D922-432D-A958-524484B5923D}" type="datetimeFigureOut">
               <a:rPr lang="en-US" dirty="0"/>
               <a:pPr/>
-              <a:t>4/24/16</a:t>
+              <a:t>4/25/16</a:t>
             </a:fld>
             <a:endParaRPr lang="en-US" dirty="0"/>
           </a:p>
@@ -4246,7 +5059,7 @@
             <a:fld id="{8E36636D-D922-432D-A958-524484B5923D}" type="datetimeFigureOut">
               <a:rPr lang="en-US" dirty="0"/>
               <a:pPr/>
-              <a:t>4/24/16</a:t>
+              <a:t>4/25/16</a:t>
             </a:fld>
             <a:endParaRPr lang="en-US" dirty="0"/>
           </a:p>
@@ -4479,7 +5292,7 @@
             <a:fld id="{8E36636D-D922-432D-A958-524484B5923D}" type="datetimeFigureOut">
               <a:rPr lang="en-US" dirty="0"/>
               <a:pPr/>
-              <a:t>4/24/16</a:t>
+              <a:t>4/25/16</a:t>
             </a:fld>
             <a:endParaRPr lang="en-US" dirty="0"/>
           </a:p>
@@ -4942,7 +5755,7 @@
             <a:fld id="{8E36636D-D922-432D-A958-524484B5923D}" type="datetimeFigureOut">
               <a:rPr lang="en-US" dirty="0"/>
               <a:pPr/>
-              <a:t>4/24/16</a:t>
+              <a:t>4/25/16</a:t>
             </a:fld>
             <a:endParaRPr lang="en-US" dirty="0"/>
           </a:p>
@@ -5057,7 +5870,7 @@
             <a:fld id="{8E36636D-D922-432D-A958-524484B5923D}" type="datetimeFigureOut">
               <a:rPr lang="en-US" dirty="0"/>
               <a:pPr/>
-              <a:t>4/24/16</a:t>
+              <a:t>4/25/16</a:t>
             </a:fld>
             <a:endParaRPr lang="en-US" dirty="0"/>
           </a:p>
@@ -5149,7 +5962,7 @@
             <a:fld id="{8E36636D-D922-432D-A958-524484B5923D}" type="datetimeFigureOut">
               <a:rPr lang="en-US" dirty="0"/>
               <a:pPr/>
-              <a:t>4/24/16</a:t>
+              <a:t>4/25/16</a:t>
             </a:fld>
             <a:endParaRPr lang="en-US" dirty="0"/>
           </a:p>
@@ -5401,7 +6214,7 @@
             <a:fld id="{8E36636D-D922-432D-A958-524484B5923D}" type="datetimeFigureOut">
               <a:rPr lang="en-US" dirty="0"/>
               <a:pPr/>
-              <a:t>4/24/16</a:t>
+              <a:t>4/25/16</a:t>
             </a:fld>
             <a:endParaRPr lang="en-US" dirty="0"/>
           </a:p>
@@ -5698,7 +6511,7 @@
             <a:fld id="{8E36636D-D922-432D-A958-524484B5923D}" type="datetimeFigureOut">
               <a:rPr lang="en-US" dirty="0"/>
               <a:pPr/>
-              <a:t>4/24/16</a:t>
+              <a:t>4/25/16</a:t>
             </a:fld>
             <a:endParaRPr lang="en-US" dirty="0"/>
           </a:p>
@@ -5929,7 +6742,7 @@
             <a:fld id="{8E36636D-D922-432D-A958-524484B5923D}" type="datetimeFigureOut">
               <a:rPr lang="en-US" dirty="0"/>
               <a:pPr/>
-              <a:t>4/24/16</a:t>
+              <a:t>4/25/16</a:t>
             </a:fld>
             <a:endParaRPr lang="en-US" dirty="0"/>
           </a:p>
@@ -6707,7 +7520,7 @@
           <p:nvPr/>
         </p:nvPicPr>
         <p:blipFill>
-          <a:blip r:embed="rId2">
+          <a:blip r:embed="rId3">
             <a:extLst>
               <a:ext uri="{28A0092B-C50C-407E-A947-70E740481C1C}">
                 <a14:useLocalDpi xmlns:a14="http://schemas.microsoft.com/office/drawing/2010/main" val="0"/>
@@ -6792,7 +7605,7 @@
           </p:nvPr>
         </p:nvPicPr>
         <p:blipFill>
-          <a:blip r:embed="rId2">
+          <a:blip r:embed="rId3">
             <a:extLst>
               <a:ext uri="{28A0092B-C50C-407E-A947-70E740481C1C}">
                 <a14:useLocalDpi xmlns:a14="http://schemas.microsoft.com/office/drawing/2010/main" val="0"/>
@@ -6901,7 +7714,7 @@
           <p:nvPr/>
         </p:nvPicPr>
         <p:blipFill>
-          <a:blip r:embed="rId2">
+          <a:blip r:embed="rId3">
             <a:extLst>
               <a:ext uri="{28A0092B-C50C-407E-A947-70E740481C1C}">
                 <a14:useLocalDpi xmlns:a14="http://schemas.microsoft.com/office/drawing/2010/main" val="0"/>
@@ -6931,7 +7744,7 @@
           <p:nvPr/>
         </p:nvPicPr>
         <p:blipFill>
-          <a:blip r:embed="rId3">
+          <a:blip r:embed="rId4">
             <a:extLst>
               <a:ext uri="{28A0092B-C50C-407E-A947-70E740481C1C}">
                 <a14:useLocalDpi xmlns:a14="http://schemas.microsoft.com/office/drawing/2010/main" val="0"/>
@@ -7067,11 +7880,7 @@
             </a:pPr>
             <a:r>
               <a:rPr lang="en-US" dirty="0" smtClean="0"/>
-              <a:t>Used for </a:t>
-            </a:r>
-            <a:r>
-              <a:rPr lang="en-US" dirty="0" smtClean="0"/>
-              <a:t>selecting optimal neural network configurations for testing</a:t>
+              <a:t>Used for selecting optimal neural network configurations for testing</a:t>
             </a:r>
           </a:p>
           <a:p>
@@ -7136,7 +7945,7 @@
           <p:nvPr/>
         </p:nvPicPr>
         <p:blipFill rotWithShape="1">
-          <a:blip r:embed="rId2">
+          <a:blip r:embed="rId3">
             <a:extLst>
               <a:ext uri="{28A0092B-C50C-407E-A947-70E740481C1C}">
                 <a14:useLocalDpi xmlns:a14="http://schemas.microsoft.com/office/drawing/2010/main" val="0"/>
@@ -7220,7 +8029,7 @@
           </p:nvPr>
         </p:nvPicPr>
         <p:blipFill>
-          <a:blip r:embed="rId2">
+          <a:blip r:embed="rId3">
             <a:extLst>
               <a:ext uri="{28A0092B-C50C-407E-A947-70E740481C1C}">
                 <a14:useLocalDpi xmlns:a14="http://schemas.microsoft.com/office/drawing/2010/main" val="0"/>
@@ -7319,7 +8128,7 @@
           <p:nvPr/>
         </p:nvPicPr>
         <p:blipFill>
-          <a:blip r:embed="rId2">
+          <a:blip r:embed="rId3">
             <a:extLst>
               <a:ext uri="{28A0092B-C50C-407E-A947-70E740481C1C}">
                 <a14:useLocalDpi xmlns:a14="http://schemas.microsoft.com/office/drawing/2010/main" val="0"/>
@@ -7450,15 +8259,28 @@
             </a:r>
             <a:r>
               <a:rPr lang="is-IS" dirty="0" smtClean="0"/>
-              <a:t>ests show our neural network approach is feasible but </a:t>
-            </a:r>
-            <a:r>
-              <a:rPr lang="is-IS" smtClean="0"/>
-              <a:t>could likely be </a:t>
-            </a:r>
-            <a:r>
-              <a:rPr lang="is-IS" dirty="0" smtClean="0"/>
-              <a:t>improved by</a:t>
+              <a:t>ests show our neural network approach is feasible but could likely be improved by</a:t>
+            </a:r>
+          </a:p>
+          <a:p>
+            <a:pPr marL="1025525" lvl="2" indent="-215900">
+              <a:buFont typeface="Arial" charset="0"/>
+              <a:buChar char="•"/>
+              <a:tabLst>
+                <a:tab pos="8910638" algn="l"/>
+              </a:tabLst>
+            </a:pPr>
+            <a:r>
+              <a:rPr lang="en-US" dirty="0" smtClean="0"/>
+              <a:t>discovering and extracting </a:t>
+            </a:r>
+            <a:r>
+              <a:rPr lang="en-US" dirty="0"/>
+              <a:t>more meaningful </a:t>
+            </a:r>
+            <a:r>
+              <a:rPr lang="en-US" dirty="0" smtClean="0"/>
+              <a:t>features</a:t>
             </a:r>
           </a:p>
           <a:p>
@@ -7468,15 +8290,15 @@
             </a:pPr>
             <a:r>
               <a:rPr lang="en-US" dirty="0" smtClean="0"/>
-              <a:t>discovering and extracting </a:t>
+              <a:t>testing </a:t>
             </a:r>
             <a:r>
               <a:rPr lang="en-US" dirty="0"/>
-              <a:t>more meaningful </a:t>
+              <a:t>the feasibility of different neural network </a:t>
             </a:r>
             <a:r>
               <a:rPr lang="en-US" dirty="0" smtClean="0"/>
-              <a:t>features</a:t>
+              <a:t>configurations</a:t>
             </a:r>
           </a:p>
           <a:p>
@@ -7486,31 +8308,12 @@
             </a:pPr>
             <a:r>
               <a:rPr lang="en-US" dirty="0" smtClean="0"/>
-              <a:t>testing </a:t>
-            </a:r>
-            <a:r>
-              <a:rPr lang="en-US" dirty="0"/>
-              <a:t>the feasibility of different neural network </a:t>
-            </a:r>
-            <a:r>
-              <a:rPr lang="en-US" dirty="0" smtClean="0"/>
-              <a:t>configurations</a:t>
-            </a:r>
-          </a:p>
-          <a:p>
-            <a:pPr lvl="2">
-              <a:buFont typeface="Arial" charset="0"/>
-              <a:buChar char="•"/>
-            </a:pPr>
-            <a:r>
-              <a:rPr lang="en-US" dirty="0" smtClean="0"/>
               <a:t>investigating </a:t>
             </a:r>
             <a:r>
               <a:rPr lang="en-US" dirty="0"/>
               <a:t>the significance of corpus size. </a:t>
             </a:r>
-            <a:endParaRPr lang="en-US" dirty="0"/>
           </a:p>
         </p:txBody>
       </p:sp>
@@ -7892,24 +8695,7 @@
                   <a:srgbClr val="DADADA"/>
                 </a:solidFill>
               </a:rPr>
-              <a:t>Identifying </a:t>
-            </a:r>
-            <a:r>
-              <a:rPr lang="en-US" sz="2000" dirty="0" smtClean="0">
-                <a:ln>
-                  <a:solidFill>
-                    <a:prstClr val="black">
-                      <a:lumMod val="75000"/>
-                      <a:lumOff val="25000"/>
-                      <a:alpha val="10000"/>
-                    </a:prstClr>
-                  </a:solidFill>
-                </a:ln>
-                <a:solidFill>
-                  <a:srgbClr val="DADADA"/>
-                </a:solidFill>
-              </a:rPr>
-              <a:t>Individuals in cyber bullying</a:t>
+              <a:t>Identifying Individuals in cyber bullying</a:t>
             </a:r>
           </a:p>
           <a:p>
@@ -9428,11 +10214,7 @@
           <a:p>
             <a:r>
               <a:rPr lang="en-US" dirty="0" smtClean="0"/>
-              <a:t>Data </a:t>
-            </a:r>
-            <a:r>
-              <a:rPr lang="en-US" dirty="0" smtClean="0"/>
-              <a:t>Collection*</a:t>
+              <a:t>Data Collection*</a:t>
             </a:r>
             <a:endParaRPr lang="en-US" dirty="0"/>
           </a:p>
@@ -9884,7 +10666,6 @@
               <a:rPr lang="en-US" dirty="0"/>
               <a:t>Edith  Wharton</a:t>
             </a:r>
-            <a:endParaRPr lang="en-US" dirty="0"/>
           </a:p>
         </p:txBody>
       </p:sp>
@@ -10211,6 +10992,63 @@
           </a:p>
         </p:txBody>
       </p:sp>
+      <p:sp>
+        <p:nvSpPr>
+          <p:cNvPr id="4" name="TextBox 3"/>
+          <p:cNvSpPr txBox="1"/>
+          <p:nvPr/>
+        </p:nvSpPr>
+        <p:spPr>
+          <a:xfrm>
+            <a:off x="7158037" y="2643187"/>
+            <a:ext cx="3857625" cy="923330"/>
+          </a:xfrm>
+          <a:prstGeom prst="rect">
+            <a:avLst/>
+          </a:prstGeom>
+          <a:noFill/>
+        </p:spPr>
+        <p:txBody>
+          <a:bodyPr wrap="square" rtlCol="0">
+            <a:spAutoFit/>
+          </a:bodyPr>
+          <a:lstStyle/>
+          <a:p>
+            <a:r>
+              <a:rPr lang="en-US" dirty="0" smtClean="0">
+                <a:solidFill>
+                  <a:schemeClr val="tx2">
+                    <a:lumMod val="90000"/>
+                  </a:schemeClr>
+                </a:solidFill>
+              </a:rPr>
+              <a:t>“There are books of which the backs and covers are by far the best parts.” </a:t>
+            </a:r>
+          </a:p>
+          <a:p>
+            <a:r>
+              <a:rPr lang="en-US" dirty="0" smtClean="0">
+                <a:solidFill>
+                  <a:schemeClr val="tx2">
+                    <a:lumMod val="90000"/>
+                  </a:schemeClr>
+                </a:solidFill>
+              </a:rPr>
+              <a:t>― </a:t>
+            </a:r>
+            <a:r>
+              <a:rPr lang="en-US" dirty="0">
+                <a:solidFill>
+                  <a:schemeClr val="tx2">
+                    <a:lumMod val="90000"/>
+                  </a:schemeClr>
+                </a:solidFill>
+              </a:rPr>
+              <a:t>Charles Dickens, Oliver Twist</a:t>
+            </a:r>
+          </a:p>
+        </p:txBody>
+      </p:sp>
     </p:spTree>
     <p:extLst>
       <p:ext uri="{BB962C8B-B14F-4D97-AF65-F5344CB8AC3E}">
@@ -10287,15 +11125,7 @@
             </a:pPr>
             <a:r>
               <a:rPr lang="en-US" dirty="0" smtClean="0"/>
-              <a:t>average  </a:t>
-            </a:r>
-            <a:r>
-              <a:rPr lang="en-US" dirty="0"/>
-              <a:t>word  </a:t>
-            </a:r>
-            <a:r>
-              <a:rPr lang="en-US" dirty="0" smtClean="0"/>
-              <a:t>length</a:t>
+              <a:t>average word length</a:t>
             </a:r>
           </a:p>
           <a:p>
@@ -10305,15 +11135,7 @@
             </a:pPr>
             <a:r>
               <a:rPr lang="en-US" dirty="0" smtClean="0"/>
-              <a:t>average  </a:t>
-            </a:r>
-            <a:r>
-              <a:rPr lang="en-US" dirty="0"/>
-              <a:t>sentence  </a:t>
-            </a:r>
-            <a:r>
-              <a:rPr lang="en-US" dirty="0" smtClean="0"/>
-              <a:t>length</a:t>
+              <a:t>average sentence length</a:t>
             </a:r>
           </a:p>
           <a:p>
@@ -10323,15 +11145,7 @@
             </a:pPr>
             <a:r>
               <a:rPr lang="en-US" dirty="0" smtClean="0"/>
-              <a:t>most  </a:t>
-            </a:r>
-            <a:r>
-              <a:rPr lang="en-US" dirty="0"/>
-              <a:t>unique  </a:t>
-            </a:r>
-            <a:r>
-              <a:rPr lang="en-US" dirty="0" smtClean="0"/>
-              <a:t>words</a:t>
+              <a:t>most unique words</a:t>
             </a:r>
           </a:p>
           <a:p>
@@ -10345,7 +11159,7 @@
             </a:r>
             <a:r>
               <a:rPr lang="en-US" dirty="0"/>
-              <a:t>common  </a:t>
+              <a:t>common </a:t>
             </a:r>
             <a:r>
               <a:rPr lang="en-US" dirty="0" smtClean="0"/>
@@ -10363,11 +11177,11 @@
             </a:r>
             <a:r>
               <a:rPr lang="en-US" dirty="0"/>
-              <a:t>common  first  </a:t>
+              <a:t>common  </a:t>
             </a:r>
             <a:r>
               <a:rPr lang="en-US" dirty="0" smtClean="0"/>
-              <a:t>word</a:t>
+              <a:t>first word</a:t>
             </a:r>
           </a:p>
           <a:p>
@@ -10483,7 +11297,6 @@
               <a:rPr lang="en-US" dirty="0"/>
               <a:t>Feature Selection</a:t>
             </a:r>
-            <a:endParaRPr lang="en-US" dirty="0"/>
           </a:p>
         </p:txBody>
       </p:sp>
@@ -10766,27 +11579,6 @@
               </a:rPr>
               <a:t>character  and  word  n-grams  of  various  lengths</a:t>
             </a:r>
-            <a:endParaRPr lang="en-US" dirty="0">
-              <a:ln>
-                <a:solidFill>
-                  <a:prstClr val="black">
-                    <a:lumMod val="75000"/>
-                    <a:lumOff val="25000"/>
-                    <a:alpha val="10000"/>
-                  </a:prstClr>
-                </a:solidFill>
-              </a:ln>
-              <a:solidFill>
-                <a:srgbClr val="DADADA"/>
-              </a:solidFill>
-              <a:effectLst>
-                <a:outerShdw blurRad="9525" dist="25400" dir="14640000" algn="tl" rotWithShape="0">
-                  <a:prstClr val="black">
-                    <a:alpha val="30000"/>
-                  </a:prstClr>
-                </a:outerShdw>
-              </a:effectLst>
-            </a:endParaRPr>
           </a:p>
         </p:txBody>
       </p:sp>
@@ -10845,7 +11637,7 @@
           <p:nvPr/>
         </p:nvPicPr>
         <p:blipFill rotWithShape="1">
-          <a:blip r:embed="rId2">
+          <a:blip r:embed="rId3">
             <a:extLst>
               <a:ext uri="{28A0092B-C50C-407E-A947-70E740481C1C}">
                 <a14:useLocalDpi xmlns:a14="http://schemas.microsoft.com/office/drawing/2010/main" val="0"/>
@@ -10874,7 +11666,7 @@
           <p:nvPr/>
         </p:nvPicPr>
         <p:blipFill rotWithShape="1">
-          <a:blip r:embed="rId3">
+          <a:blip r:embed="rId4">
             <a:extLst>
               <a:ext uri="{28A0092B-C50C-407E-A947-70E740481C1C}">
                 <a14:useLocalDpi xmlns:a14="http://schemas.microsoft.com/office/drawing/2010/main" val="0"/>

--- a/ai_project_presentation.pptx
+++ b/ai_project_presentation.pptx
@@ -10863,6 +10863,13 @@
   <p:clrMapOvr>
     <a:masterClrMapping/>
   </p:clrMapOvr>
+  <p:timing>
+    <p:tnLst>
+      <p:par>
+        <p:cTn id="1" dur="indefinite" restart="never" nodeType="tmRoot"/>
+      </p:par>
+    </p:tnLst>
+  </p:timing>
 </p:sld>
 </file>
 
@@ -11059,6 +11066,13 @@
   <p:clrMapOvr>
     <a:masterClrMapping/>
   </p:clrMapOvr>
+  <p:timing>
+    <p:tnLst>
+      <p:par>
+        <p:cTn id="1" dur="indefinite" restart="never" nodeType="tmRoot"/>
+      </p:par>
+    </p:tnLst>
+  </p:timing>
 </p:sld>
 </file>
 
@@ -11241,6 +11255,66 @@
           </a:p>
         </p:txBody>
       </p:sp>
+      <p:sp>
+        <p:nvSpPr>
+          <p:cNvPr id="5" name="TextBox 4"/>
+          <p:cNvSpPr txBox="1"/>
+          <p:nvPr/>
+        </p:nvSpPr>
+        <p:spPr>
+          <a:xfrm>
+            <a:off x="7727624" y="5136669"/>
+            <a:ext cx="1966701" cy="369332"/>
+          </a:xfrm>
+          <a:prstGeom prst="rect">
+            <a:avLst/>
+          </a:prstGeom>
+          <a:noFill/>
+        </p:spPr>
+        <p:txBody>
+          <a:bodyPr wrap="square" rtlCol="0">
+            <a:spAutoFit/>
+          </a:bodyPr>
+          <a:lstStyle/>
+          <a:p>
+            <a:pPr algn="ctr"/>
+            <a:r>
+              <a:rPr lang="en-US" dirty="0" smtClean="0"/>
+              <a:t>Charles Dickens</a:t>
+            </a:r>
+          </a:p>
+        </p:txBody>
+      </p:sp>
+      <p:pic>
+        <p:nvPicPr>
+          <p:cNvPr id="6" name="Picture 5"/>
+          <p:cNvPicPr>
+            <a:picLocks noChangeAspect="1"/>
+          </p:cNvPicPr>
+          <p:nvPr/>
+        </p:nvPicPr>
+        <p:blipFill>
+          <a:blip r:embed="rId3">
+            <a:extLst>
+              <a:ext uri="{28A0092B-C50C-407E-A947-70E740481C1C}">
+                <a14:useLocalDpi xmlns:a14="http://schemas.microsoft.com/office/drawing/2010/main" val="0"/>
+              </a:ext>
+            </a:extLst>
+          </a:blip>
+          <a:stretch>
+            <a:fillRect/>
+          </a:stretch>
+        </p:blipFill>
+        <p:spPr>
+          <a:xfrm>
+            <a:off x="7592150" y="1580050"/>
+            <a:ext cx="2237651" cy="3271420"/>
+          </a:xfrm>
+          <a:prstGeom prst="rect">
+            <a:avLst/>
+          </a:prstGeom>
+        </p:spPr>
+      </p:pic>
     </p:spTree>
     <p:extLst>
       <p:ext uri="{BB962C8B-B14F-4D97-AF65-F5344CB8AC3E}">

--- a/ai_project_presentation.pptx
+++ b/ai_project_presentation.pptx
@@ -10243,8 +10243,13 @@
             </a:pPr>
             <a:r>
               <a:rPr lang="en-US" sz="2600" dirty="0" smtClean="0"/>
-              <a:t>Victorian Era works</a:t>
-            </a:r>
+              <a:t>Victorian Era </a:t>
+            </a:r>
+            <a:r>
+              <a:rPr lang="en-US" sz="2600" dirty="0" smtClean="0"/>
+              <a:t>works (~84 MB of plain text)</a:t>
+            </a:r>
+            <a:endParaRPr lang="en-US" sz="2600" dirty="0" smtClean="0"/>
           </a:p>
           <a:p>
             <a:pPr>
@@ -10253,15 +10258,24 @@
             </a:pPr>
             <a:r>
               <a:rPr lang="en-US" sz="2600" dirty="0" smtClean="0"/>
-              <a:t>Over 100 works written by 12 different authors</a:t>
-            </a:r>
+              <a:t>Over 100 works written by 12 different </a:t>
+            </a:r>
+            <a:r>
+              <a:rPr lang="en-US" sz="2600" dirty="0" smtClean="0"/>
+              <a:t>authors</a:t>
+            </a:r>
+            <a:endParaRPr lang="en-US" sz="2600" dirty="0" smtClean="0"/>
           </a:p>
           <a:p>
             <a:pPr>
               <a:buFont typeface="Arial" charset="0"/>
               <a:buChar char="•"/>
             </a:pPr>
-            <a:endParaRPr lang="en-US" dirty="0" smtClean="0"/>
+            <a:r>
+              <a:rPr lang="en-US" sz="2600" dirty="0" smtClean="0"/>
+              <a:t>Individual vs. Combined</a:t>
+            </a:r>
+            <a:endParaRPr lang="en-US" sz="2600" dirty="0" smtClean="0"/>
           </a:p>
           <a:p>
             <a:pPr>
@@ -10953,7 +10967,15 @@
             </a:pPr>
             <a:r>
               <a:rPr lang="en-US" dirty="0" smtClean="0"/>
-              <a:t>Better than random</a:t>
+              <a:t>Much b</a:t>
+            </a:r>
+            <a:r>
+              <a:rPr lang="en-US" dirty="0" smtClean="0"/>
+              <a:t>etter </a:t>
+            </a:r>
+            <a:r>
+              <a:rPr lang="en-US" dirty="0" smtClean="0"/>
+              <a:t>than random</a:t>
             </a:r>
           </a:p>
           <a:p>
@@ -10973,7 +10995,15 @@
             </a:pPr>
             <a:r>
               <a:rPr lang="en-US" dirty="0" smtClean="0"/>
-              <a:t>(Much) better than random</a:t>
+              <a:t>Better </a:t>
+            </a:r>
+            <a:r>
+              <a:rPr lang="en-US" dirty="0" smtClean="0"/>
+              <a:t>than </a:t>
+            </a:r>
+            <a:r>
+              <a:rPr lang="en-US" dirty="0" smtClean="0"/>
+              <a:t>random</a:t>
             </a:r>
           </a:p>
           <a:p>

--- a/ai_project_presentation.pptx
+++ b/ai_project_presentation.pptx
@@ -8100,25 +8100,6 @@
           </a:p>
         </p:txBody>
       </p:sp>
-      <p:sp>
-        <p:nvSpPr>
-          <p:cNvPr id="3" name="Content Placeholder 2"/>
-          <p:cNvSpPr>
-            <a:spLocks noGrp="1"/>
-          </p:cNvSpPr>
-          <p:nvPr>
-            <p:ph idx="1"/>
-          </p:nvPr>
-        </p:nvSpPr>
-        <p:spPr/>
-        <p:txBody>
-          <a:bodyPr/>
-          <a:lstStyle/>
-          <a:p>
-            <a:endParaRPr lang="en-US" dirty="0"/>
-          </a:p>
-        </p:txBody>
-      </p:sp>
       <p:pic>
         <p:nvPicPr>
           <p:cNvPr id="5" name="Picture 4"/>
@@ -10243,13 +10224,8 @@
             </a:pPr>
             <a:r>
               <a:rPr lang="en-US" sz="2600" dirty="0" smtClean="0"/>
-              <a:t>Victorian Era </a:t>
-            </a:r>
-            <a:r>
-              <a:rPr lang="en-US" sz="2600" dirty="0" smtClean="0"/>
-              <a:t>works (~84 MB of plain text)</a:t>
-            </a:r>
-            <a:endParaRPr lang="en-US" sz="2600" dirty="0" smtClean="0"/>
+              <a:t>Victorian Era works (~84 MB of plain text)</a:t>
+            </a:r>
           </a:p>
           <a:p>
             <a:pPr>
@@ -10258,13 +10234,8 @@
             </a:pPr>
             <a:r>
               <a:rPr lang="en-US" sz="2600" dirty="0" smtClean="0"/>
-              <a:t>Over 100 works written by 12 different </a:t>
-            </a:r>
-            <a:r>
-              <a:rPr lang="en-US" sz="2600" dirty="0" smtClean="0"/>
-              <a:t>authors</a:t>
-            </a:r>
-            <a:endParaRPr lang="en-US" sz="2600" dirty="0" smtClean="0"/>
+              <a:t>Over 100 works written by 12 different authors</a:t>
+            </a:r>
           </a:p>
           <a:p>
             <a:pPr>
@@ -10275,7 +10246,6 @@
               <a:rPr lang="en-US" sz="2600" dirty="0" smtClean="0"/>
               <a:t>Individual vs. Combined</a:t>
             </a:r>
-            <a:endParaRPr lang="en-US" sz="2600" dirty="0" smtClean="0"/>
           </a:p>
           <a:p>
             <a:pPr>
@@ -10859,7 +10829,7 @@
         </p:blipFill>
         <p:spPr>
           <a:xfrm>
-            <a:off x="8107855" y="782583"/>
+            <a:off x="8107855" y="609600"/>
             <a:ext cx="3595164" cy="5702300"/>
           </a:xfrm>
           <a:prstGeom prst="rect">
@@ -10967,15 +10937,7 @@
             </a:pPr>
             <a:r>
               <a:rPr lang="en-US" dirty="0" smtClean="0"/>
-              <a:t>Much b</a:t>
-            </a:r>
-            <a:r>
-              <a:rPr lang="en-US" dirty="0" smtClean="0"/>
-              <a:t>etter </a:t>
-            </a:r>
-            <a:r>
-              <a:rPr lang="en-US" dirty="0" smtClean="0"/>
-              <a:t>than random</a:t>
+              <a:t>Much better than random</a:t>
             </a:r>
           </a:p>
           <a:p>
@@ -10995,15 +10957,7 @@
             </a:pPr>
             <a:r>
               <a:rPr lang="en-US" dirty="0" smtClean="0"/>
-              <a:t>Better </a:t>
-            </a:r>
-            <a:r>
-              <a:rPr lang="en-US" dirty="0" smtClean="0"/>
-              <a:t>than </a:t>
-            </a:r>
-            <a:r>
-              <a:rPr lang="en-US" dirty="0" smtClean="0"/>
-              <a:t>random</a:t>
+              <a:t>Better than random</a:t>
             </a:r>
           </a:p>
           <a:p>
@@ -11293,7 +11247,7 @@
         </p:nvSpPr>
         <p:spPr>
           <a:xfrm>
-            <a:off x="7727624" y="5136669"/>
+            <a:off x="8027662" y="5212868"/>
             <a:ext cx="1966701" cy="369332"/>
           </a:xfrm>
           <a:prstGeom prst="rect">
@@ -11337,7 +11291,7 @@
         </p:blipFill>
         <p:spPr>
           <a:xfrm>
-            <a:off x="7592150" y="1580050"/>
+            <a:off x="7892188" y="1732449"/>
             <a:ext cx="2237651" cy="3271420"/>
           </a:xfrm>
           <a:prstGeom prst="rect">

--- a/ai_project_presentation.pptx
+++ b/ai_project_presentation.pptx
@@ -756,6 +756,182 @@
           <a:p>
             <a:fld id="{53D707A1-1B9C-9244-B89C-5F515C41BB18}" type="slidenum">
               <a:rPr lang="en-US" smtClean="0"/>
+              <a:t>13</a:t>
+            </a:fld>
+            <a:endParaRPr lang="en-US"/>
+          </a:p>
+        </p:txBody>
+      </p:sp>
+    </p:spTree>
+    <p:extLst>
+      <p:ext uri="{BB962C8B-B14F-4D97-AF65-F5344CB8AC3E}">
+        <p14:creationId xmlns:p14="http://schemas.microsoft.com/office/powerpoint/2010/main" val="849301481"/>
+      </p:ext>
+    </p:extLst>
+  </p:cSld>
+  <p:clrMapOvr>
+    <a:masterClrMapping/>
+  </p:clrMapOvr>
+</p:notes>
+</file>
+
+<file path=ppt/notesSlides/notesSlide11.xml><?xml version="1.0" encoding="utf-8"?>
+<p:notes xmlns:a="http://schemas.openxmlformats.org/drawingml/2006/main" xmlns:r="http://schemas.openxmlformats.org/officeDocument/2006/relationships" xmlns:p="http://schemas.openxmlformats.org/presentationml/2006/main">
+  <p:cSld>
+    <p:spTree>
+      <p:nvGrpSpPr>
+        <p:cNvPr id="1" name=""/>
+        <p:cNvGrpSpPr/>
+        <p:nvPr/>
+      </p:nvGrpSpPr>
+      <p:grpSpPr>
+        <a:xfrm>
+          <a:off x="0" y="0"/>
+          <a:ext cx="0" cy="0"/>
+          <a:chOff x="0" y="0"/>
+          <a:chExt cx="0" cy="0"/>
+        </a:xfrm>
+      </p:grpSpPr>
+      <p:sp>
+        <p:nvSpPr>
+          <p:cNvPr id="2" name="Slide Image Placeholder 1"/>
+          <p:cNvSpPr>
+            <a:spLocks noGrp="1" noRot="1" noChangeAspect="1"/>
+          </p:cNvSpPr>
+          <p:nvPr>
+            <p:ph type="sldImg"/>
+          </p:nvPr>
+        </p:nvSpPr>
+        <p:spPr/>
+      </p:sp>
+      <p:sp>
+        <p:nvSpPr>
+          <p:cNvPr id="3" name="Notes Placeholder 2"/>
+          <p:cNvSpPr>
+            <a:spLocks noGrp="1"/>
+          </p:cNvSpPr>
+          <p:nvPr>
+            <p:ph type="body" idx="1"/>
+          </p:nvPr>
+        </p:nvSpPr>
+        <p:spPr/>
+        <p:txBody>
+          <a:bodyPr/>
+          <a:lstStyle/>
+          <a:p>
+            <a:r>
+              <a:rPr lang="en-US" dirty="0" smtClean="0"/>
+              <a:t>me</a:t>
+            </a:r>
+            <a:endParaRPr lang="en-US" dirty="0"/>
+          </a:p>
+        </p:txBody>
+      </p:sp>
+      <p:sp>
+        <p:nvSpPr>
+          <p:cNvPr id="4" name="Slide Number Placeholder 3"/>
+          <p:cNvSpPr>
+            <a:spLocks noGrp="1"/>
+          </p:cNvSpPr>
+          <p:nvPr>
+            <p:ph type="sldNum" sz="quarter" idx="10"/>
+          </p:nvPr>
+        </p:nvSpPr>
+        <p:spPr/>
+        <p:txBody>
+          <a:bodyPr/>
+          <a:lstStyle/>
+          <a:p>
+            <a:fld id="{53D707A1-1B9C-9244-B89C-5F515C41BB18}" type="slidenum">
+              <a:rPr lang="en-US" smtClean="0"/>
+              <a:t>14</a:t>
+            </a:fld>
+            <a:endParaRPr lang="en-US"/>
+          </a:p>
+        </p:txBody>
+      </p:sp>
+    </p:spTree>
+    <p:extLst>
+      <p:ext uri="{BB962C8B-B14F-4D97-AF65-F5344CB8AC3E}">
+        <p14:creationId xmlns:p14="http://schemas.microsoft.com/office/powerpoint/2010/main" val="651612806"/>
+      </p:ext>
+    </p:extLst>
+  </p:cSld>
+  <p:clrMapOvr>
+    <a:masterClrMapping/>
+  </p:clrMapOvr>
+</p:notes>
+</file>
+
+<file path=ppt/notesSlides/notesSlide12.xml><?xml version="1.0" encoding="utf-8"?>
+<p:notes xmlns:a="http://schemas.openxmlformats.org/drawingml/2006/main" xmlns:r="http://schemas.openxmlformats.org/officeDocument/2006/relationships" xmlns:p="http://schemas.openxmlformats.org/presentationml/2006/main">
+  <p:cSld>
+    <p:spTree>
+      <p:nvGrpSpPr>
+        <p:cNvPr id="1" name=""/>
+        <p:cNvGrpSpPr/>
+        <p:nvPr/>
+      </p:nvGrpSpPr>
+      <p:grpSpPr>
+        <a:xfrm>
+          <a:off x="0" y="0"/>
+          <a:ext cx="0" cy="0"/>
+          <a:chOff x="0" y="0"/>
+          <a:chExt cx="0" cy="0"/>
+        </a:xfrm>
+      </p:grpSpPr>
+      <p:sp>
+        <p:nvSpPr>
+          <p:cNvPr id="2" name="Slide Image Placeholder 1"/>
+          <p:cNvSpPr>
+            <a:spLocks noGrp="1" noRot="1" noChangeAspect="1"/>
+          </p:cNvSpPr>
+          <p:nvPr>
+            <p:ph type="sldImg"/>
+          </p:nvPr>
+        </p:nvSpPr>
+        <p:spPr/>
+      </p:sp>
+      <p:sp>
+        <p:nvSpPr>
+          <p:cNvPr id="3" name="Notes Placeholder 2"/>
+          <p:cNvSpPr>
+            <a:spLocks noGrp="1"/>
+          </p:cNvSpPr>
+          <p:nvPr>
+            <p:ph type="body" idx="1"/>
+          </p:nvPr>
+        </p:nvSpPr>
+        <p:spPr/>
+        <p:txBody>
+          <a:bodyPr/>
+          <a:lstStyle/>
+          <a:p>
+            <a:r>
+              <a:rPr lang="en-US" dirty="0" smtClean="0"/>
+              <a:t>matt</a:t>
+            </a:r>
+            <a:endParaRPr lang="en-US" dirty="0"/>
+          </a:p>
+        </p:txBody>
+      </p:sp>
+      <p:sp>
+        <p:nvSpPr>
+          <p:cNvPr id="4" name="Slide Number Placeholder 3"/>
+          <p:cNvSpPr>
+            <a:spLocks noGrp="1"/>
+          </p:cNvSpPr>
+          <p:nvPr>
+            <p:ph type="sldNum" sz="quarter" idx="10"/>
+          </p:nvPr>
+        </p:nvSpPr>
+        <p:spPr/>
+        <p:txBody>
+          <a:bodyPr/>
+          <a:lstStyle/>
+          <a:p>
+            <a:fld id="{53D707A1-1B9C-9244-B89C-5F515C41BB18}" type="slidenum">
+              <a:rPr lang="en-US" smtClean="0"/>
               <a:t>15</a:t>
             </a:fld>
             <a:endParaRPr lang="en-US"/>
@@ -775,7 +951,7 @@
 </p:notes>
 </file>
 
-<file path=ppt/notesSlides/notesSlide11.xml><?xml version="1.0" encoding="utf-8"?>
+<file path=ppt/notesSlides/notesSlide13.xml><?xml version="1.0" encoding="utf-8"?>
 <p:notes xmlns:a="http://schemas.openxmlformats.org/drawingml/2006/main" xmlns:r="http://schemas.openxmlformats.org/officeDocument/2006/relationships" xmlns:p="http://schemas.openxmlformats.org/presentationml/2006/main">
   <p:cSld>
     <p:spTree>
@@ -999,10 +1175,6 @@
           <a:bodyPr/>
           <a:lstStyle/>
           <a:p>
-            <a:r>
-              <a:rPr lang="en-US" dirty="0" err="1" smtClean="0"/>
-              <a:t>brady</a:t>
-            </a:r>
             <a:endParaRPr lang="en-US" dirty="0"/>
           </a:p>
         </p:txBody>
@@ -1024,7 +1196,7 @@
           <a:p>
             <a:fld id="{53D707A1-1B9C-9244-B89C-5F515C41BB18}" type="slidenum">
               <a:rPr lang="en-US" smtClean="0"/>
-              <a:t>8</a:t>
+              <a:t>6</a:t>
             </a:fld>
             <a:endParaRPr lang="en-US"/>
           </a:p>
@@ -1033,7 +1205,7 @@
     </p:spTree>
     <p:extLst>
       <p:ext uri="{BB962C8B-B14F-4D97-AF65-F5344CB8AC3E}">
-        <p14:creationId xmlns:p14="http://schemas.microsoft.com/office/powerpoint/2010/main" val="2070268590"/>
+        <p14:creationId xmlns:p14="http://schemas.microsoft.com/office/powerpoint/2010/main" val="1415835624"/>
       </p:ext>
     </p:extLst>
   </p:cSld>
@@ -1087,10 +1259,6 @@
           <a:bodyPr/>
           <a:lstStyle/>
           <a:p>
-            <a:r>
-              <a:rPr lang="en-US" dirty="0" smtClean="0"/>
-              <a:t>matt</a:t>
-            </a:r>
             <a:endParaRPr lang="en-US" dirty="0"/>
           </a:p>
         </p:txBody>
@@ -1112,7 +1280,7 @@
           <a:p>
             <a:fld id="{53D707A1-1B9C-9244-B89C-5F515C41BB18}" type="slidenum">
               <a:rPr lang="en-US" smtClean="0"/>
-              <a:t>9</a:t>
+              <a:t>7</a:t>
             </a:fld>
             <a:endParaRPr lang="en-US"/>
           </a:p>
@@ -1121,7 +1289,7 @@
     </p:spTree>
     <p:extLst>
       <p:ext uri="{BB962C8B-B14F-4D97-AF65-F5344CB8AC3E}">
-        <p14:creationId xmlns:p14="http://schemas.microsoft.com/office/powerpoint/2010/main" val="1474143436"/>
+        <p14:creationId xmlns:p14="http://schemas.microsoft.com/office/powerpoint/2010/main" val="296186721"/>
       </p:ext>
     </p:extLst>
   </p:cSld>
@@ -1176,8 +1344,8 @@
           <a:lstStyle/>
           <a:p>
             <a:r>
-              <a:rPr lang="en-US" dirty="0" smtClean="0"/>
-              <a:t>me</a:t>
+              <a:rPr lang="en-US" dirty="0" err="1" smtClean="0"/>
+              <a:t>brady</a:t>
             </a:r>
             <a:endParaRPr lang="en-US" dirty="0"/>
           </a:p>
@@ -1200,7 +1368,7 @@
           <a:p>
             <a:fld id="{53D707A1-1B9C-9244-B89C-5F515C41BB18}" type="slidenum">
               <a:rPr lang="en-US" smtClean="0"/>
-              <a:t>10</a:t>
+              <a:t>8</a:t>
             </a:fld>
             <a:endParaRPr lang="en-US"/>
           </a:p>
@@ -1209,7 +1377,7 @@
     </p:spTree>
     <p:extLst>
       <p:ext uri="{BB962C8B-B14F-4D97-AF65-F5344CB8AC3E}">
-        <p14:creationId xmlns:p14="http://schemas.microsoft.com/office/powerpoint/2010/main" val="409893413"/>
+        <p14:creationId xmlns:p14="http://schemas.microsoft.com/office/powerpoint/2010/main" val="2070268590"/>
       </p:ext>
     </p:extLst>
   </p:cSld>
@@ -1288,7 +1456,7 @@
           <a:p>
             <a:fld id="{53D707A1-1B9C-9244-B89C-5F515C41BB18}" type="slidenum">
               <a:rPr lang="en-US" smtClean="0"/>
-              <a:t>11</a:t>
+              <a:t>9</a:t>
             </a:fld>
             <a:endParaRPr lang="en-US"/>
           </a:p>
@@ -1297,7 +1465,7 @@
     </p:spTree>
     <p:extLst>
       <p:ext uri="{BB962C8B-B14F-4D97-AF65-F5344CB8AC3E}">
-        <p14:creationId xmlns:p14="http://schemas.microsoft.com/office/powerpoint/2010/main" val="2098536362"/>
+        <p14:creationId xmlns:p14="http://schemas.microsoft.com/office/powerpoint/2010/main" val="1474143436"/>
       </p:ext>
     </p:extLst>
   </p:cSld>
@@ -1376,7 +1544,7 @@
           <a:p>
             <a:fld id="{53D707A1-1B9C-9244-B89C-5F515C41BB18}" type="slidenum">
               <a:rPr lang="en-US" smtClean="0"/>
-              <a:t>12</a:t>
+              <a:t>10</a:t>
             </a:fld>
             <a:endParaRPr lang="en-US"/>
           </a:p>
@@ -1385,7 +1553,7 @@
     </p:spTree>
     <p:extLst>
       <p:ext uri="{BB962C8B-B14F-4D97-AF65-F5344CB8AC3E}">
-        <p14:creationId xmlns:p14="http://schemas.microsoft.com/office/powerpoint/2010/main" val="1976701453"/>
+        <p14:creationId xmlns:p14="http://schemas.microsoft.com/office/powerpoint/2010/main" val="409893413"/>
       </p:ext>
     </p:extLst>
   </p:cSld>
@@ -1464,7 +1632,7 @@
           <a:p>
             <a:fld id="{53D707A1-1B9C-9244-B89C-5F515C41BB18}" type="slidenum">
               <a:rPr lang="en-US" smtClean="0"/>
-              <a:t>13</a:t>
+              <a:t>11</a:t>
             </a:fld>
             <a:endParaRPr lang="en-US"/>
           </a:p>
@@ -1473,7 +1641,7 @@
     </p:spTree>
     <p:extLst>
       <p:ext uri="{BB962C8B-B14F-4D97-AF65-F5344CB8AC3E}">
-        <p14:creationId xmlns:p14="http://schemas.microsoft.com/office/powerpoint/2010/main" val="849301481"/>
+        <p14:creationId xmlns:p14="http://schemas.microsoft.com/office/powerpoint/2010/main" val="2098536362"/>
       </p:ext>
     </p:extLst>
   </p:cSld>
@@ -1528,8 +1696,8 @@
           <a:lstStyle/>
           <a:p>
             <a:r>
-              <a:rPr lang="en-US" dirty="0" smtClean="0"/>
-              <a:t>me</a:t>
+              <a:rPr lang="en-US" smtClean="0"/>
+              <a:t>Me</a:t>
             </a:r>
             <a:endParaRPr lang="en-US" dirty="0"/>
           </a:p>
@@ -1552,7 +1720,7 @@
           <a:p>
             <a:fld id="{53D707A1-1B9C-9244-B89C-5F515C41BB18}" type="slidenum">
               <a:rPr lang="en-US" smtClean="0"/>
-              <a:t>14</a:t>
+              <a:t>12</a:t>
             </a:fld>
             <a:endParaRPr lang="en-US"/>
           </a:p>
@@ -1561,7 +1729,7 @@
     </p:spTree>
     <p:extLst>
       <p:ext uri="{BB962C8B-B14F-4D97-AF65-F5344CB8AC3E}">
-        <p14:creationId xmlns:p14="http://schemas.microsoft.com/office/powerpoint/2010/main" val="651612806"/>
+        <p14:creationId xmlns:p14="http://schemas.microsoft.com/office/powerpoint/2010/main" val="1976701453"/>
       </p:ext>
     </p:extLst>
   </p:cSld>
@@ -10816,7 +10984,7 @@
           <p:nvPr/>
         </p:nvPicPr>
         <p:blipFill>
-          <a:blip r:embed="rId2">
+          <a:blip r:embed="rId3">
             <a:extLst>
               <a:ext uri="{28A0092B-C50C-407E-A947-70E740481C1C}">
                 <a14:useLocalDpi xmlns:a14="http://schemas.microsoft.com/office/drawing/2010/main" val="0"/>
